--- a/Pictures/草稿纸.pptx
+++ b/Pictures/草稿纸.pptx
@@ -13,6 +13,8 @@
     <p:sldId id="261" r:id="rId7"/>
     <p:sldId id="262" r:id="rId8"/>
     <p:sldId id="263" r:id="rId9"/>
+    <p:sldId id="264" r:id="rId10"/>
+    <p:sldId id="265" r:id="rId11"/>
   </p:sldIdLst>
   <p:sldSz cx="12192000" cy="6858000"/>
   <p:notesSz cx="6858000" cy="9144000"/>
@@ -266,7 +268,7 @@
           <a:p>
             <a:fld id="{ED8AD0AC-0BAE-4D9B-8B49-2B6B690D8953}" type="datetimeFigureOut">
               <a:rPr lang="zh-CN" altLang="en-US" smtClean="0"/>
-              <a:t>2024/12/15</a:t>
+              <a:t>2024/12/30</a:t>
             </a:fld>
             <a:endParaRPr lang="zh-CN" altLang="en-US"/>
           </a:p>
@@ -464,7 +466,7 @@
           <a:p>
             <a:fld id="{ED8AD0AC-0BAE-4D9B-8B49-2B6B690D8953}" type="datetimeFigureOut">
               <a:rPr lang="zh-CN" altLang="en-US" smtClean="0"/>
-              <a:t>2024/12/15</a:t>
+              <a:t>2024/12/30</a:t>
             </a:fld>
             <a:endParaRPr lang="zh-CN" altLang="en-US"/>
           </a:p>
@@ -672,7 +674,7 @@
           <a:p>
             <a:fld id="{ED8AD0AC-0BAE-4D9B-8B49-2B6B690D8953}" type="datetimeFigureOut">
               <a:rPr lang="zh-CN" altLang="en-US" smtClean="0"/>
-              <a:t>2024/12/15</a:t>
+              <a:t>2024/12/30</a:t>
             </a:fld>
             <a:endParaRPr lang="zh-CN" altLang="en-US"/>
           </a:p>
@@ -870,7 +872,7 @@
           <a:p>
             <a:fld id="{ED8AD0AC-0BAE-4D9B-8B49-2B6B690D8953}" type="datetimeFigureOut">
               <a:rPr lang="zh-CN" altLang="en-US" smtClean="0"/>
-              <a:t>2024/12/15</a:t>
+              <a:t>2024/12/30</a:t>
             </a:fld>
             <a:endParaRPr lang="zh-CN" altLang="en-US"/>
           </a:p>
@@ -1145,7 +1147,7 @@
           <a:p>
             <a:fld id="{ED8AD0AC-0BAE-4D9B-8B49-2B6B690D8953}" type="datetimeFigureOut">
               <a:rPr lang="zh-CN" altLang="en-US" smtClean="0"/>
-              <a:t>2024/12/15</a:t>
+              <a:t>2024/12/30</a:t>
             </a:fld>
             <a:endParaRPr lang="zh-CN" altLang="en-US"/>
           </a:p>
@@ -1410,7 +1412,7 @@
           <a:p>
             <a:fld id="{ED8AD0AC-0BAE-4D9B-8B49-2B6B690D8953}" type="datetimeFigureOut">
               <a:rPr lang="zh-CN" altLang="en-US" smtClean="0"/>
-              <a:t>2024/12/15</a:t>
+              <a:t>2024/12/30</a:t>
             </a:fld>
             <a:endParaRPr lang="zh-CN" altLang="en-US"/>
           </a:p>
@@ -1822,7 +1824,7 @@
           <a:p>
             <a:fld id="{ED8AD0AC-0BAE-4D9B-8B49-2B6B690D8953}" type="datetimeFigureOut">
               <a:rPr lang="zh-CN" altLang="en-US" smtClean="0"/>
-              <a:t>2024/12/15</a:t>
+              <a:t>2024/12/30</a:t>
             </a:fld>
             <a:endParaRPr lang="zh-CN" altLang="en-US"/>
           </a:p>
@@ -1963,7 +1965,7 @@
           <a:p>
             <a:fld id="{ED8AD0AC-0BAE-4D9B-8B49-2B6B690D8953}" type="datetimeFigureOut">
               <a:rPr lang="zh-CN" altLang="en-US" smtClean="0"/>
-              <a:t>2024/12/15</a:t>
+              <a:t>2024/12/30</a:t>
             </a:fld>
             <a:endParaRPr lang="zh-CN" altLang="en-US"/>
           </a:p>
@@ -2076,7 +2078,7 @@
           <a:p>
             <a:fld id="{ED8AD0AC-0BAE-4D9B-8B49-2B6B690D8953}" type="datetimeFigureOut">
               <a:rPr lang="zh-CN" altLang="en-US" smtClean="0"/>
-              <a:t>2024/12/15</a:t>
+              <a:t>2024/12/30</a:t>
             </a:fld>
             <a:endParaRPr lang="zh-CN" altLang="en-US"/>
           </a:p>
@@ -2387,7 +2389,7 @@
           <a:p>
             <a:fld id="{ED8AD0AC-0BAE-4D9B-8B49-2B6B690D8953}" type="datetimeFigureOut">
               <a:rPr lang="zh-CN" altLang="en-US" smtClean="0"/>
-              <a:t>2024/12/15</a:t>
+              <a:t>2024/12/30</a:t>
             </a:fld>
             <a:endParaRPr lang="zh-CN" altLang="en-US"/>
           </a:p>
@@ -2675,7 +2677,7 @@
           <a:p>
             <a:fld id="{ED8AD0AC-0BAE-4D9B-8B49-2B6B690D8953}" type="datetimeFigureOut">
               <a:rPr lang="zh-CN" altLang="en-US" smtClean="0"/>
-              <a:t>2024/12/15</a:t>
+              <a:t>2024/12/30</a:t>
             </a:fld>
             <a:endParaRPr lang="zh-CN" altLang="en-US"/>
           </a:p>
@@ -2919,7 +2921,7 @@
           <a:p>
             <a:fld id="{ED8AD0AC-0BAE-4D9B-8B49-2B6B690D8953}" type="datetimeFigureOut">
               <a:rPr lang="zh-CN" altLang="en-US" smtClean="0"/>
-              <a:t>2024/12/15</a:t>
+              <a:t>2024/12/30</a:t>
             </a:fld>
             <a:endParaRPr lang="zh-CN" altLang="en-US"/>
           </a:p>
@@ -3420,6 +3422,86 @@
     <p:extLst>
       <p:ext uri="{BB962C8B-B14F-4D97-AF65-F5344CB8AC3E}">
         <p14:creationId xmlns:p14="http://schemas.microsoft.com/office/powerpoint/2010/main" val="3101256104"/>
+      </p:ext>
+    </p:extLst>
+  </p:cSld>
+  <p:clrMapOvr>
+    <a:masterClrMapping/>
+  </p:clrMapOvr>
+</p:sld>
+</file>
+
+<file path=ppt/slides/slide10.xml><?xml version="1.0" encoding="utf-8"?>
+<p:sld xmlns:a="http://schemas.openxmlformats.org/drawingml/2006/main" xmlns:r="http://schemas.openxmlformats.org/officeDocument/2006/relationships" xmlns:p="http://schemas.openxmlformats.org/presentationml/2006/main">
+  <p:cSld>
+    <p:spTree>
+      <p:nvGrpSpPr>
+        <p:cNvPr id="1" name=""/>
+        <p:cNvGrpSpPr/>
+        <p:nvPr/>
+      </p:nvGrpSpPr>
+      <p:grpSpPr>
+        <a:xfrm>
+          <a:off x="0" y="0"/>
+          <a:ext cx="0" cy="0"/>
+          <a:chOff x="0" y="0"/>
+          <a:chExt cx="0" cy="0"/>
+        </a:xfrm>
+      </p:grpSpPr>
+      <p:sp>
+        <p:nvSpPr>
+          <p:cNvPr id="2" name="标题 1">
+            <a:extLst>
+              <a:ext uri="{FF2B5EF4-FFF2-40B4-BE49-F238E27FC236}">
+                <a16:creationId xmlns:a16="http://schemas.microsoft.com/office/drawing/2014/main" id="{007C6CBA-AACB-4CDB-A9A9-71238355761A}"/>
+              </a:ext>
+            </a:extLst>
+          </p:cNvPr>
+          <p:cNvSpPr>
+            <a:spLocks noGrp="1"/>
+          </p:cNvSpPr>
+          <p:nvPr>
+            <p:ph type="title"/>
+          </p:nvPr>
+        </p:nvSpPr>
+        <p:spPr/>
+        <p:txBody>
+          <a:bodyPr/>
+          <a:lstStyle/>
+          <a:p>
+            <a:endParaRPr lang="zh-CN" altLang="en-US"/>
+          </a:p>
+        </p:txBody>
+      </p:sp>
+      <p:sp>
+        <p:nvSpPr>
+          <p:cNvPr id="3" name="内容占位符 2">
+            <a:extLst>
+              <a:ext uri="{FF2B5EF4-FFF2-40B4-BE49-F238E27FC236}">
+                <a16:creationId xmlns:a16="http://schemas.microsoft.com/office/drawing/2014/main" id="{D536F636-FB92-4D34-8A7D-4701CBD66CB0}"/>
+              </a:ext>
+            </a:extLst>
+          </p:cNvPr>
+          <p:cNvSpPr>
+            <a:spLocks noGrp="1"/>
+          </p:cNvSpPr>
+          <p:nvPr>
+            <p:ph idx="1"/>
+          </p:nvPr>
+        </p:nvSpPr>
+        <p:spPr/>
+        <p:txBody>
+          <a:bodyPr/>
+          <a:lstStyle/>
+          <a:p>
+            <a:endParaRPr lang="zh-CN" altLang="en-US"/>
+          </a:p>
+        </p:txBody>
+      </p:sp>
+    </p:spTree>
+    <p:extLst>
+      <p:ext uri="{BB962C8B-B14F-4D97-AF65-F5344CB8AC3E}">
+        <p14:creationId xmlns:p14="http://schemas.microsoft.com/office/powerpoint/2010/main" val="1440666342"/>
       </p:ext>
     </p:extLst>
   </p:cSld>
@@ -5093,6 +5175,668 @@
 </p:sld>
 </file>
 
+<file path=ppt/slides/slide9.xml><?xml version="1.0" encoding="utf-8"?>
+<p:sld xmlns:a="http://schemas.openxmlformats.org/drawingml/2006/main" xmlns:r="http://schemas.openxmlformats.org/officeDocument/2006/relationships" xmlns:p="http://schemas.openxmlformats.org/presentationml/2006/main">
+  <p:cSld>
+    <p:spTree>
+      <p:nvGrpSpPr>
+        <p:cNvPr id="1" name=""/>
+        <p:cNvGrpSpPr/>
+        <p:nvPr/>
+      </p:nvGrpSpPr>
+      <p:grpSpPr>
+        <a:xfrm>
+          <a:off x="0" y="0"/>
+          <a:ext cx="0" cy="0"/>
+          <a:chOff x="0" y="0"/>
+          <a:chExt cx="0" cy="0"/>
+        </a:xfrm>
+      </p:grpSpPr>
+      <p:pic>
+        <p:nvPicPr>
+          <p:cNvPr id="7" name="图片 6">
+            <a:extLst>
+              <a:ext uri="{FF2B5EF4-FFF2-40B4-BE49-F238E27FC236}">
+                <a16:creationId xmlns:a16="http://schemas.microsoft.com/office/drawing/2014/main" id="{3717CA26-67A5-4BA4-BF8E-C639514CE2BD}"/>
+              </a:ext>
+            </a:extLst>
+          </p:cNvPr>
+          <p:cNvPicPr>
+            <a:picLocks noChangeAspect="1"/>
+          </p:cNvPicPr>
+          <p:nvPr/>
+        </p:nvPicPr>
+        <p:blipFill>
+          <a:blip r:embed="rId2">
+            <a:extLst>
+              <a:ext uri="{28A0092B-C50C-407E-A947-70E740481C1C}">
+                <a14:useLocalDpi xmlns:a14="http://schemas.microsoft.com/office/drawing/2010/main" val="0"/>
+              </a:ext>
+            </a:extLst>
+          </a:blip>
+          <a:stretch>
+            <a:fillRect/>
+          </a:stretch>
+        </p:blipFill>
+        <p:spPr>
+          <a:xfrm>
+            <a:off x="5191819" y="602932"/>
+            <a:ext cx="1625397" cy="2438095"/>
+          </a:xfrm>
+          <a:prstGeom prst="rect">
+            <a:avLst/>
+          </a:prstGeom>
+        </p:spPr>
+      </p:pic>
+      <p:pic>
+        <p:nvPicPr>
+          <p:cNvPr id="9" name="图片 8">
+            <a:extLst>
+              <a:ext uri="{FF2B5EF4-FFF2-40B4-BE49-F238E27FC236}">
+                <a16:creationId xmlns:a16="http://schemas.microsoft.com/office/drawing/2014/main" id="{F637F631-DDBA-42BC-838F-051BB3BC2F18}"/>
+              </a:ext>
+            </a:extLst>
+          </p:cNvPr>
+          <p:cNvPicPr>
+            <a:picLocks noChangeAspect="1"/>
+          </p:cNvPicPr>
+          <p:nvPr/>
+        </p:nvPicPr>
+        <p:blipFill>
+          <a:blip r:embed="rId3">
+            <a:extLst>
+              <a:ext uri="{28A0092B-C50C-407E-A947-70E740481C1C}">
+                <a14:useLocalDpi xmlns:a14="http://schemas.microsoft.com/office/drawing/2010/main" val="0"/>
+              </a:ext>
+            </a:extLst>
+          </a:blip>
+          <a:stretch>
+            <a:fillRect/>
+          </a:stretch>
+        </p:blipFill>
+        <p:spPr>
+          <a:xfrm>
+            <a:off x="8806643" y="912486"/>
+            <a:ext cx="1625397" cy="2438095"/>
+          </a:xfrm>
+          <a:prstGeom prst="rect">
+            <a:avLst/>
+          </a:prstGeom>
+        </p:spPr>
+      </p:pic>
+      <p:pic>
+        <p:nvPicPr>
+          <p:cNvPr id="13" name="图片 12">
+            <a:extLst>
+              <a:ext uri="{FF2B5EF4-FFF2-40B4-BE49-F238E27FC236}">
+                <a16:creationId xmlns:a16="http://schemas.microsoft.com/office/drawing/2014/main" id="{D0617A87-1B3C-408B-8E81-B72522CA7347}"/>
+              </a:ext>
+            </a:extLst>
+          </p:cNvPr>
+          <p:cNvPicPr>
+            <a:picLocks noChangeAspect="1"/>
+          </p:cNvPicPr>
+          <p:nvPr/>
+        </p:nvPicPr>
+        <p:blipFill rotWithShape="1">
+          <a:blip r:embed="rId4">
+            <a:extLst>
+              <a:ext uri="{28A0092B-C50C-407E-A947-70E740481C1C}">
+                <a14:useLocalDpi xmlns:a14="http://schemas.microsoft.com/office/drawing/2010/main" val="0"/>
+              </a:ext>
+            </a:extLst>
+          </a:blip>
+          <a:srcRect r="74276" b="74607"/>
+          <a:stretch/>
+        </p:blipFill>
+        <p:spPr>
+          <a:xfrm>
+            <a:off x="735758" y="577869"/>
+            <a:ext cx="418108" cy="619108"/>
+          </a:xfrm>
+          <a:prstGeom prst="rect">
+            <a:avLst/>
+          </a:prstGeom>
+        </p:spPr>
+      </p:pic>
+      <p:pic>
+        <p:nvPicPr>
+          <p:cNvPr id="14" name="图片 13">
+            <a:extLst>
+              <a:ext uri="{FF2B5EF4-FFF2-40B4-BE49-F238E27FC236}">
+                <a16:creationId xmlns:a16="http://schemas.microsoft.com/office/drawing/2014/main" id="{BA3CFDDC-B25E-4091-9B11-A17D823E6DBA}"/>
+              </a:ext>
+            </a:extLst>
+          </p:cNvPr>
+          <p:cNvPicPr>
+            <a:picLocks noChangeAspect="1"/>
+          </p:cNvPicPr>
+          <p:nvPr/>
+        </p:nvPicPr>
+        <p:blipFill rotWithShape="1">
+          <a:blip r:embed="rId4">
+            <a:extLst>
+              <a:ext uri="{28A0092B-C50C-407E-A947-70E740481C1C}">
+                <a14:useLocalDpi xmlns:a14="http://schemas.microsoft.com/office/drawing/2010/main" val="0"/>
+              </a:ext>
+            </a:extLst>
+          </a:blip>
+          <a:srcRect l="25751" r="48525" b="74607"/>
+          <a:stretch/>
+        </p:blipFill>
+        <p:spPr>
+          <a:xfrm>
+            <a:off x="1221194" y="577869"/>
+            <a:ext cx="418108" cy="619108"/>
+          </a:xfrm>
+          <a:prstGeom prst="rect">
+            <a:avLst/>
+          </a:prstGeom>
+        </p:spPr>
+      </p:pic>
+      <p:pic>
+        <p:nvPicPr>
+          <p:cNvPr id="16" name="图片 15">
+            <a:extLst>
+              <a:ext uri="{FF2B5EF4-FFF2-40B4-BE49-F238E27FC236}">
+                <a16:creationId xmlns:a16="http://schemas.microsoft.com/office/drawing/2014/main" id="{7C951700-5CBD-4917-8627-114CE9556EA8}"/>
+              </a:ext>
+            </a:extLst>
+          </p:cNvPr>
+          <p:cNvPicPr>
+            <a:picLocks noChangeAspect="1"/>
+          </p:cNvPicPr>
+          <p:nvPr/>
+        </p:nvPicPr>
+        <p:blipFill rotWithShape="1">
+          <a:blip r:embed="rId4">
+            <a:extLst>
+              <a:ext uri="{28A0092B-C50C-407E-A947-70E740481C1C}">
+                <a14:useLocalDpi xmlns:a14="http://schemas.microsoft.com/office/drawing/2010/main" val="0"/>
+              </a:ext>
+            </a:extLst>
+          </a:blip>
+          <a:srcRect l="50152" r="24124" b="74607"/>
+          <a:stretch/>
+        </p:blipFill>
+        <p:spPr>
+          <a:xfrm>
+            <a:off x="1759960" y="577869"/>
+            <a:ext cx="418108" cy="619108"/>
+          </a:xfrm>
+          <a:prstGeom prst="rect">
+            <a:avLst/>
+          </a:prstGeom>
+        </p:spPr>
+      </p:pic>
+      <p:pic>
+        <p:nvPicPr>
+          <p:cNvPr id="17" name="图片 16">
+            <a:extLst>
+              <a:ext uri="{FF2B5EF4-FFF2-40B4-BE49-F238E27FC236}">
+                <a16:creationId xmlns:a16="http://schemas.microsoft.com/office/drawing/2014/main" id="{2279515E-0175-4268-9333-6BE0C0CC2778}"/>
+              </a:ext>
+            </a:extLst>
+          </p:cNvPr>
+          <p:cNvPicPr>
+            <a:picLocks noChangeAspect="1"/>
+          </p:cNvPicPr>
+          <p:nvPr/>
+        </p:nvPicPr>
+        <p:blipFill rotWithShape="1">
+          <a:blip r:embed="rId4">
+            <a:extLst>
+              <a:ext uri="{28A0092B-C50C-407E-A947-70E740481C1C}">
+                <a14:useLocalDpi xmlns:a14="http://schemas.microsoft.com/office/drawing/2010/main" val="0"/>
+              </a:ext>
+            </a:extLst>
+          </a:blip>
+          <a:srcRect l="76991" t="176" r="-2715" b="74431"/>
+          <a:stretch/>
+        </p:blipFill>
+        <p:spPr>
+          <a:xfrm>
+            <a:off x="2242946" y="568819"/>
+            <a:ext cx="418108" cy="619108"/>
+          </a:xfrm>
+          <a:prstGeom prst="rect">
+            <a:avLst/>
+          </a:prstGeom>
+        </p:spPr>
+      </p:pic>
+      <p:pic>
+        <p:nvPicPr>
+          <p:cNvPr id="19" name="图片 18">
+            <a:extLst>
+              <a:ext uri="{FF2B5EF4-FFF2-40B4-BE49-F238E27FC236}">
+                <a16:creationId xmlns:a16="http://schemas.microsoft.com/office/drawing/2014/main" id="{A650B273-1E5A-4879-9ED0-8CD032561C69}"/>
+              </a:ext>
+            </a:extLst>
+          </p:cNvPr>
+          <p:cNvPicPr>
+            <a:picLocks noChangeAspect="1"/>
+          </p:cNvPicPr>
+          <p:nvPr/>
+        </p:nvPicPr>
+        <p:blipFill rotWithShape="1">
+          <a:blip r:embed="rId4">
+            <a:extLst>
+              <a:ext uri="{28A0092B-C50C-407E-A947-70E740481C1C}">
+                <a14:useLocalDpi xmlns:a14="http://schemas.microsoft.com/office/drawing/2010/main" val="0"/>
+              </a:ext>
+            </a:extLst>
+          </a:blip>
+          <a:srcRect l="1187" t="25393" r="73089" b="49214"/>
+          <a:stretch/>
+        </p:blipFill>
+        <p:spPr>
+          <a:xfrm>
+            <a:off x="737423" y="1512426"/>
+            <a:ext cx="418108" cy="619108"/>
+          </a:xfrm>
+          <a:prstGeom prst="rect">
+            <a:avLst/>
+          </a:prstGeom>
+        </p:spPr>
+      </p:pic>
+      <p:pic>
+        <p:nvPicPr>
+          <p:cNvPr id="20" name="图片 19">
+            <a:extLst>
+              <a:ext uri="{FF2B5EF4-FFF2-40B4-BE49-F238E27FC236}">
+                <a16:creationId xmlns:a16="http://schemas.microsoft.com/office/drawing/2014/main" id="{BD09A14C-AED1-4443-9D67-252DEB1BE045}"/>
+              </a:ext>
+            </a:extLst>
+          </p:cNvPr>
+          <p:cNvPicPr>
+            <a:picLocks noChangeAspect="1"/>
+          </p:cNvPicPr>
+          <p:nvPr/>
+        </p:nvPicPr>
+        <p:blipFill rotWithShape="1">
+          <a:blip r:embed="rId4">
+            <a:extLst>
+              <a:ext uri="{28A0092B-C50C-407E-A947-70E740481C1C}">
+                <a14:useLocalDpi xmlns:a14="http://schemas.microsoft.com/office/drawing/2010/main" val="0"/>
+              </a:ext>
+            </a:extLst>
+          </a:blip>
+          <a:srcRect l="26148" t="25393" r="48128" b="49214"/>
+          <a:stretch/>
+        </p:blipFill>
+        <p:spPr>
+          <a:xfrm>
+            <a:off x="1220381" y="1512426"/>
+            <a:ext cx="418108" cy="619108"/>
+          </a:xfrm>
+          <a:prstGeom prst="rect">
+            <a:avLst/>
+          </a:prstGeom>
+        </p:spPr>
+      </p:pic>
+      <p:pic>
+        <p:nvPicPr>
+          <p:cNvPr id="21" name="图片 20">
+            <a:extLst>
+              <a:ext uri="{FF2B5EF4-FFF2-40B4-BE49-F238E27FC236}">
+                <a16:creationId xmlns:a16="http://schemas.microsoft.com/office/drawing/2014/main" id="{399B4E79-3A2C-4F36-86D2-95BFE821AD6C}"/>
+              </a:ext>
+            </a:extLst>
+          </p:cNvPr>
+          <p:cNvPicPr>
+            <a:picLocks noChangeAspect="1"/>
+          </p:cNvPicPr>
+          <p:nvPr/>
+        </p:nvPicPr>
+        <p:blipFill rotWithShape="1">
+          <a:blip r:embed="rId4">
+            <a:extLst>
+              <a:ext uri="{28A0092B-C50C-407E-A947-70E740481C1C}">
+                <a14:useLocalDpi xmlns:a14="http://schemas.microsoft.com/office/drawing/2010/main" val="0"/>
+              </a:ext>
+            </a:extLst>
+          </a:blip>
+          <a:srcRect l="50683" t="25393" r="23593" b="49214"/>
+          <a:stretch/>
+        </p:blipFill>
+        <p:spPr>
+          <a:xfrm>
+            <a:off x="1703339" y="1512426"/>
+            <a:ext cx="418108" cy="619108"/>
+          </a:xfrm>
+          <a:prstGeom prst="rect">
+            <a:avLst/>
+          </a:prstGeom>
+        </p:spPr>
+      </p:pic>
+      <p:pic>
+        <p:nvPicPr>
+          <p:cNvPr id="22" name="图片 21">
+            <a:extLst>
+              <a:ext uri="{FF2B5EF4-FFF2-40B4-BE49-F238E27FC236}">
+                <a16:creationId xmlns:a16="http://schemas.microsoft.com/office/drawing/2014/main" id="{A32E9D72-ACF8-462E-9C8B-C8D1CCB7CF10}"/>
+              </a:ext>
+            </a:extLst>
+          </p:cNvPr>
+          <p:cNvPicPr>
+            <a:picLocks noChangeAspect="1"/>
+          </p:cNvPicPr>
+          <p:nvPr/>
+        </p:nvPicPr>
+        <p:blipFill rotWithShape="1">
+          <a:blip r:embed="rId4">
+            <a:extLst>
+              <a:ext uri="{28A0092B-C50C-407E-A947-70E740481C1C}">
+                <a14:useLocalDpi xmlns:a14="http://schemas.microsoft.com/office/drawing/2010/main" val="0"/>
+              </a:ext>
+            </a:extLst>
+          </a:blip>
+          <a:srcRect l="75724" t="25393" r="-1448" b="49214"/>
+          <a:stretch/>
+        </p:blipFill>
+        <p:spPr>
+          <a:xfrm>
+            <a:off x="2121447" y="1512426"/>
+            <a:ext cx="418108" cy="619108"/>
+          </a:xfrm>
+          <a:prstGeom prst="rect">
+            <a:avLst/>
+          </a:prstGeom>
+        </p:spPr>
+      </p:pic>
+      <p:pic>
+        <p:nvPicPr>
+          <p:cNvPr id="23" name="图片 22">
+            <a:extLst>
+              <a:ext uri="{FF2B5EF4-FFF2-40B4-BE49-F238E27FC236}">
+                <a16:creationId xmlns:a16="http://schemas.microsoft.com/office/drawing/2014/main" id="{1DCAFDDD-B22A-446E-8BD5-5874B49982D6}"/>
+              </a:ext>
+            </a:extLst>
+          </p:cNvPr>
+          <p:cNvPicPr>
+            <a:picLocks noChangeAspect="1"/>
+          </p:cNvPicPr>
+          <p:nvPr/>
+        </p:nvPicPr>
+        <p:blipFill rotWithShape="1">
+          <a:blip r:embed="rId4">
+            <a:extLst>
+              <a:ext uri="{28A0092B-C50C-407E-A947-70E740481C1C}">
+                <a14:useLocalDpi xmlns:a14="http://schemas.microsoft.com/office/drawing/2010/main" val="0"/>
+              </a:ext>
+            </a:extLst>
+          </a:blip>
+          <a:srcRect l="-2377" t="50000" r="76653" b="24607"/>
+          <a:stretch/>
+        </p:blipFill>
+        <p:spPr>
+          <a:xfrm>
+            <a:off x="735758" y="2346753"/>
+            <a:ext cx="418108" cy="619108"/>
+          </a:xfrm>
+          <a:prstGeom prst="rect">
+            <a:avLst/>
+          </a:prstGeom>
+        </p:spPr>
+      </p:pic>
+      <p:pic>
+        <p:nvPicPr>
+          <p:cNvPr id="25" name="图片 24">
+            <a:extLst>
+              <a:ext uri="{FF2B5EF4-FFF2-40B4-BE49-F238E27FC236}">
+                <a16:creationId xmlns:a16="http://schemas.microsoft.com/office/drawing/2014/main" id="{B2FD5BBE-FA67-4F8D-93D0-D5790AB50CB3}"/>
+              </a:ext>
+            </a:extLst>
+          </p:cNvPr>
+          <p:cNvPicPr>
+            <a:picLocks noChangeAspect="1"/>
+          </p:cNvPicPr>
+          <p:nvPr/>
+        </p:nvPicPr>
+        <p:blipFill rotWithShape="1">
+          <a:blip r:embed="rId4">
+            <a:extLst>
+              <a:ext uri="{28A0092B-C50C-407E-A947-70E740481C1C}">
+                <a14:useLocalDpi xmlns:a14="http://schemas.microsoft.com/office/drawing/2010/main" val="0"/>
+              </a:ext>
+            </a:extLst>
+          </a:blip>
+          <a:srcRect l="23687" t="50000" r="50589" b="24607"/>
+          <a:stretch/>
+        </p:blipFill>
+        <p:spPr>
+          <a:xfrm>
+            <a:off x="1153866" y="2346753"/>
+            <a:ext cx="418108" cy="619108"/>
+          </a:xfrm>
+          <a:prstGeom prst="rect">
+            <a:avLst/>
+          </a:prstGeom>
+        </p:spPr>
+      </p:pic>
+      <p:pic>
+        <p:nvPicPr>
+          <p:cNvPr id="26" name="图片 25">
+            <a:extLst>
+              <a:ext uri="{FF2B5EF4-FFF2-40B4-BE49-F238E27FC236}">
+                <a16:creationId xmlns:a16="http://schemas.microsoft.com/office/drawing/2014/main" id="{492660ED-7140-4698-9753-48C121A8BC21}"/>
+              </a:ext>
+            </a:extLst>
+          </p:cNvPr>
+          <p:cNvPicPr>
+            <a:picLocks noChangeAspect="1"/>
+          </p:cNvPicPr>
+          <p:nvPr/>
+        </p:nvPicPr>
+        <p:blipFill rotWithShape="1">
+          <a:blip r:embed="rId4">
+            <a:extLst>
+              <a:ext uri="{28A0092B-C50C-407E-A947-70E740481C1C}">
+                <a14:useLocalDpi xmlns:a14="http://schemas.microsoft.com/office/drawing/2010/main" val="0"/>
+              </a:ext>
+            </a:extLst>
+          </a:blip>
+          <a:srcRect l="47542" t="50000" r="26734" b="24607"/>
+          <a:stretch/>
+        </p:blipFill>
+        <p:spPr>
+          <a:xfrm>
+            <a:off x="1571974" y="2346752"/>
+            <a:ext cx="418108" cy="619108"/>
+          </a:xfrm>
+          <a:prstGeom prst="rect">
+            <a:avLst/>
+          </a:prstGeom>
+        </p:spPr>
+      </p:pic>
+      <p:pic>
+        <p:nvPicPr>
+          <p:cNvPr id="27" name="图片 26">
+            <a:extLst>
+              <a:ext uri="{FF2B5EF4-FFF2-40B4-BE49-F238E27FC236}">
+                <a16:creationId xmlns:a16="http://schemas.microsoft.com/office/drawing/2014/main" id="{BAB343DE-9AE1-4CF5-B18F-26EF6198D435}"/>
+              </a:ext>
+            </a:extLst>
+          </p:cNvPr>
+          <p:cNvPicPr>
+            <a:picLocks noChangeAspect="1"/>
+          </p:cNvPicPr>
+          <p:nvPr/>
+        </p:nvPicPr>
+        <p:blipFill rotWithShape="1">
+          <a:blip r:embed="rId4">
+            <a:extLst>
+              <a:ext uri="{28A0092B-C50C-407E-A947-70E740481C1C}">
+                <a14:useLocalDpi xmlns:a14="http://schemas.microsoft.com/office/drawing/2010/main" val="0"/>
+              </a:ext>
+            </a:extLst>
+          </a:blip>
+          <a:srcRect l="72374" t="50000" r="1902" b="24607"/>
+          <a:stretch/>
+        </p:blipFill>
+        <p:spPr>
+          <a:xfrm>
+            <a:off x="1965625" y="2346752"/>
+            <a:ext cx="418108" cy="619108"/>
+          </a:xfrm>
+          <a:prstGeom prst="rect">
+            <a:avLst/>
+          </a:prstGeom>
+        </p:spPr>
+      </p:pic>
+      <p:pic>
+        <p:nvPicPr>
+          <p:cNvPr id="28" name="图片 27">
+            <a:extLst>
+              <a:ext uri="{FF2B5EF4-FFF2-40B4-BE49-F238E27FC236}">
+                <a16:creationId xmlns:a16="http://schemas.microsoft.com/office/drawing/2014/main" id="{6BF113CB-5C7D-4B42-8D95-272186E6FC69}"/>
+              </a:ext>
+            </a:extLst>
+          </p:cNvPr>
+          <p:cNvPicPr>
+            <a:picLocks noChangeAspect="1"/>
+          </p:cNvPicPr>
+          <p:nvPr/>
+        </p:nvPicPr>
+        <p:blipFill rotWithShape="1">
+          <a:blip r:embed="rId4">
+            <a:extLst>
+              <a:ext uri="{28A0092B-C50C-407E-A947-70E740481C1C}">
+                <a14:useLocalDpi xmlns:a14="http://schemas.microsoft.com/office/drawing/2010/main" val="0"/>
+              </a:ext>
+            </a:extLst>
+          </a:blip>
+          <a:srcRect l="-1076" t="74607" r="75352"/>
+          <a:stretch/>
+        </p:blipFill>
+        <p:spPr>
+          <a:xfrm>
+            <a:off x="693947" y="3181079"/>
+            <a:ext cx="418108" cy="619108"/>
+          </a:xfrm>
+          <a:prstGeom prst="rect">
+            <a:avLst/>
+          </a:prstGeom>
+        </p:spPr>
+      </p:pic>
+      <p:pic>
+        <p:nvPicPr>
+          <p:cNvPr id="29" name="图片 28">
+            <a:extLst>
+              <a:ext uri="{FF2B5EF4-FFF2-40B4-BE49-F238E27FC236}">
+                <a16:creationId xmlns:a16="http://schemas.microsoft.com/office/drawing/2014/main" id="{07EADC9A-308B-4524-922A-E7F286B61A86}"/>
+              </a:ext>
+            </a:extLst>
+          </p:cNvPr>
+          <p:cNvPicPr>
+            <a:picLocks noChangeAspect="1"/>
+          </p:cNvPicPr>
+          <p:nvPr/>
+        </p:nvPicPr>
+        <p:blipFill rotWithShape="1">
+          <a:blip r:embed="rId4">
+            <a:extLst>
+              <a:ext uri="{28A0092B-C50C-407E-A947-70E740481C1C}">
+                <a14:useLocalDpi xmlns:a14="http://schemas.microsoft.com/office/drawing/2010/main" val="0"/>
+              </a:ext>
+            </a:extLst>
+          </a:blip>
+          <a:srcRect l="24647" t="74607" r="49629"/>
+          <a:stretch/>
+        </p:blipFill>
+        <p:spPr>
+          <a:xfrm>
+            <a:off x="1112055" y="3181078"/>
+            <a:ext cx="418108" cy="619108"/>
+          </a:xfrm>
+          <a:prstGeom prst="rect">
+            <a:avLst/>
+          </a:prstGeom>
+        </p:spPr>
+      </p:pic>
+      <p:pic>
+        <p:nvPicPr>
+          <p:cNvPr id="30" name="图片 29">
+            <a:extLst>
+              <a:ext uri="{FF2B5EF4-FFF2-40B4-BE49-F238E27FC236}">
+                <a16:creationId xmlns:a16="http://schemas.microsoft.com/office/drawing/2014/main" id="{36D719C5-DDA3-447A-8E93-999465FFE484}"/>
+              </a:ext>
+            </a:extLst>
+          </p:cNvPr>
+          <p:cNvPicPr>
+            <a:picLocks noChangeAspect="1"/>
+          </p:cNvPicPr>
+          <p:nvPr/>
+        </p:nvPicPr>
+        <p:blipFill rotWithShape="1">
+          <a:blip r:embed="rId4">
+            <a:extLst>
+              <a:ext uri="{28A0092B-C50C-407E-A947-70E740481C1C}">
+                <a14:useLocalDpi xmlns:a14="http://schemas.microsoft.com/office/drawing/2010/main" val="0"/>
+              </a:ext>
+            </a:extLst>
+          </a:blip>
+          <a:srcRect l="50214" t="74466" r="24062" b="141"/>
+          <a:stretch/>
+        </p:blipFill>
+        <p:spPr>
+          <a:xfrm>
+            <a:off x="1559368" y="3181078"/>
+            <a:ext cx="418108" cy="619108"/>
+          </a:xfrm>
+          <a:prstGeom prst="rect">
+            <a:avLst/>
+          </a:prstGeom>
+        </p:spPr>
+      </p:pic>
+      <p:pic>
+        <p:nvPicPr>
+          <p:cNvPr id="31" name="图片 30">
+            <a:extLst>
+              <a:ext uri="{FF2B5EF4-FFF2-40B4-BE49-F238E27FC236}">
+                <a16:creationId xmlns:a16="http://schemas.microsoft.com/office/drawing/2014/main" id="{ACD092CC-3633-4AD3-8918-DC4651B1D56D}"/>
+              </a:ext>
+            </a:extLst>
+          </p:cNvPr>
+          <p:cNvPicPr>
+            <a:picLocks noChangeAspect="1"/>
+          </p:cNvPicPr>
+          <p:nvPr/>
+        </p:nvPicPr>
+        <p:blipFill rotWithShape="1">
+          <a:blip r:embed="rId4">
+            <a:extLst>
+              <a:ext uri="{28A0092B-C50C-407E-A947-70E740481C1C}">
+                <a14:useLocalDpi xmlns:a14="http://schemas.microsoft.com/office/drawing/2010/main" val="0"/>
+              </a:ext>
+            </a:extLst>
+          </a:blip>
+          <a:srcRect l="73888" t="74607" r="388"/>
+          <a:stretch/>
+        </p:blipFill>
+        <p:spPr>
+          <a:xfrm>
+            <a:off x="1912393" y="3181078"/>
+            <a:ext cx="418108" cy="619108"/>
+          </a:xfrm>
+          <a:prstGeom prst="rect">
+            <a:avLst/>
+          </a:prstGeom>
+        </p:spPr>
+      </p:pic>
+    </p:spTree>
+    <p:extLst>
+      <p:ext uri="{BB962C8B-B14F-4D97-AF65-F5344CB8AC3E}">
+        <p14:creationId xmlns:p14="http://schemas.microsoft.com/office/powerpoint/2010/main" val="777003875"/>
+      </p:ext>
+    </p:extLst>
+  </p:cSld>
+  <p:clrMapOvr>
+    <a:masterClrMapping/>
+  </p:clrMapOvr>
+</p:sld>
+</file>
+
 <file path=ppt/theme/theme1.xml><?xml version="1.0" encoding="utf-8"?>
 <a:theme xmlns:a="http://schemas.openxmlformats.org/drawingml/2006/main" name="Office 主题​​">
   <a:themeElements>

--- a/Pictures/草稿纸.pptx
+++ b/Pictures/草稿纸.pptx
@@ -5206,7 +5206,7 @@
           </p:cNvPicPr>
           <p:nvPr/>
         </p:nvPicPr>
-        <p:blipFill>
+        <p:blipFill rotWithShape="1">
           <a:blip r:embed="rId2">
             <a:extLst>
               <a:ext uri="{28A0092B-C50C-407E-A947-70E740481C1C}">
@@ -5214,14 +5214,13 @@
               </a:ext>
             </a:extLst>
           </a:blip>
-          <a:stretch>
-            <a:fillRect/>
-          </a:stretch>
+          <a:srcRect l="2" t="1399" r="74275" b="73208"/>
+          <a:stretch/>
         </p:blipFill>
         <p:spPr>
           <a:xfrm>
-            <a:off x="5191819" y="602932"/>
-            <a:ext cx="1625397" cy="2438095"/>
+            <a:off x="3590149" y="912486"/>
+            <a:ext cx="418109" cy="619109"/>
           </a:xfrm>
           <a:prstGeom prst="rect">
             <a:avLst/>
@@ -5242,7 +5241,7 @@
           </p:cNvPicPr>
           <p:nvPr/>
         </p:nvPicPr>
-        <p:blipFill>
+        <p:blipFill rotWithShape="1">
           <a:blip r:embed="rId3">
             <a:extLst>
               <a:ext uri="{28A0092B-C50C-407E-A947-70E740481C1C}">
@@ -5250,14 +5249,13 @@
               </a:ext>
             </a:extLst>
           </a:blip>
-          <a:stretch>
-            <a:fillRect/>
-          </a:stretch>
+          <a:srcRect r="74276" b="74607"/>
+          <a:stretch/>
         </p:blipFill>
         <p:spPr>
           <a:xfrm>
-            <a:off x="8806643" y="912486"/>
-            <a:ext cx="1625397" cy="2438095"/>
+            <a:off x="6896675" y="887422"/>
+            <a:ext cx="418110" cy="619109"/>
           </a:xfrm>
           <a:prstGeom prst="rect">
             <a:avLst/>
@@ -5818,6 +5816,1056 @@
           <a:xfrm>
             <a:off x="1912393" y="3181078"/>
             <a:ext cx="418108" cy="619108"/>
+          </a:xfrm>
+          <a:prstGeom prst="rect">
+            <a:avLst/>
+          </a:prstGeom>
+        </p:spPr>
+      </p:pic>
+      <p:pic>
+        <p:nvPicPr>
+          <p:cNvPr id="24" name="图片 23">
+            <a:extLst>
+              <a:ext uri="{FF2B5EF4-FFF2-40B4-BE49-F238E27FC236}">
+                <a16:creationId xmlns:a16="http://schemas.microsoft.com/office/drawing/2014/main" id="{96763F7B-2E76-4AE7-BCF7-41A970282EE1}"/>
+              </a:ext>
+            </a:extLst>
+          </p:cNvPr>
+          <p:cNvPicPr>
+            <a:picLocks noChangeAspect="1"/>
+          </p:cNvPicPr>
+          <p:nvPr/>
+        </p:nvPicPr>
+        <p:blipFill rotWithShape="1">
+          <a:blip r:embed="rId2">
+            <a:extLst>
+              <a:ext uri="{28A0092B-C50C-407E-A947-70E740481C1C}">
+                <a14:useLocalDpi xmlns:a14="http://schemas.microsoft.com/office/drawing/2010/main" val="0"/>
+              </a:ext>
+            </a:extLst>
+          </a:blip>
+          <a:srcRect l="24985" t="610" r="49292" b="73997"/>
+          <a:stretch/>
+        </p:blipFill>
+        <p:spPr>
+          <a:xfrm>
+            <a:off x="4071691" y="887422"/>
+            <a:ext cx="418109" cy="619109"/>
+          </a:xfrm>
+          <a:prstGeom prst="rect">
+            <a:avLst/>
+          </a:prstGeom>
+        </p:spPr>
+      </p:pic>
+      <p:pic>
+        <p:nvPicPr>
+          <p:cNvPr id="32" name="图片 31">
+            <a:extLst>
+              <a:ext uri="{FF2B5EF4-FFF2-40B4-BE49-F238E27FC236}">
+                <a16:creationId xmlns:a16="http://schemas.microsoft.com/office/drawing/2014/main" id="{E40BEF27-687E-4460-A0C8-9105509E43B5}"/>
+              </a:ext>
+            </a:extLst>
+          </p:cNvPr>
+          <p:cNvPicPr>
+            <a:picLocks noChangeAspect="1"/>
+          </p:cNvPicPr>
+          <p:nvPr/>
+        </p:nvPicPr>
+        <p:blipFill rotWithShape="1">
+          <a:blip r:embed="rId2">
+            <a:extLst>
+              <a:ext uri="{28A0092B-C50C-407E-A947-70E740481C1C}">
+                <a14:useLocalDpi xmlns:a14="http://schemas.microsoft.com/office/drawing/2010/main" val="0"/>
+              </a:ext>
+            </a:extLst>
+          </a:blip>
+          <a:srcRect l="49873" r="24404" b="74607"/>
+          <a:stretch/>
+        </p:blipFill>
+        <p:spPr>
+          <a:xfrm>
+            <a:off x="4553233" y="878373"/>
+            <a:ext cx="418109" cy="619109"/>
+          </a:xfrm>
+          <a:prstGeom prst="rect">
+            <a:avLst/>
+          </a:prstGeom>
+        </p:spPr>
+      </p:pic>
+      <p:pic>
+        <p:nvPicPr>
+          <p:cNvPr id="33" name="图片 32">
+            <a:extLst>
+              <a:ext uri="{FF2B5EF4-FFF2-40B4-BE49-F238E27FC236}">
+                <a16:creationId xmlns:a16="http://schemas.microsoft.com/office/drawing/2014/main" id="{E31FD083-7110-4738-A951-E01DE7320B2C}"/>
+              </a:ext>
+            </a:extLst>
+          </p:cNvPr>
+          <p:cNvPicPr>
+            <a:picLocks noChangeAspect="1"/>
+          </p:cNvPicPr>
+          <p:nvPr/>
+        </p:nvPicPr>
+        <p:blipFill rotWithShape="1">
+          <a:blip r:embed="rId2">
+            <a:extLst>
+              <a:ext uri="{28A0092B-C50C-407E-A947-70E740481C1C}">
+                <a14:useLocalDpi xmlns:a14="http://schemas.microsoft.com/office/drawing/2010/main" val="0"/>
+              </a:ext>
+            </a:extLst>
+          </a:blip>
+          <a:srcRect l="75270" t="1028" r="-993" b="73579"/>
+          <a:stretch/>
+        </p:blipFill>
+        <p:spPr>
+          <a:xfrm>
+            <a:off x="5064113" y="912485"/>
+            <a:ext cx="418109" cy="619109"/>
+          </a:xfrm>
+          <a:prstGeom prst="rect">
+            <a:avLst/>
+          </a:prstGeom>
+        </p:spPr>
+      </p:pic>
+      <p:pic>
+        <p:nvPicPr>
+          <p:cNvPr id="34" name="图片 33">
+            <a:extLst>
+              <a:ext uri="{FF2B5EF4-FFF2-40B4-BE49-F238E27FC236}">
+                <a16:creationId xmlns:a16="http://schemas.microsoft.com/office/drawing/2014/main" id="{B9D5DFC1-6E09-4888-A57F-337730D9B978}"/>
+              </a:ext>
+            </a:extLst>
+          </p:cNvPr>
+          <p:cNvPicPr>
+            <a:picLocks noChangeAspect="1"/>
+          </p:cNvPicPr>
+          <p:nvPr/>
+        </p:nvPicPr>
+        <p:blipFill rotWithShape="1">
+          <a:blip r:embed="rId2">
+            <a:extLst>
+              <a:ext uri="{28A0092B-C50C-407E-A947-70E740481C1C}">
+                <a14:useLocalDpi xmlns:a14="http://schemas.microsoft.com/office/drawing/2010/main" val="0"/>
+              </a:ext>
+            </a:extLst>
+          </a:blip>
+          <a:srcRect l="231" t="25635" r="74046" b="48972"/>
+          <a:stretch/>
+        </p:blipFill>
+        <p:spPr>
+          <a:xfrm>
+            <a:off x="3590149" y="1546538"/>
+            <a:ext cx="418109" cy="619109"/>
+          </a:xfrm>
+          <a:prstGeom prst="rect">
+            <a:avLst/>
+          </a:prstGeom>
+        </p:spPr>
+      </p:pic>
+      <p:pic>
+        <p:nvPicPr>
+          <p:cNvPr id="35" name="图片 34">
+            <a:extLst>
+              <a:ext uri="{FF2B5EF4-FFF2-40B4-BE49-F238E27FC236}">
+                <a16:creationId xmlns:a16="http://schemas.microsoft.com/office/drawing/2014/main" id="{0DBF322A-B97C-44EE-8146-8DA58EBF43B4}"/>
+              </a:ext>
+            </a:extLst>
+          </p:cNvPr>
+          <p:cNvPicPr>
+            <a:picLocks noChangeAspect="1"/>
+          </p:cNvPicPr>
+          <p:nvPr/>
+        </p:nvPicPr>
+        <p:blipFill rotWithShape="1">
+          <a:blip r:embed="rId2">
+            <a:extLst>
+              <a:ext uri="{28A0092B-C50C-407E-A947-70E740481C1C}">
+                <a14:useLocalDpi xmlns:a14="http://schemas.microsoft.com/office/drawing/2010/main" val="0"/>
+              </a:ext>
+            </a:extLst>
+          </a:blip>
+          <a:srcRect l="25716" t="26006" r="48561" b="48601"/>
+          <a:stretch/>
+        </p:blipFill>
+        <p:spPr>
+          <a:xfrm>
+            <a:off x="4071691" y="1521474"/>
+            <a:ext cx="418109" cy="619109"/>
+          </a:xfrm>
+          <a:prstGeom prst="rect">
+            <a:avLst/>
+          </a:prstGeom>
+        </p:spPr>
+      </p:pic>
+      <p:pic>
+        <p:nvPicPr>
+          <p:cNvPr id="36" name="图片 35">
+            <a:extLst>
+              <a:ext uri="{FF2B5EF4-FFF2-40B4-BE49-F238E27FC236}">
+                <a16:creationId xmlns:a16="http://schemas.microsoft.com/office/drawing/2014/main" id="{B37F03CF-CBC5-4441-8665-A20B02344582}"/>
+              </a:ext>
+            </a:extLst>
+          </p:cNvPr>
+          <p:cNvPicPr>
+            <a:picLocks noChangeAspect="1"/>
+          </p:cNvPicPr>
+          <p:nvPr/>
+        </p:nvPicPr>
+        <p:blipFill rotWithShape="1">
+          <a:blip r:embed="rId2">
+            <a:extLst>
+              <a:ext uri="{28A0092B-C50C-407E-A947-70E740481C1C}">
+                <a14:useLocalDpi xmlns:a14="http://schemas.microsoft.com/office/drawing/2010/main" val="0"/>
+              </a:ext>
+            </a:extLst>
+          </a:blip>
+          <a:srcRect l="49873" t="25635" r="24404" b="48972"/>
+          <a:stretch/>
+        </p:blipFill>
+        <p:spPr>
+          <a:xfrm>
+            <a:off x="4553233" y="1512425"/>
+            <a:ext cx="418109" cy="619109"/>
+          </a:xfrm>
+          <a:prstGeom prst="rect">
+            <a:avLst/>
+          </a:prstGeom>
+        </p:spPr>
+      </p:pic>
+      <p:pic>
+        <p:nvPicPr>
+          <p:cNvPr id="37" name="图片 36">
+            <a:extLst>
+              <a:ext uri="{FF2B5EF4-FFF2-40B4-BE49-F238E27FC236}">
+                <a16:creationId xmlns:a16="http://schemas.microsoft.com/office/drawing/2014/main" id="{955B391F-4996-42F4-B69A-2DDFAE5FCD3F}"/>
+              </a:ext>
+            </a:extLst>
+          </p:cNvPr>
+          <p:cNvPicPr>
+            <a:picLocks noChangeAspect="1"/>
+          </p:cNvPicPr>
+          <p:nvPr/>
+        </p:nvPicPr>
+        <p:blipFill rotWithShape="1">
+          <a:blip r:embed="rId2">
+            <a:extLst>
+              <a:ext uri="{28A0092B-C50C-407E-A947-70E740481C1C}">
+                <a14:useLocalDpi xmlns:a14="http://schemas.microsoft.com/office/drawing/2010/main" val="0"/>
+              </a:ext>
+            </a:extLst>
+          </a:blip>
+          <a:srcRect l="75720" t="25635" r="-1443" b="48972"/>
+          <a:stretch/>
+        </p:blipFill>
+        <p:spPr>
+          <a:xfrm>
+            <a:off x="5064113" y="1546537"/>
+            <a:ext cx="418109" cy="619109"/>
+          </a:xfrm>
+          <a:prstGeom prst="rect">
+            <a:avLst/>
+          </a:prstGeom>
+        </p:spPr>
+      </p:pic>
+      <p:pic>
+        <p:nvPicPr>
+          <p:cNvPr id="38" name="图片 37">
+            <a:extLst>
+              <a:ext uri="{FF2B5EF4-FFF2-40B4-BE49-F238E27FC236}">
+                <a16:creationId xmlns:a16="http://schemas.microsoft.com/office/drawing/2014/main" id="{49569AAC-D020-462E-AB4D-FE34651F7FE5}"/>
+              </a:ext>
+            </a:extLst>
+          </p:cNvPr>
+          <p:cNvPicPr>
+            <a:picLocks noChangeAspect="1"/>
+          </p:cNvPicPr>
+          <p:nvPr/>
+        </p:nvPicPr>
+        <p:blipFill rotWithShape="1">
+          <a:blip r:embed="rId2">
+            <a:extLst>
+              <a:ext uri="{28A0092B-C50C-407E-A947-70E740481C1C}">
+                <a14:useLocalDpi xmlns:a14="http://schemas.microsoft.com/office/drawing/2010/main" val="0"/>
+              </a:ext>
+            </a:extLst>
+          </a:blip>
+          <a:srcRect l="-775" t="51028" r="75052" b="23579"/>
+          <a:stretch/>
+        </p:blipFill>
+        <p:spPr>
+          <a:xfrm>
+            <a:off x="3590149" y="2214702"/>
+            <a:ext cx="418109" cy="619109"/>
+          </a:xfrm>
+          <a:prstGeom prst="rect">
+            <a:avLst/>
+          </a:prstGeom>
+        </p:spPr>
+      </p:pic>
+      <p:pic>
+        <p:nvPicPr>
+          <p:cNvPr id="39" name="图片 38">
+            <a:extLst>
+              <a:ext uri="{FF2B5EF4-FFF2-40B4-BE49-F238E27FC236}">
+                <a16:creationId xmlns:a16="http://schemas.microsoft.com/office/drawing/2014/main" id="{EA587DDE-E9E6-4A3D-9998-2F0CE5581937}"/>
+              </a:ext>
+            </a:extLst>
+          </p:cNvPr>
+          <p:cNvPicPr>
+            <a:picLocks noChangeAspect="1"/>
+          </p:cNvPicPr>
+          <p:nvPr/>
+        </p:nvPicPr>
+        <p:blipFill rotWithShape="1">
+          <a:blip r:embed="rId2">
+            <a:extLst>
+              <a:ext uri="{28A0092B-C50C-407E-A947-70E740481C1C}">
+                <a14:useLocalDpi xmlns:a14="http://schemas.microsoft.com/office/drawing/2010/main" val="0"/>
+              </a:ext>
+            </a:extLst>
+          </a:blip>
+          <a:srcRect l="24985" t="50984" r="49292" b="23623"/>
+          <a:stretch/>
+        </p:blipFill>
+        <p:spPr>
+          <a:xfrm>
+            <a:off x="4071691" y="2189638"/>
+            <a:ext cx="418109" cy="619109"/>
+          </a:xfrm>
+          <a:prstGeom prst="rect">
+            <a:avLst/>
+          </a:prstGeom>
+        </p:spPr>
+      </p:pic>
+      <p:pic>
+        <p:nvPicPr>
+          <p:cNvPr id="40" name="图片 39">
+            <a:extLst>
+              <a:ext uri="{FF2B5EF4-FFF2-40B4-BE49-F238E27FC236}">
+                <a16:creationId xmlns:a16="http://schemas.microsoft.com/office/drawing/2014/main" id="{98FC14C2-9BF8-483C-A1BB-5F7170F8D514}"/>
+              </a:ext>
+            </a:extLst>
+          </p:cNvPr>
+          <p:cNvPicPr>
+            <a:picLocks noChangeAspect="1"/>
+          </p:cNvPicPr>
+          <p:nvPr/>
+        </p:nvPicPr>
+        <p:blipFill rotWithShape="1">
+          <a:blip r:embed="rId2">
+            <a:extLst>
+              <a:ext uri="{28A0092B-C50C-407E-A947-70E740481C1C}">
+                <a14:useLocalDpi xmlns:a14="http://schemas.microsoft.com/office/drawing/2010/main" val="0"/>
+              </a:ext>
+            </a:extLst>
+          </a:blip>
+          <a:srcRect l="48549" t="50613" r="25728" b="23994"/>
+          <a:stretch/>
+        </p:blipFill>
+        <p:spPr>
+          <a:xfrm>
+            <a:off x="4553233" y="2180589"/>
+            <a:ext cx="418109" cy="619109"/>
+          </a:xfrm>
+          <a:prstGeom prst="rect">
+            <a:avLst/>
+          </a:prstGeom>
+        </p:spPr>
+      </p:pic>
+      <p:pic>
+        <p:nvPicPr>
+          <p:cNvPr id="41" name="图片 40">
+            <a:extLst>
+              <a:ext uri="{FF2B5EF4-FFF2-40B4-BE49-F238E27FC236}">
+                <a16:creationId xmlns:a16="http://schemas.microsoft.com/office/drawing/2014/main" id="{829A0DB8-942B-4CC3-990F-13E6890064E7}"/>
+              </a:ext>
+            </a:extLst>
+          </p:cNvPr>
+          <p:cNvPicPr>
+            <a:picLocks noChangeAspect="1"/>
+          </p:cNvPicPr>
+          <p:nvPr/>
+        </p:nvPicPr>
+        <p:blipFill rotWithShape="1">
+          <a:blip r:embed="rId2">
+            <a:extLst>
+              <a:ext uri="{28A0092B-C50C-407E-A947-70E740481C1C}">
+                <a14:useLocalDpi xmlns:a14="http://schemas.microsoft.com/office/drawing/2010/main" val="0"/>
+              </a:ext>
+            </a:extLst>
+          </a:blip>
+          <a:srcRect l="73620" t="51028" r="657" b="23579"/>
+          <a:stretch/>
+        </p:blipFill>
+        <p:spPr>
+          <a:xfrm>
+            <a:off x="5064113" y="2214701"/>
+            <a:ext cx="418109" cy="619109"/>
+          </a:xfrm>
+          <a:prstGeom prst="rect">
+            <a:avLst/>
+          </a:prstGeom>
+        </p:spPr>
+      </p:pic>
+      <p:pic>
+        <p:nvPicPr>
+          <p:cNvPr id="42" name="图片 41">
+            <a:extLst>
+              <a:ext uri="{FF2B5EF4-FFF2-40B4-BE49-F238E27FC236}">
+                <a16:creationId xmlns:a16="http://schemas.microsoft.com/office/drawing/2014/main" id="{FF06CACF-1B15-462B-AF66-0676943FA34F}"/>
+              </a:ext>
+            </a:extLst>
+          </p:cNvPr>
+          <p:cNvPicPr>
+            <a:picLocks noChangeAspect="1"/>
+          </p:cNvPicPr>
+          <p:nvPr/>
+        </p:nvPicPr>
+        <p:blipFill rotWithShape="1">
+          <a:blip r:embed="rId2">
+            <a:extLst>
+              <a:ext uri="{28A0092B-C50C-407E-A947-70E740481C1C}">
+                <a14:useLocalDpi xmlns:a14="http://schemas.microsoft.com/office/drawing/2010/main" val="0"/>
+              </a:ext>
+            </a:extLst>
+          </a:blip>
+          <a:srcRect l="-324" t="75635" r="74601" b="-1028"/>
+          <a:stretch/>
+        </p:blipFill>
+        <p:spPr>
+          <a:xfrm>
+            <a:off x="3590149" y="2916978"/>
+            <a:ext cx="418109" cy="619109"/>
+          </a:xfrm>
+          <a:prstGeom prst="rect">
+            <a:avLst/>
+          </a:prstGeom>
+        </p:spPr>
+      </p:pic>
+      <p:pic>
+        <p:nvPicPr>
+          <p:cNvPr id="43" name="图片 42">
+            <a:extLst>
+              <a:ext uri="{FF2B5EF4-FFF2-40B4-BE49-F238E27FC236}">
+                <a16:creationId xmlns:a16="http://schemas.microsoft.com/office/drawing/2014/main" id="{E4A00630-42FC-406D-A575-523A1026D8A0}"/>
+              </a:ext>
+            </a:extLst>
+          </p:cNvPr>
+          <p:cNvPicPr>
+            <a:picLocks noChangeAspect="1"/>
+          </p:cNvPicPr>
+          <p:nvPr/>
+        </p:nvPicPr>
+        <p:blipFill rotWithShape="1">
+          <a:blip r:embed="rId2">
+            <a:extLst>
+              <a:ext uri="{28A0092B-C50C-407E-A947-70E740481C1C}">
+                <a14:useLocalDpi xmlns:a14="http://schemas.microsoft.com/office/drawing/2010/main" val="0"/>
+              </a:ext>
+            </a:extLst>
+          </a:blip>
+          <a:srcRect l="24315" t="75443" r="49962" b="-836"/>
+          <a:stretch/>
+        </p:blipFill>
+        <p:spPr>
+          <a:xfrm>
+            <a:off x="4071691" y="2891914"/>
+            <a:ext cx="418109" cy="619109"/>
+          </a:xfrm>
+          <a:prstGeom prst="rect">
+            <a:avLst/>
+          </a:prstGeom>
+        </p:spPr>
+      </p:pic>
+      <p:pic>
+        <p:nvPicPr>
+          <p:cNvPr id="44" name="图片 43">
+            <a:extLst>
+              <a:ext uri="{FF2B5EF4-FFF2-40B4-BE49-F238E27FC236}">
+                <a16:creationId xmlns:a16="http://schemas.microsoft.com/office/drawing/2014/main" id="{F21C4EB9-2D0C-41B9-8019-39E879D5F610}"/>
+              </a:ext>
+            </a:extLst>
+          </p:cNvPr>
+          <p:cNvPicPr>
+            <a:picLocks noChangeAspect="1"/>
+          </p:cNvPicPr>
+          <p:nvPr/>
+        </p:nvPicPr>
+        <p:blipFill rotWithShape="1">
+          <a:blip r:embed="rId2">
+            <a:extLst>
+              <a:ext uri="{28A0092B-C50C-407E-A947-70E740481C1C}">
+                <a14:useLocalDpi xmlns:a14="http://schemas.microsoft.com/office/drawing/2010/main" val="0"/>
+              </a:ext>
+            </a:extLst>
+          </a:blip>
+          <a:srcRect l="24796" t="75072" r="49481" b="-465"/>
+          <a:stretch/>
+        </p:blipFill>
+        <p:spPr>
+          <a:xfrm>
+            <a:off x="4553233" y="2882865"/>
+            <a:ext cx="418109" cy="619109"/>
+          </a:xfrm>
+          <a:prstGeom prst="rect">
+            <a:avLst/>
+          </a:prstGeom>
+        </p:spPr>
+      </p:pic>
+      <p:pic>
+        <p:nvPicPr>
+          <p:cNvPr id="45" name="图片 44">
+            <a:extLst>
+              <a:ext uri="{FF2B5EF4-FFF2-40B4-BE49-F238E27FC236}">
+                <a16:creationId xmlns:a16="http://schemas.microsoft.com/office/drawing/2014/main" id="{3A27E66A-989A-41ED-B9C6-D6A7C485B4DB}"/>
+              </a:ext>
+            </a:extLst>
+          </p:cNvPr>
+          <p:cNvPicPr>
+            <a:picLocks noChangeAspect="1"/>
+          </p:cNvPicPr>
+          <p:nvPr/>
+        </p:nvPicPr>
+        <p:blipFill rotWithShape="1">
+          <a:blip r:embed="rId2">
+            <a:extLst>
+              <a:ext uri="{28A0092B-C50C-407E-A947-70E740481C1C}">
+                <a14:useLocalDpi xmlns:a14="http://schemas.microsoft.com/office/drawing/2010/main" val="0"/>
+              </a:ext>
+            </a:extLst>
+          </a:blip>
+          <a:srcRect l="75862" t="75635" r="-1585" b="-1028"/>
+          <a:stretch/>
+        </p:blipFill>
+        <p:spPr>
+          <a:xfrm>
+            <a:off x="5064113" y="2916977"/>
+            <a:ext cx="418109" cy="619109"/>
+          </a:xfrm>
+          <a:prstGeom prst="rect">
+            <a:avLst/>
+          </a:prstGeom>
+        </p:spPr>
+      </p:pic>
+      <p:pic>
+        <p:nvPicPr>
+          <p:cNvPr id="46" name="图片 45">
+            <a:extLst>
+              <a:ext uri="{FF2B5EF4-FFF2-40B4-BE49-F238E27FC236}">
+                <a16:creationId xmlns:a16="http://schemas.microsoft.com/office/drawing/2014/main" id="{402942E9-B443-4D85-A9D1-6F54E0372CC5}"/>
+              </a:ext>
+            </a:extLst>
+          </p:cNvPr>
+          <p:cNvPicPr>
+            <a:picLocks noChangeAspect="1"/>
+          </p:cNvPicPr>
+          <p:nvPr/>
+        </p:nvPicPr>
+        <p:blipFill rotWithShape="1">
+          <a:blip r:embed="rId3">
+            <a:extLst>
+              <a:ext uri="{28A0092B-C50C-407E-A947-70E740481C1C}">
+                <a14:useLocalDpi xmlns:a14="http://schemas.microsoft.com/office/drawing/2010/main" val="0"/>
+              </a:ext>
+            </a:extLst>
+          </a:blip>
+          <a:srcRect l="25724" t="371" r="48552" b="74236"/>
+          <a:stretch/>
+        </p:blipFill>
+        <p:spPr>
+          <a:xfrm>
+            <a:off x="7314785" y="878372"/>
+            <a:ext cx="418110" cy="619109"/>
+          </a:xfrm>
+          <a:prstGeom prst="rect">
+            <a:avLst/>
+          </a:prstGeom>
+        </p:spPr>
+      </p:pic>
+      <p:pic>
+        <p:nvPicPr>
+          <p:cNvPr id="47" name="图片 46">
+            <a:extLst>
+              <a:ext uri="{FF2B5EF4-FFF2-40B4-BE49-F238E27FC236}">
+                <a16:creationId xmlns:a16="http://schemas.microsoft.com/office/drawing/2014/main" id="{DF7B9169-04BF-49D6-BFF2-D97700F89A8C}"/>
+              </a:ext>
+            </a:extLst>
+          </p:cNvPr>
+          <p:cNvPicPr>
+            <a:picLocks noChangeAspect="1"/>
+          </p:cNvPicPr>
+          <p:nvPr/>
+        </p:nvPicPr>
+        <p:blipFill rotWithShape="1">
+          <a:blip r:embed="rId3">
+            <a:extLst>
+              <a:ext uri="{28A0092B-C50C-407E-A947-70E740481C1C}">
+                <a14:useLocalDpi xmlns:a14="http://schemas.microsoft.com/office/drawing/2010/main" val="0"/>
+              </a:ext>
+            </a:extLst>
+          </a:blip>
+          <a:srcRect l="50000" t="-371" r="24276" b="74978"/>
+          <a:stretch/>
+        </p:blipFill>
+        <p:spPr>
+          <a:xfrm>
+            <a:off x="7732895" y="878371"/>
+            <a:ext cx="418110" cy="619109"/>
+          </a:xfrm>
+          <a:prstGeom prst="rect">
+            <a:avLst/>
+          </a:prstGeom>
+        </p:spPr>
+      </p:pic>
+      <p:pic>
+        <p:nvPicPr>
+          <p:cNvPr id="48" name="图片 47">
+            <a:extLst>
+              <a:ext uri="{FF2B5EF4-FFF2-40B4-BE49-F238E27FC236}">
+                <a16:creationId xmlns:a16="http://schemas.microsoft.com/office/drawing/2014/main" id="{0E45429C-56F2-4F51-819B-F488E27F5E13}"/>
+              </a:ext>
+            </a:extLst>
+          </p:cNvPr>
+          <p:cNvPicPr>
+            <a:picLocks noChangeAspect="1"/>
+          </p:cNvPicPr>
+          <p:nvPr/>
+        </p:nvPicPr>
+        <p:blipFill rotWithShape="1">
+          <a:blip r:embed="rId3">
+            <a:extLst>
+              <a:ext uri="{28A0092B-C50C-407E-A947-70E740481C1C}">
+                <a14:useLocalDpi xmlns:a14="http://schemas.microsoft.com/office/drawing/2010/main" val="0"/>
+              </a:ext>
+            </a:extLst>
+          </a:blip>
+          <a:srcRect l="74995" t="371" r="-719" b="74236"/>
+          <a:stretch/>
+        </p:blipFill>
+        <p:spPr>
+          <a:xfrm>
+            <a:off x="8151005" y="878370"/>
+            <a:ext cx="418110" cy="619109"/>
+          </a:xfrm>
+          <a:prstGeom prst="rect">
+            <a:avLst/>
+          </a:prstGeom>
+        </p:spPr>
+      </p:pic>
+      <p:pic>
+        <p:nvPicPr>
+          <p:cNvPr id="49" name="图片 48">
+            <a:extLst>
+              <a:ext uri="{FF2B5EF4-FFF2-40B4-BE49-F238E27FC236}">
+                <a16:creationId xmlns:a16="http://schemas.microsoft.com/office/drawing/2014/main" id="{CA8E2C2D-CB08-44FB-B9F0-A31ADC0FAF12}"/>
+              </a:ext>
+            </a:extLst>
+          </p:cNvPr>
+          <p:cNvPicPr>
+            <a:picLocks noChangeAspect="1"/>
+          </p:cNvPicPr>
+          <p:nvPr/>
+        </p:nvPicPr>
+        <p:blipFill rotWithShape="1">
+          <a:blip r:embed="rId3">
+            <a:extLst>
+              <a:ext uri="{28A0092B-C50C-407E-A947-70E740481C1C}">
+                <a14:useLocalDpi xmlns:a14="http://schemas.microsoft.com/office/drawing/2010/main" val="0"/>
+              </a:ext>
+            </a:extLst>
+          </a:blip>
+          <a:srcRect t="24365" r="74276" b="50242"/>
+          <a:stretch/>
+        </p:blipFill>
+        <p:spPr>
+          <a:xfrm>
+            <a:off x="6896675" y="1506530"/>
+            <a:ext cx="418110" cy="619109"/>
+          </a:xfrm>
+          <a:prstGeom prst="rect">
+            <a:avLst/>
+          </a:prstGeom>
+        </p:spPr>
+      </p:pic>
+      <p:pic>
+        <p:nvPicPr>
+          <p:cNvPr id="50" name="图片 49">
+            <a:extLst>
+              <a:ext uri="{FF2B5EF4-FFF2-40B4-BE49-F238E27FC236}">
+                <a16:creationId xmlns:a16="http://schemas.microsoft.com/office/drawing/2014/main" id="{8DA9490B-0DE6-46B6-8818-41D0F29FF4A6}"/>
+              </a:ext>
+            </a:extLst>
+          </p:cNvPr>
+          <p:cNvPicPr>
+            <a:picLocks noChangeAspect="1"/>
+          </p:cNvPicPr>
+          <p:nvPr/>
+        </p:nvPicPr>
+        <p:blipFill rotWithShape="1">
+          <a:blip r:embed="rId3">
+            <a:extLst>
+              <a:ext uri="{28A0092B-C50C-407E-A947-70E740481C1C}">
+                <a14:useLocalDpi xmlns:a14="http://schemas.microsoft.com/office/drawing/2010/main" val="0"/>
+              </a:ext>
+            </a:extLst>
+          </a:blip>
+          <a:srcRect l="26151" t="25022" r="48125" b="49585"/>
+          <a:stretch/>
+        </p:blipFill>
+        <p:spPr>
+          <a:xfrm>
+            <a:off x="7314785" y="1497480"/>
+            <a:ext cx="418110" cy="619109"/>
+          </a:xfrm>
+          <a:prstGeom prst="rect">
+            <a:avLst/>
+          </a:prstGeom>
+        </p:spPr>
+      </p:pic>
+      <p:pic>
+        <p:nvPicPr>
+          <p:cNvPr id="51" name="图片 50">
+            <a:extLst>
+              <a:ext uri="{FF2B5EF4-FFF2-40B4-BE49-F238E27FC236}">
+                <a16:creationId xmlns:a16="http://schemas.microsoft.com/office/drawing/2014/main" id="{7CCFE285-50B8-4FB5-8605-27CD92F4D22C}"/>
+              </a:ext>
+            </a:extLst>
+          </p:cNvPr>
+          <p:cNvPicPr>
+            <a:picLocks noChangeAspect="1"/>
+          </p:cNvPicPr>
+          <p:nvPr/>
+        </p:nvPicPr>
+        <p:blipFill rotWithShape="1">
+          <a:blip r:embed="rId3">
+            <a:extLst>
+              <a:ext uri="{28A0092B-C50C-407E-A947-70E740481C1C}">
+                <a14:useLocalDpi xmlns:a14="http://schemas.microsoft.com/office/drawing/2010/main" val="0"/>
+              </a:ext>
+            </a:extLst>
+          </a:blip>
+          <a:srcRect l="50000" t="24607" r="24276" b="50000"/>
+          <a:stretch/>
+        </p:blipFill>
+        <p:spPr>
+          <a:xfrm>
+            <a:off x="7732895" y="1497479"/>
+            <a:ext cx="418110" cy="619109"/>
+          </a:xfrm>
+          <a:prstGeom prst="rect">
+            <a:avLst/>
+          </a:prstGeom>
+        </p:spPr>
+      </p:pic>
+      <p:pic>
+        <p:nvPicPr>
+          <p:cNvPr id="52" name="图片 51">
+            <a:extLst>
+              <a:ext uri="{FF2B5EF4-FFF2-40B4-BE49-F238E27FC236}">
+                <a16:creationId xmlns:a16="http://schemas.microsoft.com/office/drawing/2014/main" id="{DF7B687A-EFFB-429F-A123-5E54B2A0B5C1}"/>
+              </a:ext>
+            </a:extLst>
+          </p:cNvPr>
+          <p:cNvPicPr>
+            <a:picLocks noChangeAspect="1"/>
+          </p:cNvPicPr>
+          <p:nvPr/>
+        </p:nvPicPr>
+        <p:blipFill rotWithShape="1">
+          <a:blip r:embed="rId3">
+            <a:extLst>
+              <a:ext uri="{28A0092B-C50C-407E-A947-70E740481C1C}">
+                <a14:useLocalDpi xmlns:a14="http://schemas.microsoft.com/office/drawing/2010/main" val="0"/>
+              </a:ext>
+            </a:extLst>
+          </a:blip>
+          <a:srcRect l="75724" t="25022" r="-1448" b="49585"/>
+          <a:stretch/>
+        </p:blipFill>
+        <p:spPr>
+          <a:xfrm>
+            <a:off x="8151005" y="1497478"/>
+            <a:ext cx="418110" cy="619109"/>
+          </a:xfrm>
+          <a:prstGeom prst="rect">
+            <a:avLst/>
+          </a:prstGeom>
+        </p:spPr>
+      </p:pic>
+      <p:pic>
+        <p:nvPicPr>
+          <p:cNvPr id="53" name="图片 52">
+            <a:extLst>
+              <a:ext uri="{FF2B5EF4-FFF2-40B4-BE49-F238E27FC236}">
+                <a16:creationId xmlns:a16="http://schemas.microsoft.com/office/drawing/2014/main" id="{78DFC27C-876C-4421-9206-EFAB222E5B87}"/>
+              </a:ext>
+            </a:extLst>
+          </p:cNvPr>
+          <p:cNvPicPr>
+            <a:picLocks noChangeAspect="1"/>
+          </p:cNvPicPr>
+          <p:nvPr/>
+        </p:nvPicPr>
+        <p:blipFill rotWithShape="1">
+          <a:blip r:embed="rId3">
+            <a:extLst>
+              <a:ext uri="{28A0092B-C50C-407E-A947-70E740481C1C}">
+                <a14:useLocalDpi xmlns:a14="http://schemas.microsoft.com/office/drawing/2010/main" val="0"/>
+              </a:ext>
+            </a:extLst>
+          </a:blip>
+          <a:srcRect l="-1448" t="49343" r="75724" b="25264"/>
+          <a:stretch/>
+        </p:blipFill>
+        <p:spPr>
+          <a:xfrm>
+            <a:off x="6896675" y="2149634"/>
+            <a:ext cx="418110" cy="619109"/>
+          </a:xfrm>
+          <a:prstGeom prst="rect">
+            <a:avLst/>
+          </a:prstGeom>
+        </p:spPr>
+      </p:pic>
+      <p:pic>
+        <p:nvPicPr>
+          <p:cNvPr id="54" name="图片 53">
+            <a:extLst>
+              <a:ext uri="{FF2B5EF4-FFF2-40B4-BE49-F238E27FC236}">
+                <a16:creationId xmlns:a16="http://schemas.microsoft.com/office/drawing/2014/main" id="{28FA5680-A63A-4AB2-9F61-79BDCD43B15D}"/>
+              </a:ext>
+            </a:extLst>
+          </p:cNvPr>
+          <p:cNvPicPr>
+            <a:picLocks noChangeAspect="1"/>
+          </p:cNvPicPr>
+          <p:nvPr/>
+        </p:nvPicPr>
+        <p:blipFill rotWithShape="1">
+          <a:blip r:embed="rId3">
+            <a:extLst>
+              <a:ext uri="{28A0092B-C50C-407E-A947-70E740481C1C}">
+                <a14:useLocalDpi xmlns:a14="http://schemas.microsoft.com/office/drawing/2010/main" val="0"/>
+              </a:ext>
+            </a:extLst>
+          </a:blip>
+          <a:srcRect l="23547" t="49629" r="50729" b="24978"/>
+          <a:stretch/>
+        </p:blipFill>
+        <p:spPr>
+          <a:xfrm>
+            <a:off x="7314785" y="2140584"/>
+            <a:ext cx="418110" cy="619109"/>
+          </a:xfrm>
+          <a:prstGeom prst="rect">
+            <a:avLst/>
+          </a:prstGeom>
+        </p:spPr>
+      </p:pic>
+      <p:pic>
+        <p:nvPicPr>
+          <p:cNvPr id="55" name="图片 54">
+            <a:extLst>
+              <a:ext uri="{FF2B5EF4-FFF2-40B4-BE49-F238E27FC236}">
+                <a16:creationId xmlns:a16="http://schemas.microsoft.com/office/drawing/2014/main" id="{B6E2CF8C-6BB3-4994-8D83-8F9A910D9F96}"/>
+              </a:ext>
+            </a:extLst>
+          </p:cNvPr>
+          <p:cNvPicPr>
+            <a:picLocks noChangeAspect="1"/>
+          </p:cNvPicPr>
+          <p:nvPr/>
+        </p:nvPicPr>
+        <p:blipFill rotWithShape="1">
+          <a:blip r:embed="rId3">
+            <a:extLst>
+              <a:ext uri="{28A0092B-C50C-407E-A947-70E740481C1C}">
+                <a14:useLocalDpi xmlns:a14="http://schemas.microsoft.com/office/drawing/2010/main" val="0"/>
+              </a:ext>
+            </a:extLst>
+          </a:blip>
+          <a:srcRect l="49530" t="49629" r="24746" b="24978"/>
+          <a:stretch/>
+        </p:blipFill>
+        <p:spPr>
+          <a:xfrm>
+            <a:off x="7732895" y="2140583"/>
+            <a:ext cx="418110" cy="619109"/>
+          </a:xfrm>
+          <a:prstGeom prst="rect">
+            <a:avLst/>
+          </a:prstGeom>
+        </p:spPr>
+      </p:pic>
+      <p:pic>
+        <p:nvPicPr>
+          <p:cNvPr id="56" name="图片 55">
+            <a:extLst>
+              <a:ext uri="{FF2B5EF4-FFF2-40B4-BE49-F238E27FC236}">
+                <a16:creationId xmlns:a16="http://schemas.microsoft.com/office/drawing/2014/main" id="{58B92F52-D2A6-4D90-AB26-1735D6DD8C0F}"/>
+              </a:ext>
+            </a:extLst>
+          </p:cNvPr>
+          <p:cNvPicPr>
+            <a:picLocks noChangeAspect="1"/>
+          </p:cNvPicPr>
+          <p:nvPr/>
+        </p:nvPicPr>
+        <p:blipFill rotWithShape="1">
+          <a:blip r:embed="rId3">
+            <a:extLst>
+              <a:ext uri="{28A0092B-C50C-407E-A947-70E740481C1C}">
+                <a14:useLocalDpi xmlns:a14="http://schemas.microsoft.com/office/drawing/2010/main" val="0"/>
+              </a:ext>
+            </a:extLst>
+          </a:blip>
+          <a:srcRect l="74276" t="50000" b="24607"/>
+          <a:stretch/>
+        </p:blipFill>
+        <p:spPr>
+          <a:xfrm>
+            <a:off x="8151005" y="2140582"/>
+            <a:ext cx="418110" cy="619109"/>
+          </a:xfrm>
+          <a:prstGeom prst="rect">
+            <a:avLst/>
+          </a:prstGeom>
+        </p:spPr>
+      </p:pic>
+      <p:pic>
+        <p:nvPicPr>
+          <p:cNvPr id="57" name="图片 56">
+            <a:extLst>
+              <a:ext uri="{FF2B5EF4-FFF2-40B4-BE49-F238E27FC236}">
+                <a16:creationId xmlns:a16="http://schemas.microsoft.com/office/drawing/2014/main" id="{DD1A7112-53B1-49BF-83BA-49EFE6269A66}"/>
+              </a:ext>
+            </a:extLst>
+          </p:cNvPr>
+          <p:cNvPicPr>
+            <a:picLocks noChangeAspect="1"/>
+          </p:cNvPicPr>
+          <p:nvPr/>
+        </p:nvPicPr>
+        <p:blipFill rotWithShape="1">
+          <a:blip r:embed="rId3">
+            <a:extLst>
+              <a:ext uri="{28A0092B-C50C-407E-A947-70E740481C1C}">
+                <a14:useLocalDpi xmlns:a14="http://schemas.microsoft.com/office/drawing/2010/main" val="0"/>
+              </a:ext>
+            </a:extLst>
+          </a:blip>
+          <a:srcRect l="-172" t="74978" r="74448" b="-371"/>
+          <a:stretch/>
+        </p:blipFill>
+        <p:spPr>
+          <a:xfrm>
+            <a:off x="6896675" y="2842862"/>
+            <a:ext cx="418110" cy="619109"/>
+          </a:xfrm>
+          <a:prstGeom prst="rect">
+            <a:avLst/>
+          </a:prstGeom>
+        </p:spPr>
+      </p:pic>
+      <p:pic>
+        <p:nvPicPr>
+          <p:cNvPr id="58" name="图片 57">
+            <a:extLst>
+              <a:ext uri="{FF2B5EF4-FFF2-40B4-BE49-F238E27FC236}">
+                <a16:creationId xmlns:a16="http://schemas.microsoft.com/office/drawing/2014/main" id="{8981F0CF-A901-48EF-AD54-37EFC0DE7F84}"/>
+              </a:ext>
+            </a:extLst>
+          </p:cNvPr>
+          <p:cNvPicPr>
+            <a:picLocks noChangeAspect="1"/>
+          </p:cNvPicPr>
+          <p:nvPr/>
+        </p:nvPicPr>
+        <p:blipFill rotWithShape="1">
+          <a:blip r:embed="rId3">
+            <a:extLst>
+              <a:ext uri="{28A0092B-C50C-407E-A947-70E740481C1C}">
+                <a14:useLocalDpi xmlns:a14="http://schemas.microsoft.com/office/drawing/2010/main" val="0"/>
+              </a:ext>
+            </a:extLst>
+          </a:blip>
+          <a:srcRect l="25724" t="74607" r="48552"/>
+          <a:stretch/>
+        </p:blipFill>
+        <p:spPr>
+          <a:xfrm>
+            <a:off x="7314785" y="2833812"/>
+            <a:ext cx="418110" cy="619109"/>
+          </a:xfrm>
+          <a:prstGeom prst="rect">
+            <a:avLst/>
+          </a:prstGeom>
+        </p:spPr>
+      </p:pic>
+      <p:pic>
+        <p:nvPicPr>
+          <p:cNvPr id="59" name="图片 58">
+            <a:extLst>
+              <a:ext uri="{FF2B5EF4-FFF2-40B4-BE49-F238E27FC236}">
+                <a16:creationId xmlns:a16="http://schemas.microsoft.com/office/drawing/2014/main" id="{CA202D17-5F26-43C8-A55D-194D95F7BB51}"/>
+              </a:ext>
+            </a:extLst>
+          </p:cNvPr>
+          <p:cNvPicPr>
+            <a:picLocks noChangeAspect="1"/>
+          </p:cNvPicPr>
+          <p:nvPr/>
+        </p:nvPicPr>
+        <p:blipFill rotWithShape="1">
+          <a:blip r:embed="rId3">
+            <a:extLst>
+              <a:ext uri="{28A0092B-C50C-407E-A947-70E740481C1C}">
+                <a14:useLocalDpi xmlns:a14="http://schemas.microsoft.com/office/drawing/2010/main" val="0"/>
+              </a:ext>
+            </a:extLst>
+          </a:blip>
+          <a:srcRect l="50000" t="74607" r="24276"/>
+          <a:stretch/>
+        </p:blipFill>
+        <p:spPr>
+          <a:xfrm>
+            <a:off x="7732895" y="2833811"/>
+            <a:ext cx="418110" cy="619109"/>
+          </a:xfrm>
+          <a:prstGeom prst="rect">
+            <a:avLst/>
+          </a:prstGeom>
+        </p:spPr>
+      </p:pic>
+      <p:pic>
+        <p:nvPicPr>
+          <p:cNvPr id="60" name="图片 59">
+            <a:extLst>
+              <a:ext uri="{FF2B5EF4-FFF2-40B4-BE49-F238E27FC236}">
+                <a16:creationId xmlns:a16="http://schemas.microsoft.com/office/drawing/2014/main" id="{DBF32AF3-A133-4C04-B891-447D69CB4E01}"/>
+              </a:ext>
+            </a:extLst>
+          </p:cNvPr>
+          <p:cNvPicPr>
+            <a:picLocks noChangeAspect="1"/>
+          </p:cNvPicPr>
+          <p:nvPr/>
+        </p:nvPicPr>
+        <p:blipFill rotWithShape="1">
+          <a:blip r:embed="rId3">
+            <a:extLst>
+              <a:ext uri="{28A0092B-C50C-407E-A947-70E740481C1C}">
+                <a14:useLocalDpi xmlns:a14="http://schemas.microsoft.com/office/drawing/2010/main" val="0"/>
+              </a:ext>
+            </a:extLst>
+          </a:blip>
+          <a:srcRect l="74276" t="74607"/>
+          <a:stretch/>
+        </p:blipFill>
+        <p:spPr>
+          <a:xfrm>
+            <a:off x="8151005" y="2833810"/>
+            <a:ext cx="418110" cy="619109"/>
           </a:xfrm>
           <a:prstGeom prst="rect">
             <a:avLst/>

--- a/Pictures/草稿纸.pptx
+++ b/Pictures/草稿纸.pptx
@@ -3448,56 +3448,1126 @@
           <a:chExt cx="0" cy="0"/>
         </a:xfrm>
       </p:grpSpPr>
-      <p:sp>
-        <p:nvSpPr>
-          <p:cNvPr id="2" name="标题 1">
-            <a:extLst>
-              <a:ext uri="{FF2B5EF4-FFF2-40B4-BE49-F238E27FC236}">
-                <a16:creationId xmlns:a16="http://schemas.microsoft.com/office/drawing/2014/main" id="{007C6CBA-AACB-4CDB-A9A9-71238355761A}"/>
-              </a:ext>
-            </a:extLst>
-          </p:cNvPr>
-          <p:cNvSpPr>
-            <a:spLocks noGrp="1"/>
-          </p:cNvSpPr>
-          <p:nvPr>
-            <p:ph type="title"/>
-          </p:nvPr>
-        </p:nvSpPr>
-        <p:spPr/>
-        <p:txBody>
-          <a:bodyPr/>
-          <a:lstStyle/>
-          <a:p>
-            <a:endParaRPr lang="zh-CN" altLang="en-US"/>
-          </a:p>
-        </p:txBody>
-      </p:sp>
-      <p:sp>
-        <p:nvSpPr>
-          <p:cNvPr id="3" name="内容占位符 2">
-            <a:extLst>
-              <a:ext uri="{FF2B5EF4-FFF2-40B4-BE49-F238E27FC236}">
-                <a16:creationId xmlns:a16="http://schemas.microsoft.com/office/drawing/2014/main" id="{D536F636-FB92-4D34-8A7D-4701CBD66CB0}"/>
-              </a:ext>
-            </a:extLst>
-          </p:cNvPr>
-          <p:cNvSpPr>
-            <a:spLocks noGrp="1"/>
-          </p:cNvSpPr>
-          <p:nvPr>
-            <p:ph idx="1"/>
-          </p:nvPr>
-        </p:nvSpPr>
-        <p:spPr/>
-        <p:txBody>
-          <a:bodyPr/>
-          <a:lstStyle/>
-          <a:p>
-            <a:endParaRPr lang="zh-CN" altLang="en-US"/>
-          </a:p>
-        </p:txBody>
-      </p:sp>
+      <p:pic>
+        <p:nvPicPr>
+          <p:cNvPr id="4" name="图片 3">
+            <a:extLst>
+              <a:ext uri="{FF2B5EF4-FFF2-40B4-BE49-F238E27FC236}">
+                <a16:creationId xmlns:a16="http://schemas.microsoft.com/office/drawing/2014/main" id="{BEF31518-78CF-44CC-A56A-7D4AACF20B62}"/>
+              </a:ext>
+            </a:extLst>
+          </p:cNvPr>
+          <p:cNvPicPr>
+            <a:picLocks noChangeAspect="1"/>
+          </p:cNvPicPr>
+          <p:nvPr/>
+        </p:nvPicPr>
+        <p:blipFill rotWithShape="1">
+          <a:blip r:embed="rId2">
+            <a:extLst>
+              <a:ext uri="{28A0092B-C50C-407E-A947-70E740481C1C}">
+                <a14:useLocalDpi xmlns:a14="http://schemas.microsoft.com/office/drawing/2010/main" val="0"/>
+              </a:ext>
+            </a:extLst>
+          </a:blip>
+          <a:srcRect r="75099" b="76775"/>
+          <a:stretch/>
+        </p:blipFill>
+        <p:spPr>
+          <a:xfrm>
+            <a:off x="7780045" y="271607"/>
+            <a:ext cx="809465" cy="755000"/>
+          </a:xfrm>
+          <a:prstGeom prst="rect">
+            <a:avLst/>
+          </a:prstGeom>
+        </p:spPr>
+      </p:pic>
+      <p:pic>
+        <p:nvPicPr>
+          <p:cNvPr id="5" name="图片 4">
+            <a:extLst>
+              <a:ext uri="{FF2B5EF4-FFF2-40B4-BE49-F238E27FC236}">
+                <a16:creationId xmlns:a16="http://schemas.microsoft.com/office/drawing/2014/main" id="{C9321D10-71C4-46A3-8700-33953DD07416}"/>
+              </a:ext>
+            </a:extLst>
+          </p:cNvPr>
+          <p:cNvPicPr>
+            <a:picLocks noChangeAspect="1"/>
+          </p:cNvPicPr>
+          <p:nvPr/>
+        </p:nvPicPr>
+        <p:blipFill rotWithShape="1">
+          <a:blip r:embed="rId3">
+            <a:extLst>
+              <a:ext uri="{28A0092B-C50C-407E-A947-70E740481C1C}">
+                <a14:useLocalDpi xmlns:a14="http://schemas.microsoft.com/office/drawing/2010/main" val="0"/>
+              </a:ext>
+            </a:extLst>
+          </a:blip>
+          <a:srcRect r="74829" b="75164"/>
+          <a:stretch/>
+        </p:blipFill>
+        <p:spPr>
+          <a:xfrm>
+            <a:off x="1020418" y="918276"/>
+            <a:ext cx="1227387" cy="1211031"/>
+          </a:xfrm>
+          <a:prstGeom prst="rect">
+            <a:avLst/>
+          </a:prstGeom>
+        </p:spPr>
+      </p:pic>
+      <p:pic>
+        <p:nvPicPr>
+          <p:cNvPr id="7" name="图片 6">
+            <a:extLst>
+              <a:ext uri="{FF2B5EF4-FFF2-40B4-BE49-F238E27FC236}">
+                <a16:creationId xmlns:a16="http://schemas.microsoft.com/office/drawing/2014/main" id="{B9E4FE4B-A168-4E5B-BEC4-F355F88006E1}"/>
+              </a:ext>
+            </a:extLst>
+          </p:cNvPr>
+          <p:cNvPicPr>
+            <a:picLocks noChangeAspect="1"/>
+          </p:cNvPicPr>
+          <p:nvPr/>
+        </p:nvPicPr>
+        <p:blipFill rotWithShape="1">
+          <a:blip r:embed="rId2">
+            <a:extLst>
+              <a:ext uri="{28A0092B-C50C-407E-A947-70E740481C1C}">
+                <a14:useLocalDpi xmlns:a14="http://schemas.microsoft.com/office/drawing/2010/main" val="0"/>
+              </a:ext>
+            </a:extLst>
+          </a:blip>
+          <a:srcRect l="25166" t="410" r="49933" b="76365"/>
+          <a:stretch/>
+        </p:blipFill>
+        <p:spPr>
+          <a:xfrm>
+            <a:off x="8797315" y="271607"/>
+            <a:ext cx="809465" cy="755000"/>
+          </a:xfrm>
+          <a:prstGeom prst="rect">
+            <a:avLst/>
+          </a:prstGeom>
+        </p:spPr>
+      </p:pic>
+      <p:pic>
+        <p:nvPicPr>
+          <p:cNvPr id="8" name="图片 7">
+            <a:extLst>
+              <a:ext uri="{FF2B5EF4-FFF2-40B4-BE49-F238E27FC236}">
+                <a16:creationId xmlns:a16="http://schemas.microsoft.com/office/drawing/2014/main" id="{88FF08A6-7000-48E1-A393-CFFFDB520982}"/>
+              </a:ext>
+            </a:extLst>
+          </p:cNvPr>
+          <p:cNvPicPr>
+            <a:picLocks noChangeAspect="1"/>
+          </p:cNvPicPr>
+          <p:nvPr/>
+        </p:nvPicPr>
+        <p:blipFill rotWithShape="1">
+          <a:blip r:embed="rId2">
+            <a:extLst>
+              <a:ext uri="{28A0092B-C50C-407E-A947-70E740481C1C}">
+                <a14:useLocalDpi xmlns:a14="http://schemas.microsoft.com/office/drawing/2010/main" val="0"/>
+              </a:ext>
+            </a:extLst>
+          </a:blip>
+          <a:srcRect l="50691" t="703" r="24408" b="76072"/>
+          <a:stretch/>
+        </p:blipFill>
+        <p:spPr>
+          <a:xfrm>
+            <a:off x="9814585" y="271607"/>
+            <a:ext cx="809465" cy="755000"/>
+          </a:xfrm>
+          <a:prstGeom prst="rect">
+            <a:avLst/>
+          </a:prstGeom>
+        </p:spPr>
+      </p:pic>
+      <p:pic>
+        <p:nvPicPr>
+          <p:cNvPr id="9" name="图片 8">
+            <a:extLst>
+              <a:ext uri="{FF2B5EF4-FFF2-40B4-BE49-F238E27FC236}">
+                <a16:creationId xmlns:a16="http://schemas.microsoft.com/office/drawing/2014/main" id="{A07CB67E-B72F-4FCF-9EE2-8B4D3C1CD21A}"/>
+              </a:ext>
+            </a:extLst>
+          </p:cNvPr>
+          <p:cNvPicPr>
+            <a:picLocks noChangeAspect="1"/>
+          </p:cNvPicPr>
+          <p:nvPr/>
+        </p:nvPicPr>
+        <p:blipFill rotWithShape="1">
+          <a:blip r:embed="rId2">
+            <a:extLst>
+              <a:ext uri="{28A0092B-C50C-407E-A947-70E740481C1C}">
+                <a14:useLocalDpi xmlns:a14="http://schemas.microsoft.com/office/drawing/2010/main" val="0"/>
+              </a:ext>
+            </a:extLst>
+          </a:blip>
+          <a:srcRect l="75166" t="1055" r="-67" b="75720"/>
+          <a:stretch/>
+        </p:blipFill>
+        <p:spPr>
+          <a:xfrm>
+            <a:off x="10831855" y="271607"/>
+            <a:ext cx="809465" cy="755000"/>
+          </a:xfrm>
+          <a:prstGeom prst="rect">
+            <a:avLst/>
+          </a:prstGeom>
+        </p:spPr>
+      </p:pic>
+      <p:pic>
+        <p:nvPicPr>
+          <p:cNvPr id="10" name="图片 9">
+            <a:extLst>
+              <a:ext uri="{FF2B5EF4-FFF2-40B4-BE49-F238E27FC236}">
+                <a16:creationId xmlns:a16="http://schemas.microsoft.com/office/drawing/2014/main" id="{7C7CBFE5-9EB3-4B4B-8854-10A71B39A54E}"/>
+              </a:ext>
+            </a:extLst>
+          </p:cNvPr>
+          <p:cNvPicPr>
+            <a:picLocks noChangeAspect="1"/>
+          </p:cNvPicPr>
+          <p:nvPr/>
+        </p:nvPicPr>
+        <p:blipFill rotWithShape="1">
+          <a:blip r:embed="rId2">
+            <a:extLst>
+              <a:ext uri="{28A0092B-C50C-407E-A947-70E740481C1C}">
+                <a14:useLocalDpi xmlns:a14="http://schemas.microsoft.com/office/drawing/2010/main" val="0"/>
+              </a:ext>
+            </a:extLst>
+          </a:blip>
+          <a:srcRect l="67" t="24554" r="75032" b="52221"/>
+          <a:stretch/>
+        </p:blipFill>
+        <p:spPr>
+          <a:xfrm>
+            <a:off x="7780045" y="1026607"/>
+            <a:ext cx="809465" cy="755000"/>
+          </a:xfrm>
+          <a:prstGeom prst="rect">
+            <a:avLst/>
+          </a:prstGeom>
+        </p:spPr>
+      </p:pic>
+      <p:pic>
+        <p:nvPicPr>
+          <p:cNvPr id="11" name="图片 10">
+            <a:extLst>
+              <a:ext uri="{FF2B5EF4-FFF2-40B4-BE49-F238E27FC236}">
+                <a16:creationId xmlns:a16="http://schemas.microsoft.com/office/drawing/2014/main" id="{F6E93BB0-2716-41D9-9E3C-9F1EA3D712BF}"/>
+              </a:ext>
+            </a:extLst>
+          </p:cNvPr>
+          <p:cNvPicPr>
+            <a:picLocks noChangeAspect="1"/>
+          </p:cNvPicPr>
+          <p:nvPr/>
+        </p:nvPicPr>
+        <p:blipFill rotWithShape="1">
+          <a:blip r:embed="rId2">
+            <a:extLst>
+              <a:ext uri="{28A0092B-C50C-407E-A947-70E740481C1C}">
+                <a14:useLocalDpi xmlns:a14="http://schemas.microsoft.com/office/drawing/2010/main" val="0"/>
+              </a:ext>
+            </a:extLst>
+          </a:blip>
+          <a:srcRect l="25166" t="25609" r="49933" b="51166"/>
+          <a:stretch/>
+        </p:blipFill>
+        <p:spPr>
+          <a:xfrm>
+            <a:off x="8797315" y="1026607"/>
+            <a:ext cx="809465" cy="755000"/>
+          </a:xfrm>
+          <a:prstGeom prst="rect">
+            <a:avLst/>
+          </a:prstGeom>
+        </p:spPr>
+      </p:pic>
+      <p:pic>
+        <p:nvPicPr>
+          <p:cNvPr id="12" name="图片 11">
+            <a:extLst>
+              <a:ext uri="{FF2B5EF4-FFF2-40B4-BE49-F238E27FC236}">
+                <a16:creationId xmlns:a16="http://schemas.microsoft.com/office/drawing/2014/main" id="{0201FDE6-39A0-40E8-9736-52338AF3CE8A}"/>
+              </a:ext>
+            </a:extLst>
+          </p:cNvPr>
+          <p:cNvPicPr>
+            <a:picLocks noChangeAspect="1"/>
+          </p:cNvPicPr>
+          <p:nvPr/>
+        </p:nvPicPr>
+        <p:blipFill rotWithShape="1">
+          <a:blip r:embed="rId2">
+            <a:extLst>
+              <a:ext uri="{28A0092B-C50C-407E-A947-70E740481C1C}">
+                <a14:useLocalDpi xmlns:a14="http://schemas.microsoft.com/office/drawing/2010/main" val="0"/>
+              </a:ext>
+            </a:extLst>
+          </a:blip>
+          <a:srcRect l="49402" t="24730" r="25697" b="52045"/>
+          <a:stretch/>
+        </p:blipFill>
+        <p:spPr>
+          <a:xfrm>
+            <a:off x="9814585" y="1026607"/>
+            <a:ext cx="809465" cy="755000"/>
+          </a:xfrm>
+          <a:prstGeom prst="rect">
+            <a:avLst/>
+          </a:prstGeom>
+        </p:spPr>
+      </p:pic>
+      <p:pic>
+        <p:nvPicPr>
+          <p:cNvPr id="13" name="图片 12">
+            <a:extLst>
+              <a:ext uri="{FF2B5EF4-FFF2-40B4-BE49-F238E27FC236}">
+                <a16:creationId xmlns:a16="http://schemas.microsoft.com/office/drawing/2014/main" id="{38BBF65F-1CB2-4333-9FD1-6AC6B77BE07F}"/>
+              </a:ext>
+            </a:extLst>
+          </p:cNvPr>
+          <p:cNvPicPr>
+            <a:picLocks noChangeAspect="1"/>
+          </p:cNvPicPr>
+          <p:nvPr/>
+        </p:nvPicPr>
+        <p:blipFill rotWithShape="1">
+          <a:blip r:embed="rId2">
+            <a:extLst>
+              <a:ext uri="{28A0092B-C50C-407E-A947-70E740481C1C}">
+                <a14:useLocalDpi xmlns:a14="http://schemas.microsoft.com/office/drawing/2010/main" val="0"/>
+              </a:ext>
+            </a:extLst>
+          </a:blip>
+          <a:srcRect l="75166" t="25433" r="-67" b="51342"/>
+          <a:stretch/>
+        </p:blipFill>
+        <p:spPr>
+          <a:xfrm>
+            <a:off x="10831855" y="1026607"/>
+            <a:ext cx="809465" cy="755000"/>
+          </a:xfrm>
+          <a:prstGeom prst="rect">
+            <a:avLst/>
+          </a:prstGeom>
+        </p:spPr>
+      </p:pic>
+      <p:pic>
+        <p:nvPicPr>
+          <p:cNvPr id="14" name="图片 13">
+            <a:extLst>
+              <a:ext uri="{FF2B5EF4-FFF2-40B4-BE49-F238E27FC236}">
+                <a16:creationId xmlns:a16="http://schemas.microsoft.com/office/drawing/2014/main" id="{14D579D3-5432-4956-A86C-6D08FC6D6E19}"/>
+              </a:ext>
+            </a:extLst>
+          </p:cNvPr>
+          <p:cNvPicPr>
+            <a:picLocks noChangeAspect="1"/>
+          </p:cNvPicPr>
+          <p:nvPr/>
+        </p:nvPicPr>
+        <p:blipFill rotWithShape="1">
+          <a:blip r:embed="rId2">
+            <a:extLst>
+              <a:ext uri="{28A0092B-C50C-407E-A947-70E740481C1C}">
+                <a14:useLocalDpi xmlns:a14="http://schemas.microsoft.com/office/drawing/2010/main" val="0"/>
+              </a:ext>
+            </a:extLst>
+          </a:blip>
+          <a:srcRect l="1465" t="49576" r="73634" b="27199"/>
+          <a:stretch/>
+        </p:blipFill>
+        <p:spPr>
+          <a:xfrm>
+            <a:off x="7780045" y="1781607"/>
+            <a:ext cx="809465" cy="755000"/>
+          </a:xfrm>
+          <a:prstGeom prst="rect">
+            <a:avLst/>
+          </a:prstGeom>
+        </p:spPr>
+      </p:pic>
+      <p:pic>
+        <p:nvPicPr>
+          <p:cNvPr id="15" name="图片 14">
+            <a:extLst>
+              <a:ext uri="{FF2B5EF4-FFF2-40B4-BE49-F238E27FC236}">
+                <a16:creationId xmlns:a16="http://schemas.microsoft.com/office/drawing/2014/main" id="{47E460CA-7786-492F-8392-EFF14316D670}"/>
+              </a:ext>
+            </a:extLst>
+          </p:cNvPr>
+          <p:cNvPicPr>
+            <a:picLocks noChangeAspect="1"/>
+          </p:cNvPicPr>
+          <p:nvPr/>
+        </p:nvPicPr>
+        <p:blipFill rotWithShape="1">
+          <a:blip r:embed="rId2">
+            <a:extLst>
+              <a:ext uri="{28A0092B-C50C-407E-A947-70E740481C1C}">
+                <a14:useLocalDpi xmlns:a14="http://schemas.microsoft.com/office/drawing/2010/main" val="0"/>
+              </a:ext>
+            </a:extLst>
+          </a:blip>
+          <a:srcRect l="27192" t="50000" r="47907" b="26775"/>
+          <a:stretch/>
+        </p:blipFill>
+        <p:spPr>
+          <a:xfrm>
+            <a:off x="8797315" y="1781607"/>
+            <a:ext cx="809465" cy="755000"/>
+          </a:xfrm>
+          <a:prstGeom prst="rect">
+            <a:avLst/>
+          </a:prstGeom>
+        </p:spPr>
+      </p:pic>
+      <p:pic>
+        <p:nvPicPr>
+          <p:cNvPr id="16" name="图片 15">
+            <a:extLst>
+              <a:ext uri="{FF2B5EF4-FFF2-40B4-BE49-F238E27FC236}">
+                <a16:creationId xmlns:a16="http://schemas.microsoft.com/office/drawing/2014/main" id="{391145CC-487C-4657-99C1-60A4720DF2BF}"/>
+              </a:ext>
+            </a:extLst>
+          </p:cNvPr>
+          <p:cNvPicPr>
+            <a:picLocks noChangeAspect="1"/>
+          </p:cNvPicPr>
+          <p:nvPr/>
+        </p:nvPicPr>
+        <p:blipFill rotWithShape="1">
+          <a:blip r:embed="rId2">
+            <a:extLst>
+              <a:ext uri="{28A0092B-C50C-407E-A947-70E740481C1C}">
+                <a14:useLocalDpi xmlns:a14="http://schemas.microsoft.com/office/drawing/2010/main" val="0"/>
+              </a:ext>
+            </a:extLst>
+          </a:blip>
+          <a:srcRect l="52742" t="49576" r="22357" b="27199"/>
+          <a:stretch/>
+        </p:blipFill>
+        <p:spPr>
+          <a:xfrm>
+            <a:off x="9814585" y="1781607"/>
+            <a:ext cx="809465" cy="755000"/>
+          </a:xfrm>
+          <a:prstGeom prst="rect">
+            <a:avLst/>
+          </a:prstGeom>
+        </p:spPr>
+      </p:pic>
+      <p:pic>
+        <p:nvPicPr>
+          <p:cNvPr id="17" name="图片 16">
+            <a:extLst>
+              <a:ext uri="{FF2B5EF4-FFF2-40B4-BE49-F238E27FC236}">
+                <a16:creationId xmlns:a16="http://schemas.microsoft.com/office/drawing/2014/main" id="{D0EE5D2F-9681-4057-9701-139B26A5CD24}"/>
+              </a:ext>
+            </a:extLst>
+          </p:cNvPr>
+          <p:cNvPicPr>
+            <a:picLocks noChangeAspect="1"/>
+          </p:cNvPicPr>
+          <p:nvPr/>
+        </p:nvPicPr>
+        <p:blipFill rotWithShape="1">
+          <a:blip r:embed="rId2">
+            <a:extLst>
+              <a:ext uri="{28A0092B-C50C-407E-A947-70E740481C1C}">
+                <a14:useLocalDpi xmlns:a14="http://schemas.microsoft.com/office/drawing/2010/main" val="0"/>
+              </a:ext>
+            </a:extLst>
+          </a:blip>
+          <a:srcRect l="77413" t="50678" r="-2314" b="26097"/>
+          <a:stretch/>
+        </p:blipFill>
+        <p:spPr>
+          <a:xfrm>
+            <a:off x="10831855" y="1781607"/>
+            <a:ext cx="809465" cy="755000"/>
+          </a:xfrm>
+          <a:prstGeom prst="rect">
+            <a:avLst/>
+          </a:prstGeom>
+        </p:spPr>
+      </p:pic>
+      <p:pic>
+        <p:nvPicPr>
+          <p:cNvPr id="18" name="图片 17">
+            <a:extLst>
+              <a:ext uri="{FF2B5EF4-FFF2-40B4-BE49-F238E27FC236}">
+                <a16:creationId xmlns:a16="http://schemas.microsoft.com/office/drawing/2014/main" id="{73B5DC18-B505-4426-BBD3-75C54D86C0C5}"/>
+              </a:ext>
+            </a:extLst>
+          </p:cNvPr>
+          <p:cNvPicPr>
+            <a:picLocks noChangeAspect="1"/>
+          </p:cNvPicPr>
+          <p:nvPr/>
+        </p:nvPicPr>
+        <p:blipFill rotWithShape="1">
+          <a:blip r:embed="rId2">
+            <a:extLst>
+              <a:ext uri="{28A0092B-C50C-407E-A947-70E740481C1C}">
+                <a14:useLocalDpi xmlns:a14="http://schemas.microsoft.com/office/drawing/2010/main" val="0"/>
+              </a:ext>
+            </a:extLst>
+          </a:blip>
+          <a:srcRect l="411" t="73903" r="74688" b="2872"/>
+          <a:stretch/>
+        </p:blipFill>
+        <p:spPr>
+          <a:xfrm>
+            <a:off x="7777856" y="2536607"/>
+            <a:ext cx="809465" cy="755000"/>
+          </a:xfrm>
+          <a:prstGeom prst="rect">
+            <a:avLst/>
+          </a:prstGeom>
+        </p:spPr>
+      </p:pic>
+      <p:pic>
+        <p:nvPicPr>
+          <p:cNvPr id="19" name="图片 18">
+            <a:extLst>
+              <a:ext uri="{FF2B5EF4-FFF2-40B4-BE49-F238E27FC236}">
+                <a16:creationId xmlns:a16="http://schemas.microsoft.com/office/drawing/2014/main" id="{7B56EB1E-E6F5-411E-95E3-A299A526626E}"/>
+              </a:ext>
+            </a:extLst>
+          </p:cNvPr>
+          <p:cNvPicPr>
+            <a:picLocks noChangeAspect="1"/>
+          </p:cNvPicPr>
+          <p:nvPr/>
+        </p:nvPicPr>
+        <p:blipFill rotWithShape="1">
+          <a:blip r:embed="rId2">
+            <a:extLst>
+              <a:ext uri="{28A0092B-C50C-407E-A947-70E740481C1C}">
+                <a14:useLocalDpi xmlns:a14="http://schemas.microsoft.com/office/drawing/2010/main" val="0"/>
+              </a:ext>
+            </a:extLst>
+          </a:blip>
+          <a:srcRect l="25032" t="73551" r="50067" b="3224"/>
+          <a:stretch/>
+        </p:blipFill>
+        <p:spPr>
+          <a:xfrm>
+            <a:off x="8795126" y="2536607"/>
+            <a:ext cx="809465" cy="755000"/>
+          </a:xfrm>
+          <a:prstGeom prst="rect">
+            <a:avLst/>
+          </a:prstGeom>
+        </p:spPr>
+      </p:pic>
+      <p:pic>
+        <p:nvPicPr>
+          <p:cNvPr id="20" name="图片 19">
+            <a:extLst>
+              <a:ext uri="{FF2B5EF4-FFF2-40B4-BE49-F238E27FC236}">
+                <a16:creationId xmlns:a16="http://schemas.microsoft.com/office/drawing/2014/main" id="{28218822-E74C-4208-A8F7-A416C8275361}"/>
+              </a:ext>
+            </a:extLst>
+          </p:cNvPr>
+          <p:cNvPicPr>
+            <a:picLocks noChangeAspect="1"/>
+          </p:cNvPicPr>
+          <p:nvPr/>
+        </p:nvPicPr>
+        <p:blipFill rotWithShape="1">
+          <a:blip r:embed="rId2">
+            <a:extLst>
+              <a:ext uri="{28A0092B-C50C-407E-A947-70E740481C1C}">
+                <a14:useLocalDpi xmlns:a14="http://schemas.microsoft.com/office/drawing/2010/main" val="0"/>
+              </a:ext>
+            </a:extLst>
+          </a:blip>
+          <a:srcRect l="50137" t="75478" r="24962" b="1297"/>
+          <a:stretch/>
+        </p:blipFill>
+        <p:spPr>
+          <a:xfrm>
+            <a:off x="9812396" y="2536607"/>
+            <a:ext cx="809465" cy="755000"/>
+          </a:xfrm>
+          <a:prstGeom prst="rect">
+            <a:avLst/>
+          </a:prstGeom>
+        </p:spPr>
+      </p:pic>
+      <p:pic>
+        <p:nvPicPr>
+          <p:cNvPr id="21" name="图片 20">
+            <a:extLst>
+              <a:ext uri="{FF2B5EF4-FFF2-40B4-BE49-F238E27FC236}">
+                <a16:creationId xmlns:a16="http://schemas.microsoft.com/office/drawing/2014/main" id="{5E9BB849-C8F2-4702-A885-EDA3C511999A}"/>
+              </a:ext>
+            </a:extLst>
+          </p:cNvPr>
+          <p:cNvPicPr>
+            <a:picLocks noChangeAspect="1"/>
+          </p:cNvPicPr>
+          <p:nvPr/>
+        </p:nvPicPr>
+        <p:blipFill rotWithShape="1">
+          <a:blip r:embed="rId2">
+            <a:extLst>
+              <a:ext uri="{28A0092B-C50C-407E-A947-70E740481C1C}">
+                <a14:useLocalDpi xmlns:a14="http://schemas.microsoft.com/office/drawing/2010/main" val="0"/>
+              </a:ext>
+            </a:extLst>
+          </a:blip>
+          <a:srcRect l="75480" t="76971" r="-381" b="-196"/>
+          <a:stretch/>
+        </p:blipFill>
+        <p:spPr>
+          <a:xfrm>
+            <a:off x="10829666" y="2536607"/>
+            <a:ext cx="809465" cy="755000"/>
+          </a:xfrm>
+          <a:prstGeom prst="rect">
+            <a:avLst/>
+          </a:prstGeom>
+        </p:spPr>
+      </p:pic>
+      <p:pic>
+        <p:nvPicPr>
+          <p:cNvPr id="22" name="图片 21">
+            <a:extLst>
+              <a:ext uri="{FF2B5EF4-FFF2-40B4-BE49-F238E27FC236}">
+                <a16:creationId xmlns:a16="http://schemas.microsoft.com/office/drawing/2014/main" id="{123268AE-D459-4E48-90D9-4A2E1E4EA827}"/>
+              </a:ext>
+            </a:extLst>
+          </p:cNvPr>
+          <p:cNvPicPr>
+            <a:picLocks noChangeAspect="1"/>
+          </p:cNvPicPr>
+          <p:nvPr/>
+        </p:nvPicPr>
+        <p:blipFill rotWithShape="1">
+          <a:blip r:embed="rId3">
+            <a:extLst>
+              <a:ext uri="{28A0092B-C50C-407E-A947-70E740481C1C}">
+                <a14:useLocalDpi xmlns:a14="http://schemas.microsoft.com/office/drawing/2010/main" val="0"/>
+              </a:ext>
+            </a:extLst>
+          </a:blip>
+          <a:srcRect l="24933" r="49896" b="75164"/>
+          <a:stretch/>
+        </p:blipFill>
+        <p:spPr>
+          <a:xfrm>
+            <a:off x="2331916" y="918275"/>
+            <a:ext cx="1227387" cy="1211031"/>
+          </a:xfrm>
+          <a:prstGeom prst="rect">
+            <a:avLst/>
+          </a:prstGeom>
+        </p:spPr>
+      </p:pic>
+      <p:pic>
+        <p:nvPicPr>
+          <p:cNvPr id="23" name="图片 22">
+            <a:extLst>
+              <a:ext uri="{FF2B5EF4-FFF2-40B4-BE49-F238E27FC236}">
+                <a16:creationId xmlns:a16="http://schemas.microsoft.com/office/drawing/2014/main" id="{2A5441FE-C994-4695-AFE5-A722A4E6DD35}"/>
+              </a:ext>
+            </a:extLst>
+          </p:cNvPr>
+          <p:cNvPicPr>
+            <a:picLocks noChangeAspect="1"/>
+          </p:cNvPicPr>
+          <p:nvPr/>
+        </p:nvPicPr>
+        <p:blipFill rotWithShape="1">
+          <a:blip r:embed="rId3">
+            <a:extLst>
+              <a:ext uri="{28A0092B-C50C-407E-A947-70E740481C1C}">
+                <a14:useLocalDpi xmlns:a14="http://schemas.microsoft.com/office/drawing/2010/main" val="0"/>
+              </a:ext>
+            </a:extLst>
+          </a:blip>
+          <a:srcRect l="50280" t="656" r="24549" b="74508"/>
+          <a:stretch/>
+        </p:blipFill>
+        <p:spPr>
+          <a:xfrm>
+            <a:off x="3643414" y="918274"/>
+            <a:ext cx="1227387" cy="1211031"/>
+          </a:xfrm>
+          <a:prstGeom prst="rect">
+            <a:avLst/>
+          </a:prstGeom>
+        </p:spPr>
+      </p:pic>
+      <p:pic>
+        <p:nvPicPr>
+          <p:cNvPr id="24" name="图片 23">
+            <a:extLst>
+              <a:ext uri="{FF2B5EF4-FFF2-40B4-BE49-F238E27FC236}">
+                <a16:creationId xmlns:a16="http://schemas.microsoft.com/office/drawing/2014/main" id="{EB0495D3-6017-4978-9217-2EADAFC3CE60}"/>
+              </a:ext>
+            </a:extLst>
+          </p:cNvPr>
+          <p:cNvPicPr>
+            <a:picLocks noChangeAspect="1"/>
+          </p:cNvPicPr>
+          <p:nvPr/>
+        </p:nvPicPr>
+        <p:blipFill rotWithShape="1">
+          <a:blip r:embed="rId3">
+            <a:extLst>
+              <a:ext uri="{28A0092B-C50C-407E-A947-70E740481C1C}">
+                <a14:useLocalDpi xmlns:a14="http://schemas.microsoft.com/office/drawing/2010/main" val="0"/>
+              </a:ext>
+            </a:extLst>
+          </a:blip>
+          <a:srcRect l="74829" t="656" b="74508"/>
+          <a:stretch/>
+        </p:blipFill>
+        <p:spPr>
+          <a:xfrm>
+            <a:off x="4954912" y="918273"/>
+            <a:ext cx="1227387" cy="1211031"/>
+          </a:xfrm>
+          <a:prstGeom prst="rect">
+            <a:avLst/>
+          </a:prstGeom>
+        </p:spPr>
+      </p:pic>
+      <p:pic>
+        <p:nvPicPr>
+          <p:cNvPr id="25" name="图片 24">
+            <a:extLst>
+              <a:ext uri="{FF2B5EF4-FFF2-40B4-BE49-F238E27FC236}">
+                <a16:creationId xmlns:a16="http://schemas.microsoft.com/office/drawing/2014/main" id="{57D0FA9D-E64E-4E81-BA3A-C5CD4221BFFF}"/>
+              </a:ext>
+            </a:extLst>
+          </p:cNvPr>
+          <p:cNvPicPr>
+            <a:picLocks noChangeAspect="1"/>
+          </p:cNvPicPr>
+          <p:nvPr/>
+        </p:nvPicPr>
+        <p:blipFill rotWithShape="1">
+          <a:blip r:embed="rId3">
+            <a:extLst>
+              <a:ext uri="{28A0092B-C50C-407E-A947-70E740481C1C}">
+                <a14:useLocalDpi xmlns:a14="http://schemas.microsoft.com/office/drawing/2010/main" val="0"/>
+              </a:ext>
+            </a:extLst>
+          </a:blip>
+          <a:srcRect t="25492" r="74829" b="49672"/>
+          <a:stretch/>
+        </p:blipFill>
+        <p:spPr>
+          <a:xfrm>
+            <a:off x="1020418" y="2129307"/>
+            <a:ext cx="1227387" cy="1211031"/>
+          </a:xfrm>
+          <a:prstGeom prst="rect">
+            <a:avLst/>
+          </a:prstGeom>
+        </p:spPr>
+      </p:pic>
+      <p:pic>
+        <p:nvPicPr>
+          <p:cNvPr id="26" name="图片 25">
+            <a:extLst>
+              <a:ext uri="{FF2B5EF4-FFF2-40B4-BE49-F238E27FC236}">
+                <a16:creationId xmlns:a16="http://schemas.microsoft.com/office/drawing/2014/main" id="{CAA4239D-D1B2-4487-B8E1-67EC09E9824B}"/>
+              </a:ext>
+            </a:extLst>
+          </p:cNvPr>
+          <p:cNvPicPr>
+            <a:picLocks noChangeAspect="1"/>
+          </p:cNvPicPr>
+          <p:nvPr/>
+        </p:nvPicPr>
+        <p:blipFill rotWithShape="1">
+          <a:blip r:embed="rId3">
+            <a:extLst>
+              <a:ext uri="{28A0092B-C50C-407E-A947-70E740481C1C}">
+                <a14:useLocalDpi xmlns:a14="http://schemas.microsoft.com/office/drawing/2010/main" val="0"/>
+              </a:ext>
+            </a:extLst>
+          </a:blip>
+          <a:srcRect l="24933" t="25492" r="49896" b="49672"/>
+          <a:stretch/>
+        </p:blipFill>
+        <p:spPr>
+          <a:xfrm>
+            <a:off x="2331916" y="2129306"/>
+            <a:ext cx="1227387" cy="1211031"/>
+          </a:xfrm>
+          <a:prstGeom prst="rect">
+            <a:avLst/>
+          </a:prstGeom>
+        </p:spPr>
+      </p:pic>
+      <p:pic>
+        <p:nvPicPr>
+          <p:cNvPr id="27" name="图片 26">
+            <a:extLst>
+              <a:ext uri="{FF2B5EF4-FFF2-40B4-BE49-F238E27FC236}">
+                <a16:creationId xmlns:a16="http://schemas.microsoft.com/office/drawing/2014/main" id="{297B95F9-2AD6-4761-8C3D-743149BCA110}"/>
+              </a:ext>
+            </a:extLst>
+          </p:cNvPr>
+          <p:cNvPicPr>
+            <a:picLocks noChangeAspect="1"/>
+          </p:cNvPicPr>
+          <p:nvPr/>
+        </p:nvPicPr>
+        <p:blipFill rotWithShape="1">
+          <a:blip r:embed="rId3">
+            <a:extLst>
+              <a:ext uri="{28A0092B-C50C-407E-A947-70E740481C1C}">
+                <a14:useLocalDpi xmlns:a14="http://schemas.microsoft.com/office/drawing/2010/main" val="0"/>
+              </a:ext>
+            </a:extLst>
+          </a:blip>
+          <a:srcRect l="50280" t="25164" r="24549" b="50000"/>
+          <a:stretch/>
+        </p:blipFill>
+        <p:spPr>
+          <a:xfrm>
+            <a:off x="3643414" y="2129305"/>
+            <a:ext cx="1227387" cy="1211031"/>
+          </a:xfrm>
+          <a:prstGeom prst="rect">
+            <a:avLst/>
+          </a:prstGeom>
+        </p:spPr>
+      </p:pic>
+      <p:pic>
+        <p:nvPicPr>
+          <p:cNvPr id="28" name="图片 27">
+            <a:extLst>
+              <a:ext uri="{FF2B5EF4-FFF2-40B4-BE49-F238E27FC236}">
+                <a16:creationId xmlns:a16="http://schemas.microsoft.com/office/drawing/2014/main" id="{03964630-E3B2-4E1E-9B93-2B9EBF3596A8}"/>
+              </a:ext>
+            </a:extLst>
+          </p:cNvPr>
+          <p:cNvPicPr>
+            <a:picLocks noChangeAspect="1"/>
+          </p:cNvPicPr>
+          <p:nvPr/>
+        </p:nvPicPr>
+        <p:blipFill rotWithShape="1">
+          <a:blip r:embed="rId3">
+            <a:extLst>
+              <a:ext uri="{28A0092B-C50C-407E-A947-70E740481C1C}">
+                <a14:useLocalDpi xmlns:a14="http://schemas.microsoft.com/office/drawing/2010/main" val="0"/>
+              </a:ext>
+            </a:extLst>
+          </a:blip>
+          <a:srcRect l="74829" t="25492" b="49672"/>
+          <a:stretch/>
+        </p:blipFill>
+        <p:spPr>
+          <a:xfrm>
+            <a:off x="4954912" y="2129304"/>
+            <a:ext cx="1227387" cy="1211031"/>
+          </a:xfrm>
+          <a:prstGeom prst="rect">
+            <a:avLst/>
+          </a:prstGeom>
+        </p:spPr>
+      </p:pic>
+      <p:pic>
+        <p:nvPicPr>
+          <p:cNvPr id="29" name="图片 28">
+            <a:extLst>
+              <a:ext uri="{FF2B5EF4-FFF2-40B4-BE49-F238E27FC236}">
+                <a16:creationId xmlns:a16="http://schemas.microsoft.com/office/drawing/2014/main" id="{1E8FA037-3905-4626-8A94-3010A394B83E}"/>
+              </a:ext>
+            </a:extLst>
+          </p:cNvPr>
+          <p:cNvPicPr>
+            <a:picLocks noChangeAspect="1"/>
+          </p:cNvPicPr>
+          <p:nvPr/>
+        </p:nvPicPr>
+        <p:blipFill rotWithShape="1">
+          <a:blip r:embed="rId3">
+            <a:extLst>
+              <a:ext uri="{28A0092B-C50C-407E-A947-70E740481C1C}">
+                <a14:useLocalDpi xmlns:a14="http://schemas.microsoft.com/office/drawing/2010/main" val="0"/>
+              </a:ext>
+            </a:extLst>
+          </a:blip>
+          <a:srcRect l="-588" t="50000" r="75417" b="25164"/>
+          <a:stretch/>
+        </p:blipFill>
+        <p:spPr>
+          <a:xfrm>
+            <a:off x="1020418" y="3340338"/>
+            <a:ext cx="1227387" cy="1211031"/>
+          </a:xfrm>
+          <a:prstGeom prst="rect">
+            <a:avLst/>
+          </a:prstGeom>
+        </p:spPr>
+      </p:pic>
+      <p:pic>
+        <p:nvPicPr>
+          <p:cNvPr id="30" name="图片 29">
+            <a:extLst>
+              <a:ext uri="{FF2B5EF4-FFF2-40B4-BE49-F238E27FC236}">
+                <a16:creationId xmlns:a16="http://schemas.microsoft.com/office/drawing/2014/main" id="{43C5E55D-3A6F-4442-AA80-BB92022E72B9}"/>
+              </a:ext>
+            </a:extLst>
+          </p:cNvPr>
+          <p:cNvPicPr>
+            <a:picLocks noChangeAspect="1"/>
+          </p:cNvPicPr>
+          <p:nvPr/>
+        </p:nvPicPr>
+        <p:blipFill rotWithShape="1">
+          <a:blip r:embed="rId3">
+            <a:extLst>
+              <a:ext uri="{28A0092B-C50C-407E-A947-70E740481C1C}">
+                <a14:useLocalDpi xmlns:a14="http://schemas.microsoft.com/office/drawing/2010/main" val="0"/>
+              </a:ext>
+            </a:extLst>
+          </a:blip>
+          <a:srcRect l="24933" t="50000" r="49896" b="25164"/>
+          <a:stretch/>
+        </p:blipFill>
+        <p:spPr>
+          <a:xfrm>
+            <a:off x="2331916" y="3340337"/>
+            <a:ext cx="1227387" cy="1211031"/>
+          </a:xfrm>
+          <a:prstGeom prst="rect">
+            <a:avLst/>
+          </a:prstGeom>
+        </p:spPr>
+      </p:pic>
+      <p:pic>
+        <p:nvPicPr>
+          <p:cNvPr id="31" name="图片 30">
+            <a:extLst>
+              <a:ext uri="{FF2B5EF4-FFF2-40B4-BE49-F238E27FC236}">
+                <a16:creationId xmlns:a16="http://schemas.microsoft.com/office/drawing/2014/main" id="{57A70903-10CA-4DBB-A24B-368DC43D8F64}"/>
+              </a:ext>
+            </a:extLst>
+          </p:cNvPr>
+          <p:cNvPicPr>
+            <a:picLocks noChangeAspect="1"/>
+          </p:cNvPicPr>
+          <p:nvPr/>
+        </p:nvPicPr>
+        <p:blipFill rotWithShape="1">
+          <a:blip r:embed="rId3">
+            <a:extLst>
+              <a:ext uri="{28A0092B-C50C-407E-A947-70E740481C1C}">
+                <a14:useLocalDpi xmlns:a14="http://schemas.microsoft.com/office/drawing/2010/main" val="0"/>
+              </a:ext>
+            </a:extLst>
+          </a:blip>
+          <a:srcRect l="49703" t="50328" r="25126" b="24836"/>
+          <a:stretch/>
+        </p:blipFill>
+        <p:spPr>
+          <a:xfrm>
+            <a:off x="3643414" y="3340336"/>
+            <a:ext cx="1227387" cy="1211031"/>
+          </a:xfrm>
+          <a:prstGeom prst="rect">
+            <a:avLst/>
+          </a:prstGeom>
+        </p:spPr>
+      </p:pic>
+      <p:pic>
+        <p:nvPicPr>
+          <p:cNvPr id="32" name="图片 31">
+            <a:extLst>
+              <a:ext uri="{FF2B5EF4-FFF2-40B4-BE49-F238E27FC236}">
+                <a16:creationId xmlns:a16="http://schemas.microsoft.com/office/drawing/2014/main" id="{1D64F219-4F25-4C02-A630-89CDAC4B76AF}"/>
+              </a:ext>
+            </a:extLst>
+          </p:cNvPr>
+          <p:cNvPicPr>
+            <a:picLocks noChangeAspect="1"/>
+          </p:cNvPicPr>
+          <p:nvPr/>
+        </p:nvPicPr>
+        <p:blipFill rotWithShape="1">
+          <a:blip r:embed="rId3">
+            <a:extLst>
+              <a:ext uri="{28A0092B-C50C-407E-A947-70E740481C1C}">
+                <a14:useLocalDpi xmlns:a14="http://schemas.microsoft.com/office/drawing/2010/main" val="0"/>
+              </a:ext>
+            </a:extLst>
+          </a:blip>
+          <a:srcRect l="74829" t="50099" b="25065"/>
+          <a:stretch/>
+        </p:blipFill>
+        <p:spPr>
+          <a:xfrm>
+            <a:off x="4954912" y="3340335"/>
+            <a:ext cx="1227387" cy="1211031"/>
+          </a:xfrm>
+          <a:prstGeom prst="rect">
+            <a:avLst/>
+          </a:prstGeom>
+        </p:spPr>
+      </p:pic>
+      <p:pic>
+        <p:nvPicPr>
+          <p:cNvPr id="33" name="图片 32">
+            <a:extLst>
+              <a:ext uri="{FF2B5EF4-FFF2-40B4-BE49-F238E27FC236}">
+                <a16:creationId xmlns:a16="http://schemas.microsoft.com/office/drawing/2014/main" id="{C9F22A1F-AF8B-476D-BC1C-FCF8A40614F0}"/>
+              </a:ext>
+            </a:extLst>
+          </p:cNvPr>
+          <p:cNvPicPr>
+            <a:picLocks noChangeAspect="1"/>
+          </p:cNvPicPr>
+          <p:nvPr/>
+        </p:nvPicPr>
+        <p:blipFill rotWithShape="1">
+          <a:blip r:embed="rId3">
+            <a:extLst>
+              <a:ext uri="{28A0092B-C50C-407E-A947-70E740481C1C}">
+                <a14:useLocalDpi xmlns:a14="http://schemas.microsoft.com/office/drawing/2010/main" val="0"/>
+              </a:ext>
+            </a:extLst>
+          </a:blip>
+          <a:srcRect t="74508" r="74829" b="656"/>
+          <a:stretch/>
+        </p:blipFill>
+        <p:spPr>
+          <a:xfrm>
+            <a:off x="1020418" y="4551367"/>
+            <a:ext cx="1227387" cy="1211031"/>
+          </a:xfrm>
+          <a:prstGeom prst="rect">
+            <a:avLst/>
+          </a:prstGeom>
+        </p:spPr>
+      </p:pic>
+      <p:pic>
+        <p:nvPicPr>
+          <p:cNvPr id="34" name="图片 33">
+            <a:extLst>
+              <a:ext uri="{FF2B5EF4-FFF2-40B4-BE49-F238E27FC236}">
+                <a16:creationId xmlns:a16="http://schemas.microsoft.com/office/drawing/2014/main" id="{EF1CA0C8-187E-4392-9593-B53853BD07CF}"/>
+              </a:ext>
+            </a:extLst>
+          </p:cNvPr>
+          <p:cNvPicPr>
+            <a:picLocks noChangeAspect="1"/>
+          </p:cNvPicPr>
+          <p:nvPr/>
+        </p:nvPicPr>
+        <p:blipFill rotWithShape="1">
+          <a:blip r:embed="rId3">
+            <a:extLst>
+              <a:ext uri="{28A0092B-C50C-407E-A947-70E740481C1C}">
+                <a14:useLocalDpi xmlns:a14="http://schemas.microsoft.com/office/drawing/2010/main" val="0"/>
+              </a:ext>
+            </a:extLst>
+          </a:blip>
+          <a:srcRect l="24933" t="74836" r="49896" b="328"/>
+          <a:stretch/>
+        </p:blipFill>
+        <p:spPr>
+          <a:xfrm>
+            <a:off x="2331916" y="4551366"/>
+            <a:ext cx="1227387" cy="1211031"/>
+          </a:xfrm>
+          <a:prstGeom prst="rect">
+            <a:avLst/>
+          </a:prstGeom>
+        </p:spPr>
+      </p:pic>
+      <p:pic>
+        <p:nvPicPr>
+          <p:cNvPr id="35" name="图片 34">
+            <a:extLst>
+              <a:ext uri="{FF2B5EF4-FFF2-40B4-BE49-F238E27FC236}">
+                <a16:creationId xmlns:a16="http://schemas.microsoft.com/office/drawing/2014/main" id="{DBAB1394-BA01-44DD-AFAB-02510FFB3A16}"/>
+              </a:ext>
+            </a:extLst>
+          </p:cNvPr>
+          <p:cNvPicPr>
+            <a:picLocks noChangeAspect="1"/>
+          </p:cNvPicPr>
+          <p:nvPr/>
+        </p:nvPicPr>
+        <p:blipFill rotWithShape="1">
+          <a:blip r:embed="rId3">
+            <a:extLst>
+              <a:ext uri="{28A0092B-C50C-407E-A947-70E740481C1C}">
+                <a14:useLocalDpi xmlns:a14="http://schemas.microsoft.com/office/drawing/2010/main" val="0"/>
+              </a:ext>
+            </a:extLst>
+          </a:blip>
+          <a:srcRect l="50000" t="74508" r="24829" b="656"/>
+          <a:stretch/>
+        </p:blipFill>
+        <p:spPr>
+          <a:xfrm>
+            <a:off x="3643414" y="4551365"/>
+            <a:ext cx="1227387" cy="1211031"/>
+          </a:xfrm>
+          <a:prstGeom prst="rect">
+            <a:avLst/>
+          </a:prstGeom>
+        </p:spPr>
+      </p:pic>
+      <p:pic>
+        <p:nvPicPr>
+          <p:cNvPr id="36" name="图片 35">
+            <a:extLst>
+              <a:ext uri="{FF2B5EF4-FFF2-40B4-BE49-F238E27FC236}">
+                <a16:creationId xmlns:a16="http://schemas.microsoft.com/office/drawing/2014/main" id="{9AAA20CC-D8B9-4F08-8158-3E5043AB6BFB}"/>
+              </a:ext>
+            </a:extLst>
+          </p:cNvPr>
+          <p:cNvPicPr>
+            <a:picLocks noChangeAspect="1"/>
+          </p:cNvPicPr>
+          <p:nvPr/>
+        </p:nvPicPr>
+        <p:blipFill rotWithShape="1">
+          <a:blip r:embed="rId3">
+            <a:extLst>
+              <a:ext uri="{28A0092B-C50C-407E-A947-70E740481C1C}">
+                <a14:useLocalDpi xmlns:a14="http://schemas.microsoft.com/office/drawing/2010/main" val="0"/>
+              </a:ext>
+            </a:extLst>
+          </a:blip>
+          <a:srcRect l="74764" t="75164" r="65"/>
+          <a:stretch/>
+        </p:blipFill>
+        <p:spPr>
+          <a:xfrm>
+            <a:off x="4954912" y="4551364"/>
+            <a:ext cx="1227387" cy="1211031"/>
+          </a:xfrm>
+          <a:prstGeom prst="rect">
+            <a:avLst/>
+          </a:prstGeom>
+        </p:spPr>
+      </p:pic>
     </p:spTree>
     <p:extLst>
       <p:ext uri="{BB962C8B-B14F-4D97-AF65-F5344CB8AC3E}">
@@ -6872,6 +7942,566 @@
           </a:prstGeom>
         </p:spPr>
       </p:pic>
+      <p:pic>
+        <p:nvPicPr>
+          <p:cNvPr id="3" name="图片 2">
+            <a:extLst>
+              <a:ext uri="{FF2B5EF4-FFF2-40B4-BE49-F238E27FC236}">
+                <a16:creationId xmlns:a16="http://schemas.microsoft.com/office/drawing/2014/main" id="{99138A24-37C0-4BB1-94BB-32DB12B80B34}"/>
+              </a:ext>
+            </a:extLst>
+          </p:cNvPr>
+          <p:cNvPicPr>
+            <a:picLocks noChangeAspect="1"/>
+          </p:cNvPicPr>
+          <p:nvPr/>
+        </p:nvPicPr>
+        <p:blipFill rotWithShape="1">
+          <a:blip r:embed="rId5">
+            <a:extLst>
+              <a:ext uri="{28A0092B-C50C-407E-A947-70E740481C1C}">
+                <a14:useLocalDpi xmlns:a14="http://schemas.microsoft.com/office/drawing/2010/main" val="0"/>
+              </a:ext>
+            </a:extLst>
+          </a:blip>
+          <a:srcRect l="1182" t="2259" r="75227" b="74454"/>
+          <a:stretch/>
+        </p:blipFill>
+        <p:spPr>
+          <a:xfrm>
+            <a:off x="9206859" y="789315"/>
+            <a:ext cx="418109" cy="619108"/>
+          </a:xfrm>
+          <a:prstGeom prst="rect">
+            <a:avLst/>
+          </a:prstGeom>
+        </p:spPr>
+      </p:pic>
+      <p:pic>
+        <p:nvPicPr>
+          <p:cNvPr id="61" name="图片 60">
+            <a:extLst>
+              <a:ext uri="{FF2B5EF4-FFF2-40B4-BE49-F238E27FC236}">
+                <a16:creationId xmlns:a16="http://schemas.microsoft.com/office/drawing/2014/main" id="{1A52F7C9-CACC-43D4-8002-4538290B277A}"/>
+              </a:ext>
+            </a:extLst>
+          </p:cNvPr>
+          <p:cNvPicPr>
+            <a:picLocks noChangeAspect="1"/>
+          </p:cNvPicPr>
+          <p:nvPr/>
+        </p:nvPicPr>
+        <p:blipFill rotWithShape="1">
+          <a:blip r:embed="rId5">
+            <a:extLst>
+              <a:ext uri="{28A0092B-C50C-407E-A947-70E740481C1C}">
+                <a14:useLocalDpi xmlns:a14="http://schemas.microsoft.com/office/drawing/2010/main" val="0"/>
+              </a:ext>
+            </a:extLst>
+          </a:blip>
+          <a:srcRect l="25558" t="2832" r="50851" b="73881"/>
+          <a:stretch/>
+        </p:blipFill>
+        <p:spPr>
+          <a:xfrm>
+            <a:off x="9688402" y="789315"/>
+            <a:ext cx="418109" cy="619108"/>
+          </a:xfrm>
+          <a:prstGeom prst="rect">
+            <a:avLst/>
+          </a:prstGeom>
+        </p:spPr>
+      </p:pic>
+      <p:pic>
+        <p:nvPicPr>
+          <p:cNvPr id="62" name="图片 61">
+            <a:extLst>
+              <a:ext uri="{FF2B5EF4-FFF2-40B4-BE49-F238E27FC236}">
+                <a16:creationId xmlns:a16="http://schemas.microsoft.com/office/drawing/2014/main" id="{066B2E13-3176-4D87-8E81-004859E5FC27}"/>
+              </a:ext>
+            </a:extLst>
+          </p:cNvPr>
+          <p:cNvPicPr>
+            <a:picLocks noChangeAspect="1"/>
+          </p:cNvPicPr>
+          <p:nvPr/>
+        </p:nvPicPr>
+        <p:blipFill rotWithShape="1">
+          <a:blip r:embed="rId5">
+            <a:extLst>
+              <a:ext uri="{28A0092B-C50C-407E-A947-70E740481C1C}">
+                <a14:useLocalDpi xmlns:a14="http://schemas.microsoft.com/office/drawing/2010/main" val="0"/>
+              </a:ext>
+            </a:extLst>
+          </a:blip>
+          <a:srcRect l="51271" t="2259" r="25138" b="74454"/>
+          <a:stretch/>
+        </p:blipFill>
+        <p:spPr>
+          <a:xfrm>
+            <a:off x="10169944" y="789315"/>
+            <a:ext cx="418109" cy="619108"/>
+          </a:xfrm>
+          <a:prstGeom prst="rect">
+            <a:avLst/>
+          </a:prstGeom>
+        </p:spPr>
+      </p:pic>
+      <p:pic>
+        <p:nvPicPr>
+          <p:cNvPr id="63" name="图片 62">
+            <a:extLst>
+              <a:ext uri="{FF2B5EF4-FFF2-40B4-BE49-F238E27FC236}">
+                <a16:creationId xmlns:a16="http://schemas.microsoft.com/office/drawing/2014/main" id="{F86BE316-26A9-4514-8DF7-C3405DDA7352}"/>
+              </a:ext>
+            </a:extLst>
+          </p:cNvPr>
+          <p:cNvPicPr>
+            <a:picLocks noChangeAspect="1"/>
+          </p:cNvPicPr>
+          <p:nvPr/>
+        </p:nvPicPr>
+        <p:blipFill rotWithShape="1">
+          <a:blip r:embed="rId5">
+            <a:extLst>
+              <a:ext uri="{28A0092B-C50C-407E-A947-70E740481C1C}">
+                <a14:useLocalDpi xmlns:a14="http://schemas.microsoft.com/office/drawing/2010/main" val="0"/>
+              </a:ext>
+            </a:extLst>
+          </a:blip>
+          <a:srcRect l="75563" t="2359" r="846" b="74354"/>
+          <a:stretch/>
+        </p:blipFill>
+        <p:spPr>
+          <a:xfrm>
+            <a:off x="10651486" y="789315"/>
+            <a:ext cx="418109" cy="619108"/>
+          </a:xfrm>
+          <a:prstGeom prst="rect">
+            <a:avLst/>
+          </a:prstGeom>
+        </p:spPr>
+      </p:pic>
+      <p:pic>
+        <p:nvPicPr>
+          <p:cNvPr id="64" name="图片 63">
+            <a:extLst>
+              <a:ext uri="{FF2B5EF4-FFF2-40B4-BE49-F238E27FC236}">
+                <a16:creationId xmlns:a16="http://schemas.microsoft.com/office/drawing/2014/main" id="{C4DBA970-43C8-4F84-95BA-A002E35FA4E6}"/>
+              </a:ext>
+            </a:extLst>
+          </p:cNvPr>
+          <p:cNvPicPr>
+            <a:picLocks noChangeAspect="1"/>
+          </p:cNvPicPr>
+          <p:nvPr/>
+        </p:nvPicPr>
+        <p:blipFill rotWithShape="1">
+          <a:blip r:embed="rId5">
+            <a:extLst>
+              <a:ext uri="{28A0092B-C50C-407E-A947-70E740481C1C}">
+                <a14:useLocalDpi xmlns:a14="http://schemas.microsoft.com/office/drawing/2010/main" val="0"/>
+              </a:ext>
+            </a:extLst>
+          </a:blip>
+          <a:srcRect l="1290" t="27011" r="75119" b="49702"/>
+          <a:stretch/>
+        </p:blipFill>
+        <p:spPr>
+          <a:xfrm>
+            <a:off x="9206859" y="1447359"/>
+            <a:ext cx="418109" cy="619108"/>
+          </a:xfrm>
+          <a:prstGeom prst="rect">
+            <a:avLst/>
+          </a:prstGeom>
+        </p:spPr>
+      </p:pic>
+      <p:pic>
+        <p:nvPicPr>
+          <p:cNvPr id="65" name="图片 64">
+            <a:extLst>
+              <a:ext uri="{FF2B5EF4-FFF2-40B4-BE49-F238E27FC236}">
+                <a16:creationId xmlns:a16="http://schemas.microsoft.com/office/drawing/2014/main" id="{0511EDBC-8927-4E38-8F4D-9341FB8C872C}"/>
+              </a:ext>
+            </a:extLst>
+          </p:cNvPr>
+          <p:cNvPicPr>
+            <a:picLocks noChangeAspect="1"/>
+          </p:cNvPicPr>
+          <p:nvPr/>
+        </p:nvPicPr>
+        <p:blipFill rotWithShape="1">
+          <a:blip r:embed="rId5">
+            <a:extLst>
+              <a:ext uri="{28A0092B-C50C-407E-A947-70E740481C1C}">
+                <a14:useLocalDpi xmlns:a14="http://schemas.microsoft.com/office/drawing/2010/main" val="0"/>
+              </a:ext>
+            </a:extLst>
+          </a:blip>
+          <a:srcRect l="26409" t="27011" r="50000" b="49702"/>
+          <a:stretch/>
+        </p:blipFill>
+        <p:spPr>
+          <a:xfrm>
+            <a:off x="9688402" y="1447359"/>
+            <a:ext cx="418109" cy="619108"/>
+          </a:xfrm>
+          <a:prstGeom prst="rect">
+            <a:avLst/>
+          </a:prstGeom>
+        </p:spPr>
+      </p:pic>
+      <p:pic>
+        <p:nvPicPr>
+          <p:cNvPr id="66" name="图片 65">
+            <a:extLst>
+              <a:ext uri="{FF2B5EF4-FFF2-40B4-BE49-F238E27FC236}">
+                <a16:creationId xmlns:a16="http://schemas.microsoft.com/office/drawing/2014/main" id="{F4A79330-183B-4942-92DE-7E2C6A8F2F07}"/>
+              </a:ext>
+            </a:extLst>
+          </p:cNvPr>
+          <p:cNvPicPr>
+            <a:picLocks noChangeAspect="1"/>
+          </p:cNvPicPr>
+          <p:nvPr/>
+        </p:nvPicPr>
+        <p:blipFill rotWithShape="1">
+          <a:blip r:embed="rId5">
+            <a:extLst>
+              <a:ext uri="{28A0092B-C50C-407E-A947-70E740481C1C}">
+                <a14:useLocalDpi xmlns:a14="http://schemas.microsoft.com/office/drawing/2010/main" val="0"/>
+              </a:ext>
+            </a:extLst>
+          </a:blip>
+          <a:srcRect l="51593" t="26713" r="24816" b="50000"/>
+          <a:stretch/>
+        </p:blipFill>
+        <p:spPr>
+          <a:xfrm>
+            <a:off x="10169944" y="1447359"/>
+            <a:ext cx="418109" cy="619108"/>
+          </a:xfrm>
+          <a:prstGeom prst="rect">
+            <a:avLst/>
+          </a:prstGeom>
+        </p:spPr>
+      </p:pic>
+      <p:pic>
+        <p:nvPicPr>
+          <p:cNvPr id="67" name="图片 66">
+            <a:extLst>
+              <a:ext uri="{FF2B5EF4-FFF2-40B4-BE49-F238E27FC236}">
+                <a16:creationId xmlns:a16="http://schemas.microsoft.com/office/drawing/2014/main" id="{7037A40E-A937-488F-8974-DCDDDD33805A}"/>
+              </a:ext>
+            </a:extLst>
+          </p:cNvPr>
+          <p:cNvPicPr>
+            <a:picLocks noChangeAspect="1"/>
+          </p:cNvPicPr>
+          <p:nvPr/>
+        </p:nvPicPr>
+        <p:blipFill rotWithShape="1">
+          <a:blip r:embed="rId5">
+            <a:extLst>
+              <a:ext uri="{28A0092B-C50C-407E-A947-70E740481C1C}">
+                <a14:useLocalDpi xmlns:a14="http://schemas.microsoft.com/office/drawing/2010/main" val="0"/>
+              </a:ext>
+            </a:extLst>
+          </a:blip>
+          <a:srcRect l="76409" t="27011" b="49702"/>
+          <a:stretch/>
+        </p:blipFill>
+        <p:spPr>
+          <a:xfrm>
+            <a:off x="10651486" y="1447359"/>
+            <a:ext cx="418109" cy="619108"/>
+          </a:xfrm>
+          <a:prstGeom prst="rect">
+            <a:avLst/>
+          </a:prstGeom>
+        </p:spPr>
+      </p:pic>
+      <p:pic>
+        <p:nvPicPr>
+          <p:cNvPr id="68" name="图片 67">
+            <a:extLst>
+              <a:ext uri="{FF2B5EF4-FFF2-40B4-BE49-F238E27FC236}">
+                <a16:creationId xmlns:a16="http://schemas.microsoft.com/office/drawing/2014/main" id="{B4B76788-3082-49C5-9A1E-3381A4266B8A}"/>
+              </a:ext>
+            </a:extLst>
+          </p:cNvPr>
+          <p:cNvPicPr>
+            <a:picLocks noChangeAspect="1"/>
+          </p:cNvPicPr>
+          <p:nvPr/>
+        </p:nvPicPr>
+        <p:blipFill rotWithShape="1">
+          <a:blip r:embed="rId5">
+            <a:extLst>
+              <a:ext uri="{28A0092B-C50C-407E-A947-70E740481C1C}">
+                <a14:useLocalDpi xmlns:a14="http://schemas.microsoft.com/office/drawing/2010/main" val="0"/>
+              </a:ext>
+            </a:extLst>
+          </a:blip>
+          <a:srcRect t="52258" r="76409" b="24455"/>
+          <a:stretch/>
+        </p:blipFill>
+        <p:spPr>
+          <a:xfrm>
+            <a:off x="9206859" y="2105403"/>
+            <a:ext cx="418109" cy="619108"/>
+          </a:xfrm>
+          <a:prstGeom prst="rect">
+            <a:avLst/>
+          </a:prstGeom>
+        </p:spPr>
+      </p:pic>
+      <p:pic>
+        <p:nvPicPr>
+          <p:cNvPr id="69" name="图片 68">
+            <a:extLst>
+              <a:ext uri="{FF2B5EF4-FFF2-40B4-BE49-F238E27FC236}">
+                <a16:creationId xmlns:a16="http://schemas.microsoft.com/office/drawing/2014/main" id="{0A123CBF-58DC-4D1D-8B78-8EC5E55E606D}"/>
+              </a:ext>
+            </a:extLst>
+          </p:cNvPr>
+          <p:cNvPicPr>
+            <a:picLocks noChangeAspect="1"/>
+          </p:cNvPicPr>
+          <p:nvPr/>
+        </p:nvPicPr>
+        <p:blipFill rotWithShape="1">
+          <a:blip r:embed="rId5">
+            <a:extLst>
+              <a:ext uri="{28A0092B-C50C-407E-A947-70E740481C1C}">
+                <a14:useLocalDpi xmlns:a14="http://schemas.microsoft.com/office/drawing/2010/main" val="0"/>
+              </a:ext>
+            </a:extLst>
+          </a:blip>
+          <a:srcRect l="24937" t="52070" r="51472" b="24643"/>
+          <a:stretch/>
+        </p:blipFill>
+        <p:spPr>
+          <a:xfrm>
+            <a:off x="9688402" y="2105403"/>
+            <a:ext cx="418109" cy="619108"/>
+          </a:xfrm>
+          <a:prstGeom prst="rect">
+            <a:avLst/>
+          </a:prstGeom>
+        </p:spPr>
+      </p:pic>
+      <p:pic>
+        <p:nvPicPr>
+          <p:cNvPr id="70" name="图片 69">
+            <a:extLst>
+              <a:ext uri="{FF2B5EF4-FFF2-40B4-BE49-F238E27FC236}">
+                <a16:creationId xmlns:a16="http://schemas.microsoft.com/office/drawing/2014/main" id="{EA1E4056-1CF0-4A87-9EF3-9B748877A094}"/>
+              </a:ext>
+            </a:extLst>
+          </p:cNvPr>
+          <p:cNvPicPr>
+            <a:picLocks noChangeAspect="1"/>
+          </p:cNvPicPr>
+          <p:nvPr/>
+        </p:nvPicPr>
+        <p:blipFill rotWithShape="1">
+          <a:blip r:embed="rId5">
+            <a:extLst>
+              <a:ext uri="{28A0092B-C50C-407E-A947-70E740481C1C}">
+                <a14:useLocalDpi xmlns:a14="http://schemas.microsoft.com/office/drawing/2010/main" val="0"/>
+              </a:ext>
+            </a:extLst>
+          </a:blip>
+          <a:srcRect l="50000" t="51762" r="26409" b="24951"/>
+          <a:stretch/>
+        </p:blipFill>
+        <p:spPr>
+          <a:xfrm>
+            <a:off x="10169944" y="2105403"/>
+            <a:ext cx="418109" cy="619108"/>
+          </a:xfrm>
+          <a:prstGeom prst="rect">
+            <a:avLst/>
+          </a:prstGeom>
+        </p:spPr>
+      </p:pic>
+      <p:pic>
+        <p:nvPicPr>
+          <p:cNvPr id="71" name="图片 70">
+            <a:extLst>
+              <a:ext uri="{FF2B5EF4-FFF2-40B4-BE49-F238E27FC236}">
+                <a16:creationId xmlns:a16="http://schemas.microsoft.com/office/drawing/2014/main" id="{3D2BFAF1-29D0-4FB1-B575-4920539C053F}"/>
+              </a:ext>
+            </a:extLst>
+          </p:cNvPr>
+          <p:cNvPicPr>
+            <a:picLocks noChangeAspect="1"/>
+          </p:cNvPicPr>
+          <p:nvPr/>
+        </p:nvPicPr>
+        <p:blipFill rotWithShape="1">
+          <a:blip r:embed="rId5">
+            <a:extLst>
+              <a:ext uri="{28A0092B-C50C-407E-A947-70E740481C1C}">
+                <a14:useLocalDpi xmlns:a14="http://schemas.microsoft.com/office/drawing/2010/main" val="0"/>
+              </a:ext>
+            </a:extLst>
+          </a:blip>
+          <a:srcRect l="76409" t="52550" b="24163"/>
+          <a:stretch/>
+        </p:blipFill>
+        <p:spPr>
+          <a:xfrm>
+            <a:off x="10651486" y="2105403"/>
+            <a:ext cx="418109" cy="619108"/>
+          </a:xfrm>
+          <a:prstGeom prst="rect">
+            <a:avLst/>
+          </a:prstGeom>
+        </p:spPr>
+      </p:pic>
+      <p:pic>
+        <p:nvPicPr>
+          <p:cNvPr id="72" name="图片 71">
+            <a:extLst>
+              <a:ext uri="{FF2B5EF4-FFF2-40B4-BE49-F238E27FC236}">
+                <a16:creationId xmlns:a16="http://schemas.microsoft.com/office/drawing/2014/main" id="{606B907E-5FB2-44EB-93F5-F14A933497E9}"/>
+              </a:ext>
+            </a:extLst>
+          </p:cNvPr>
+          <p:cNvPicPr>
+            <a:picLocks noChangeAspect="1"/>
+          </p:cNvPicPr>
+          <p:nvPr/>
+        </p:nvPicPr>
+        <p:blipFill rotWithShape="1">
+          <a:blip r:embed="rId5">
+            <a:extLst>
+              <a:ext uri="{28A0092B-C50C-407E-A947-70E740481C1C}">
+                <a14:useLocalDpi xmlns:a14="http://schemas.microsoft.com/office/drawing/2010/main" val="0"/>
+              </a:ext>
+            </a:extLst>
+          </a:blip>
+          <a:srcRect l="967" t="76713" r="75442"/>
+          <a:stretch/>
+        </p:blipFill>
+        <p:spPr>
+          <a:xfrm>
+            <a:off x="9206859" y="2768743"/>
+            <a:ext cx="418109" cy="619108"/>
+          </a:xfrm>
+          <a:prstGeom prst="rect">
+            <a:avLst/>
+          </a:prstGeom>
+        </p:spPr>
+      </p:pic>
+      <p:pic>
+        <p:nvPicPr>
+          <p:cNvPr id="73" name="图片 72">
+            <a:extLst>
+              <a:ext uri="{FF2B5EF4-FFF2-40B4-BE49-F238E27FC236}">
+                <a16:creationId xmlns:a16="http://schemas.microsoft.com/office/drawing/2014/main" id="{1EEF8877-EA5E-4C75-A62C-77B03BFDD025}"/>
+              </a:ext>
+            </a:extLst>
+          </p:cNvPr>
+          <p:cNvPicPr>
+            <a:picLocks noChangeAspect="1"/>
+          </p:cNvPicPr>
+          <p:nvPr/>
+        </p:nvPicPr>
+        <p:blipFill rotWithShape="1">
+          <a:blip r:embed="rId5">
+            <a:extLst>
+              <a:ext uri="{28A0092B-C50C-407E-A947-70E740481C1C}">
+                <a14:useLocalDpi xmlns:a14="http://schemas.microsoft.com/office/drawing/2010/main" val="0"/>
+              </a:ext>
+            </a:extLst>
+          </a:blip>
+          <a:srcRect l="26409" t="76713" r="50000"/>
+          <a:stretch/>
+        </p:blipFill>
+        <p:spPr>
+          <a:xfrm>
+            <a:off x="9688402" y="2768743"/>
+            <a:ext cx="418109" cy="619108"/>
+          </a:xfrm>
+          <a:prstGeom prst="rect">
+            <a:avLst/>
+          </a:prstGeom>
+        </p:spPr>
+      </p:pic>
+      <p:pic>
+        <p:nvPicPr>
+          <p:cNvPr id="74" name="图片 73">
+            <a:extLst>
+              <a:ext uri="{FF2B5EF4-FFF2-40B4-BE49-F238E27FC236}">
+                <a16:creationId xmlns:a16="http://schemas.microsoft.com/office/drawing/2014/main" id="{F9245103-59EC-4AE6-883E-704C0F47E700}"/>
+              </a:ext>
+            </a:extLst>
+          </p:cNvPr>
+          <p:cNvPicPr>
+            <a:picLocks noChangeAspect="1"/>
+          </p:cNvPicPr>
+          <p:nvPr/>
+        </p:nvPicPr>
+        <p:blipFill rotWithShape="1">
+          <a:blip r:embed="rId5">
+            <a:extLst>
+              <a:ext uri="{28A0092B-C50C-407E-A947-70E740481C1C}">
+                <a14:useLocalDpi xmlns:a14="http://schemas.microsoft.com/office/drawing/2010/main" val="0"/>
+              </a:ext>
+            </a:extLst>
+          </a:blip>
+          <a:srcRect l="51378" t="76415" r="25031" b="298"/>
+          <a:stretch/>
+        </p:blipFill>
+        <p:spPr>
+          <a:xfrm>
+            <a:off x="10169944" y="2768743"/>
+            <a:ext cx="418109" cy="619108"/>
+          </a:xfrm>
+          <a:prstGeom prst="rect">
+            <a:avLst/>
+          </a:prstGeom>
+        </p:spPr>
+      </p:pic>
+      <p:pic>
+        <p:nvPicPr>
+          <p:cNvPr id="75" name="图片 74">
+            <a:extLst>
+              <a:ext uri="{FF2B5EF4-FFF2-40B4-BE49-F238E27FC236}">
+                <a16:creationId xmlns:a16="http://schemas.microsoft.com/office/drawing/2014/main" id="{9D365EC6-2D93-4BCB-AA2B-87857830873C}"/>
+              </a:ext>
+            </a:extLst>
+          </p:cNvPr>
+          <p:cNvPicPr>
+            <a:picLocks noChangeAspect="1"/>
+          </p:cNvPicPr>
+          <p:nvPr/>
+        </p:nvPicPr>
+        <p:blipFill rotWithShape="1">
+          <a:blip r:embed="rId5">
+            <a:extLst>
+              <a:ext uri="{28A0092B-C50C-407E-A947-70E740481C1C}">
+                <a14:useLocalDpi xmlns:a14="http://schemas.microsoft.com/office/drawing/2010/main" val="0"/>
+              </a:ext>
+            </a:extLst>
+          </a:blip>
+          <a:srcRect l="76409" t="76415" b="298"/>
+          <a:stretch/>
+        </p:blipFill>
+        <p:spPr>
+          <a:xfrm>
+            <a:off x="10651486" y="2768743"/>
+            <a:ext cx="418109" cy="619108"/>
+          </a:xfrm>
+          <a:prstGeom prst="rect">
+            <a:avLst/>
+          </a:prstGeom>
+        </p:spPr>
+      </p:pic>
     </p:spTree>
     <p:extLst>
       <p:ext uri="{BB962C8B-B14F-4D97-AF65-F5344CB8AC3E}">

--- a/Pictures/草稿纸.pptx
+++ b/Pictures/草稿纸.pptx
@@ -15,6 +15,7 @@
     <p:sldId id="263" r:id="rId9"/>
     <p:sldId id="264" r:id="rId10"/>
     <p:sldId id="265" r:id="rId11"/>
+    <p:sldId id="266" r:id="rId12"/>
   </p:sldIdLst>
   <p:sldSz cx="12192000" cy="6858000"/>
   <p:notesSz cx="6858000" cy="9144000"/>
@@ -4568,10 +4569,2676 @@
           </a:prstGeom>
         </p:spPr>
       </p:pic>
+      <p:pic>
+        <p:nvPicPr>
+          <p:cNvPr id="37" name="图片 36">
+            <a:extLst>
+              <a:ext uri="{FF2B5EF4-FFF2-40B4-BE49-F238E27FC236}">
+                <a16:creationId xmlns:a16="http://schemas.microsoft.com/office/drawing/2014/main" id="{791E267E-29CB-4081-B607-72735185BF28}"/>
+              </a:ext>
+            </a:extLst>
+          </p:cNvPr>
+          <p:cNvPicPr>
+            <a:picLocks noChangeAspect="1"/>
+          </p:cNvPicPr>
+          <p:nvPr/>
+        </p:nvPicPr>
+        <p:blipFill rotWithShape="1">
+          <a:blip r:embed="rId4">
+            <a:extLst>
+              <a:ext uri="{28A0092B-C50C-407E-A947-70E740481C1C}">
+                <a14:useLocalDpi xmlns:a14="http://schemas.microsoft.com/office/drawing/2010/main" val="0"/>
+              </a:ext>
+            </a:extLst>
+          </a:blip>
+          <a:srcRect l="3484" t="9602" r="88330" b="81545"/>
+          <a:stretch/>
+        </p:blipFill>
+        <p:spPr>
+          <a:xfrm>
+            <a:off x="8182588" y="4973995"/>
+            <a:ext cx="676908" cy="788400"/>
+          </a:xfrm>
+          <a:prstGeom prst="rect">
+            <a:avLst/>
+          </a:prstGeom>
+        </p:spPr>
+      </p:pic>
     </p:spTree>
     <p:extLst>
       <p:ext uri="{BB962C8B-B14F-4D97-AF65-F5344CB8AC3E}">
         <p14:creationId xmlns:p14="http://schemas.microsoft.com/office/powerpoint/2010/main" val="1440666342"/>
+      </p:ext>
+    </p:extLst>
+  </p:cSld>
+  <p:clrMapOvr>
+    <a:masterClrMapping/>
+  </p:clrMapOvr>
+</p:sld>
+</file>
+
+<file path=ppt/slides/slide11.xml><?xml version="1.0" encoding="utf-8"?>
+<p:sld xmlns:a="http://schemas.openxmlformats.org/drawingml/2006/main" xmlns:r="http://schemas.openxmlformats.org/officeDocument/2006/relationships" xmlns:p="http://schemas.openxmlformats.org/presentationml/2006/main">
+  <p:cSld>
+    <p:spTree>
+      <p:nvGrpSpPr>
+        <p:cNvPr id="1" name=""/>
+        <p:cNvGrpSpPr/>
+        <p:nvPr/>
+      </p:nvGrpSpPr>
+      <p:grpSpPr>
+        <a:xfrm>
+          <a:off x="0" y="0"/>
+          <a:ext cx="0" cy="0"/>
+          <a:chOff x="0" y="0"/>
+          <a:chExt cx="0" cy="0"/>
+        </a:xfrm>
+      </p:grpSpPr>
+      <p:pic>
+        <p:nvPicPr>
+          <p:cNvPr id="18" name="图片 17">
+            <a:extLst>
+              <a:ext uri="{FF2B5EF4-FFF2-40B4-BE49-F238E27FC236}">
+                <a16:creationId xmlns:a16="http://schemas.microsoft.com/office/drawing/2014/main" id="{3AF8EB83-D7FA-49CF-B2AA-22777CBF74FD}"/>
+              </a:ext>
+            </a:extLst>
+          </p:cNvPr>
+          <p:cNvPicPr>
+            <a:picLocks noChangeAspect="1"/>
+          </p:cNvPicPr>
+          <p:nvPr/>
+        </p:nvPicPr>
+        <p:blipFill rotWithShape="1">
+          <a:blip r:embed="rId2">
+            <a:extLst>
+              <a:ext uri="{28A0092B-C50C-407E-A947-70E740481C1C}">
+                <a14:useLocalDpi xmlns:a14="http://schemas.microsoft.com/office/drawing/2010/main" val="0"/>
+              </a:ext>
+            </a:extLst>
+          </a:blip>
+          <a:srcRect l="9209" t="648" r="21190" b="1141"/>
+          <a:stretch/>
+        </p:blipFill>
+        <p:spPr>
+          <a:xfrm>
+            <a:off x="-855238" y="0"/>
+            <a:ext cx="8601721" cy="6827520"/>
+          </a:xfrm>
+          <a:prstGeom prst="rect">
+            <a:avLst/>
+          </a:prstGeom>
+        </p:spPr>
+      </p:pic>
+      <p:pic>
+        <p:nvPicPr>
+          <p:cNvPr id="21" name="图片 20">
+            <a:extLst>
+              <a:ext uri="{FF2B5EF4-FFF2-40B4-BE49-F238E27FC236}">
+                <a16:creationId xmlns:a16="http://schemas.microsoft.com/office/drawing/2014/main" id="{5BE34BE5-E363-4044-80C6-8D227D01F41B}"/>
+              </a:ext>
+            </a:extLst>
+          </p:cNvPr>
+          <p:cNvPicPr>
+            <a:picLocks noChangeAspect="1"/>
+          </p:cNvPicPr>
+          <p:nvPr/>
+        </p:nvPicPr>
+        <p:blipFill>
+          <a:blip r:embed="rId3">
+            <a:extLst>
+              <a:ext uri="{28A0092B-C50C-407E-A947-70E740481C1C}">
+                <a14:useLocalDpi xmlns:a14="http://schemas.microsoft.com/office/drawing/2010/main" val="0"/>
+              </a:ext>
+            </a:extLst>
+          </a:blip>
+          <a:stretch>
+            <a:fillRect/>
+          </a:stretch>
+        </p:blipFill>
+        <p:spPr>
+          <a:xfrm>
+            <a:off x="4306521" y="-12192"/>
+            <a:ext cx="573327" cy="573327"/>
+          </a:xfrm>
+          <a:prstGeom prst="rect">
+            <a:avLst/>
+          </a:prstGeom>
+        </p:spPr>
+      </p:pic>
+      <p:pic>
+        <p:nvPicPr>
+          <p:cNvPr id="22" name="图片 21">
+            <a:extLst>
+              <a:ext uri="{FF2B5EF4-FFF2-40B4-BE49-F238E27FC236}">
+                <a16:creationId xmlns:a16="http://schemas.microsoft.com/office/drawing/2014/main" id="{CCE1EC86-380A-438E-A143-D2261ECE775E}"/>
+              </a:ext>
+            </a:extLst>
+          </p:cNvPr>
+          <p:cNvPicPr>
+            <a:picLocks noChangeAspect="1"/>
+          </p:cNvPicPr>
+          <p:nvPr/>
+        </p:nvPicPr>
+        <p:blipFill>
+          <a:blip r:embed="rId3">
+            <a:extLst>
+              <a:ext uri="{28A0092B-C50C-407E-A947-70E740481C1C}">
+                <a14:useLocalDpi xmlns:a14="http://schemas.microsoft.com/office/drawing/2010/main" val="0"/>
+              </a:ext>
+            </a:extLst>
+          </a:blip>
+          <a:stretch>
+            <a:fillRect/>
+          </a:stretch>
+        </p:blipFill>
+        <p:spPr>
+          <a:xfrm>
+            <a:off x="4879848" y="-12193"/>
+            <a:ext cx="573327" cy="573327"/>
+          </a:xfrm>
+          <a:prstGeom prst="rect">
+            <a:avLst/>
+          </a:prstGeom>
+        </p:spPr>
+      </p:pic>
+      <p:pic>
+        <p:nvPicPr>
+          <p:cNvPr id="23" name="图片 22">
+            <a:extLst>
+              <a:ext uri="{FF2B5EF4-FFF2-40B4-BE49-F238E27FC236}">
+                <a16:creationId xmlns:a16="http://schemas.microsoft.com/office/drawing/2014/main" id="{6276950D-AD8F-496A-B717-BA184292D940}"/>
+              </a:ext>
+            </a:extLst>
+          </p:cNvPr>
+          <p:cNvPicPr>
+            <a:picLocks noChangeAspect="1"/>
+          </p:cNvPicPr>
+          <p:nvPr/>
+        </p:nvPicPr>
+        <p:blipFill>
+          <a:blip r:embed="rId3">
+            <a:extLst>
+              <a:ext uri="{28A0092B-C50C-407E-A947-70E740481C1C}">
+                <a14:useLocalDpi xmlns:a14="http://schemas.microsoft.com/office/drawing/2010/main" val="0"/>
+              </a:ext>
+            </a:extLst>
+          </a:blip>
+          <a:stretch>
+            <a:fillRect/>
+          </a:stretch>
+        </p:blipFill>
+        <p:spPr>
+          <a:xfrm>
+            <a:off x="5453175" y="-12193"/>
+            <a:ext cx="573327" cy="573327"/>
+          </a:xfrm>
+          <a:prstGeom prst="rect">
+            <a:avLst/>
+          </a:prstGeom>
+        </p:spPr>
+      </p:pic>
+      <p:pic>
+        <p:nvPicPr>
+          <p:cNvPr id="24" name="图片 23">
+            <a:extLst>
+              <a:ext uri="{FF2B5EF4-FFF2-40B4-BE49-F238E27FC236}">
+                <a16:creationId xmlns:a16="http://schemas.microsoft.com/office/drawing/2014/main" id="{B8D6FA0A-C093-42E3-AE70-6F5CC1C99604}"/>
+              </a:ext>
+            </a:extLst>
+          </p:cNvPr>
+          <p:cNvPicPr>
+            <a:picLocks noChangeAspect="1"/>
+          </p:cNvPicPr>
+          <p:nvPr/>
+        </p:nvPicPr>
+        <p:blipFill>
+          <a:blip r:embed="rId3">
+            <a:extLst>
+              <a:ext uri="{28A0092B-C50C-407E-A947-70E740481C1C}">
+                <a14:useLocalDpi xmlns:a14="http://schemas.microsoft.com/office/drawing/2010/main" val="0"/>
+              </a:ext>
+            </a:extLst>
+          </a:blip>
+          <a:stretch>
+            <a:fillRect/>
+          </a:stretch>
+        </p:blipFill>
+        <p:spPr>
+          <a:xfrm>
+            <a:off x="4306521" y="561135"/>
+            <a:ext cx="573327" cy="573327"/>
+          </a:xfrm>
+          <a:prstGeom prst="rect">
+            <a:avLst/>
+          </a:prstGeom>
+        </p:spPr>
+      </p:pic>
+      <p:pic>
+        <p:nvPicPr>
+          <p:cNvPr id="25" name="图片 24">
+            <a:extLst>
+              <a:ext uri="{FF2B5EF4-FFF2-40B4-BE49-F238E27FC236}">
+                <a16:creationId xmlns:a16="http://schemas.microsoft.com/office/drawing/2014/main" id="{DE182197-5C9D-45CF-B164-295A0C018249}"/>
+              </a:ext>
+            </a:extLst>
+          </p:cNvPr>
+          <p:cNvPicPr>
+            <a:picLocks noChangeAspect="1"/>
+          </p:cNvPicPr>
+          <p:nvPr/>
+        </p:nvPicPr>
+        <p:blipFill>
+          <a:blip r:embed="rId3">
+            <a:extLst>
+              <a:ext uri="{28A0092B-C50C-407E-A947-70E740481C1C}">
+                <a14:useLocalDpi xmlns:a14="http://schemas.microsoft.com/office/drawing/2010/main" val="0"/>
+              </a:ext>
+            </a:extLst>
+          </a:blip>
+          <a:stretch>
+            <a:fillRect/>
+          </a:stretch>
+        </p:blipFill>
+        <p:spPr>
+          <a:xfrm>
+            <a:off x="4879848" y="561134"/>
+            <a:ext cx="573327" cy="573327"/>
+          </a:xfrm>
+          <a:prstGeom prst="rect">
+            <a:avLst/>
+          </a:prstGeom>
+        </p:spPr>
+      </p:pic>
+      <p:pic>
+        <p:nvPicPr>
+          <p:cNvPr id="26" name="图片 25">
+            <a:extLst>
+              <a:ext uri="{FF2B5EF4-FFF2-40B4-BE49-F238E27FC236}">
+                <a16:creationId xmlns:a16="http://schemas.microsoft.com/office/drawing/2014/main" id="{9B3CAF16-BAF8-4658-B915-1C768C527A28}"/>
+              </a:ext>
+            </a:extLst>
+          </p:cNvPr>
+          <p:cNvPicPr>
+            <a:picLocks noChangeAspect="1"/>
+          </p:cNvPicPr>
+          <p:nvPr/>
+        </p:nvPicPr>
+        <p:blipFill>
+          <a:blip r:embed="rId3">
+            <a:extLst>
+              <a:ext uri="{28A0092B-C50C-407E-A947-70E740481C1C}">
+                <a14:useLocalDpi xmlns:a14="http://schemas.microsoft.com/office/drawing/2010/main" val="0"/>
+              </a:ext>
+            </a:extLst>
+          </a:blip>
+          <a:stretch>
+            <a:fillRect/>
+          </a:stretch>
+        </p:blipFill>
+        <p:spPr>
+          <a:xfrm>
+            <a:off x="5453175" y="561134"/>
+            <a:ext cx="573327" cy="573327"/>
+          </a:xfrm>
+          <a:prstGeom prst="rect">
+            <a:avLst/>
+          </a:prstGeom>
+        </p:spPr>
+      </p:pic>
+      <p:pic>
+        <p:nvPicPr>
+          <p:cNvPr id="16" name="图片 15">
+            <a:extLst>
+              <a:ext uri="{FF2B5EF4-FFF2-40B4-BE49-F238E27FC236}">
+                <a16:creationId xmlns:a16="http://schemas.microsoft.com/office/drawing/2014/main" id="{98FFAB3D-3BC5-4F7C-885E-CD65317CB67C}"/>
+              </a:ext>
+            </a:extLst>
+          </p:cNvPr>
+          <p:cNvPicPr>
+            <a:picLocks noChangeAspect="1"/>
+          </p:cNvPicPr>
+          <p:nvPr/>
+        </p:nvPicPr>
+        <p:blipFill>
+          <a:blip r:embed="rId4">
+            <a:extLst>
+              <a:ext uri="{28A0092B-C50C-407E-A947-70E740481C1C}">
+                <a14:useLocalDpi xmlns:a14="http://schemas.microsoft.com/office/drawing/2010/main" val="0"/>
+              </a:ext>
+            </a:extLst>
+          </a:blip>
+          <a:stretch>
+            <a:fillRect/>
+          </a:stretch>
+        </p:blipFill>
+        <p:spPr>
+          <a:xfrm>
+            <a:off x="4507557" y="73347"/>
+            <a:ext cx="1268914" cy="933960"/>
+          </a:xfrm>
+          <a:prstGeom prst="rect">
+            <a:avLst/>
+          </a:prstGeom>
+        </p:spPr>
+      </p:pic>
+      <p:pic>
+        <p:nvPicPr>
+          <p:cNvPr id="27" name="图片 26">
+            <a:extLst>
+              <a:ext uri="{FF2B5EF4-FFF2-40B4-BE49-F238E27FC236}">
+                <a16:creationId xmlns:a16="http://schemas.microsoft.com/office/drawing/2014/main" id="{BD0F7642-888A-4452-AB5B-134AB7ACB997}"/>
+              </a:ext>
+            </a:extLst>
+          </p:cNvPr>
+          <p:cNvPicPr>
+            <a:picLocks noChangeAspect="1"/>
+          </p:cNvPicPr>
+          <p:nvPr/>
+        </p:nvPicPr>
+        <p:blipFill>
+          <a:blip r:embed="rId3">
+            <a:extLst>
+              <a:ext uri="{28A0092B-C50C-407E-A947-70E740481C1C}">
+                <a14:useLocalDpi xmlns:a14="http://schemas.microsoft.com/office/drawing/2010/main" val="0"/>
+              </a:ext>
+            </a:extLst>
+          </a:blip>
+          <a:stretch>
+            <a:fillRect/>
+          </a:stretch>
+        </p:blipFill>
+        <p:spPr>
+          <a:xfrm>
+            <a:off x="2586540" y="-12192"/>
+            <a:ext cx="573327" cy="573327"/>
+          </a:xfrm>
+          <a:prstGeom prst="rect">
+            <a:avLst/>
+          </a:prstGeom>
+        </p:spPr>
+      </p:pic>
+      <p:pic>
+        <p:nvPicPr>
+          <p:cNvPr id="28" name="图片 27">
+            <a:extLst>
+              <a:ext uri="{FF2B5EF4-FFF2-40B4-BE49-F238E27FC236}">
+                <a16:creationId xmlns:a16="http://schemas.microsoft.com/office/drawing/2014/main" id="{97BA0990-B2C7-4F36-94E1-5E3A161C55B4}"/>
+              </a:ext>
+            </a:extLst>
+          </p:cNvPr>
+          <p:cNvPicPr>
+            <a:picLocks noChangeAspect="1"/>
+          </p:cNvPicPr>
+          <p:nvPr/>
+        </p:nvPicPr>
+        <p:blipFill>
+          <a:blip r:embed="rId3">
+            <a:extLst>
+              <a:ext uri="{28A0092B-C50C-407E-A947-70E740481C1C}">
+                <a14:useLocalDpi xmlns:a14="http://schemas.microsoft.com/office/drawing/2010/main" val="0"/>
+              </a:ext>
+            </a:extLst>
+          </a:blip>
+          <a:stretch>
+            <a:fillRect/>
+          </a:stretch>
+        </p:blipFill>
+        <p:spPr>
+          <a:xfrm>
+            <a:off x="3159867" y="-12193"/>
+            <a:ext cx="573327" cy="573327"/>
+          </a:xfrm>
+          <a:prstGeom prst="rect">
+            <a:avLst/>
+          </a:prstGeom>
+        </p:spPr>
+      </p:pic>
+      <p:pic>
+        <p:nvPicPr>
+          <p:cNvPr id="29" name="图片 28">
+            <a:extLst>
+              <a:ext uri="{FF2B5EF4-FFF2-40B4-BE49-F238E27FC236}">
+                <a16:creationId xmlns:a16="http://schemas.microsoft.com/office/drawing/2014/main" id="{378DD7F3-8B3D-4663-A742-D2031B2D8A09}"/>
+              </a:ext>
+            </a:extLst>
+          </p:cNvPr>
+          <p:cNvPicPr>
+            <a:picLocks noChangeAspect="1"/>
+          </p:cNvPicPr>
+          <p:nvPr/>
+        </p:nvPicPr>
+        <p:blipFill>
+          <a:blip r:embed="rId3">
+            <a:extLst>
+              <a:ext uri="{28A0092B-C50C-407E-A947-70E740481C1C}">
+                <a14:useLocalDpi xmlns:a14="http://schemas.microsoft.com/office/drawing/2010/main" val="0"/>
+              </a:ext>
+            </a:extLst>
+          </a:blip>
+          <a:stretch>
+            <a:fillRect/>
+          </a:stretch>
+        </p:blipFill>
+        <p:spPr>
+          <a:xfrm>
+            <a:off x="3733194" y="-12193"/>
+            <a:ext cx="573327" cy="573327"/>
+          </a:xfrm>
+          <a:prstGeom prst="rect">
+            <a:avLst/>
+          </a:prstGeom>
+        </p:spPr>
+      </p:pic>
+      <p:pic>
+        <p:nvPicPr>
+          <p:cNvPr id="30" name="图片 29">
+            <a:extLst>
+              <a:ext uri="{FF2B5EF4-FFF2-40B4-BE49-F238E27FC236}">
+                <a16:creationId xmlns:a16="http://schemas.microsoft.com/office/drawing/2014/main" id="{257A1CDB-5B88-4A04-A695-CB5FA8E0578F}"/>
+              </a:ext>
+            </a:extLst>
+          </p:cNvPr>
+          <p:cNvPicPr>
+            <a:picLocks noChangeAspect="1"/>
+          </p:cNvPicPr>
+          <p:nvPr/>
+        </p:nvPicPr>
+        <p:blipFill>
+          <a:blip r:embed="rId3">
+            <a:extLst>
+              <a:ext uri="{28A0092B-C50C-407E-A947-70E740481C1C}">
+                <a14:useLocalDpi xmlns:a14="http://schemas.microsoft.com/office/drawing/2010/main" val="0"/>
+              </a:ext>
+            </a:extLst>
+          </a:blip>
+          <a:stretch>
+            <a:fillRect/>
+          </a:stretch>
+        </p:blipFill>
+        <p:spPr>
+          <a:xfrm>
+            <a:off x="2586540" y="561135"/>
+            <a:ext cx="573327" cy="573327"/>
+          </a:xfrm>
+          <a:prstGeom prst="rect">
+            <a:avLst/>
+          </a:prstGeom>
+        </p:spPr>
+      </p:pic>
+      <p:pic>
+        <p:nvPicPr>
+          <p:cNvPr id="31" name="图片 30">
+            <a:extLst>
+              <a:ext uri="{FF2B5EF4-FFF2-40B4-BE49-F238E27FC236}">
+                <a16:creationId xmlns:a16="http://schemas.microsoft.com/office/drawing/2014/main" id="{4CBB28A1-0A9F-4850-A903-B1A2F8A4EF32}"/>
+              </a:ext>
+            </a:extLst>
+          </p:cNvPr>
+          <p:cNvPicPr>
+            <a:picLocks noChangeAspect="1"/>
+          </p:cNvPicPr>
+          <p:nvPr/>
+        </p:nvPicPr>
+        <p:blipFill>
+          <a:blip r:embed="rId3">
+            <a:extLst>
+              <a:ext uri="{28A0092B-C50C-407E-A947-70E740481C1C}">
+                <a14:useLocalDpi xmlns:a14="http://schemas.microsoft.com/office/drawing/2010/main" val="0"/>
+              </a:ext>
+            </a:extLst>
+          </a:blip>
+          <a:stretch>
+            <a:fillRect/>
+          </a:stretch>
+        </p:blipFill>
+        <p:spPr>
+          <a:xfrm>
+            <a:off x="3159867" y="561134"/>
+            <a:ext cx="573327" cy="573327"/>
+          </a:xfrm>
+          <a:prstGeom prst="rect">
+            <a:avLst/>
+          </a:prstGeom>
+        </p:spPr>
+      </p:pic>
+      <p:pic>
+        <p:nvPicPr>
+          <p:cNvPr id="32" name="图片 31">
+            <a:extLst>
+              <a:ext uri="{FF2B5EF4-FFF2-40B4-BE49-F238E27FC236}">
+                <a16:creationId xmlns:a16="http://schemas.microsoft.com/office/drawing/2014/main" id="{35001054-B46A-40DC-B8B9-F32CDAD2271D}"/>
+              </a:ext>
+            </a:extLst>
+          </p:cNvPr>
+          <p:cNvPicPr>
+            <a:picLocks noChangeAspect="1"/>
+          </p:cNvPicPr>
+          <p:nvPr/>
+        </p:nvPicPr>
+        <p:blipFill>
+          <a:blip r:embed="rId3">
+            <a:extLst>
+              <a:ext uri="{28A0092B-C50C-407E-A947-70E740481C1C}">
+                <a14:useLocalDpi xmlns:a14="http://schemas.microsoft.com/office/drawing/2010/main" val="0"/>
+              </a:ext>
+            </a:extLst>
+          </a:blip>
+          <a:stretch>
+            <a:fillRect/>
+          </a:stretch>
+        </p:blipFill>
+        <p:spPr>
+          <a:xfrm>
+            <a:off x="3733194" y="561134"/>
+            <a:ext cx="573327" cy="573327"/>
+          </a:xfrm>
+          <a:prstGeom prst="rect">
+            <a:avLst/>
+          </a:prstGeom>
+        </p:spPr>
+      </p:pic>
+      <p:pic>
+        <p:nvPicPr>
+          <p:cNvPr id="33" name="图片 32">
+            <a:extLst>
+              <a:ext uri="{FF2B5EF4-FFF2-40B4-BE49-F238E27FC236}">
+                <a16:creationId xmlns:a16="http://schemas.microsoft.com/office/drawing/2014/main" id="{4A061610-76E9-4D00-92A3-33BF3AC450C1}"/>
+              </a:ext>
+            </a:extLst>
+          </p:cNvPr>
+          <p:cNvPicPr>
+            <a:picLocks noChangeAspect="1"/>
+          </p:cNvPicPr>
+          <p:nvPr/>
+        </p:nvPicPr>
+        <p:blipFill>
+          <a:blip r:embed="rId3">
+            <a:extLst>
+              <a:ext uri="{28A0092B-C50C-407E-A947-70E740481C1C}">
+                <a14:useLocalDpi xmlns:a14="http://schemas.microsoft.com/office/drawing/2010/main" val="0"/>
+              </a:ext>
+            </a:extLst>
+          </a:blip>
+          <a:stretch>
+            <a:fillRect/>
+          </a:stretch>
+        </p:blipFill>
+        <p:spPr>
+          <a:xfrm>
+            <a:off x="6026502" y="-12193"/>
+            <a:ext cx="573327" cy="573327"/>
+          </a:xfrm>
+          <a:prstGeom prst="rect">
+            <a:avLst/>
+          </a:prstGeom>
+        </p:spPr>
+      </p:pic>
+      <p:pic>
+        <p:nvPicPr>
+          <p:cNvPr id="34" name="图片 33">
+            <a:extLst>
+              <a:ext uri="{FF2B5EF4-FFF2-40B4-BE49-F238E27FC236}">
+                <a16:creationId xmlns:a16="http://schemas.microsoft.com/office/drawing/2014/main" id="{C5E1118F-8054-4161-9FA6-20BCA423EAAE}"/>
+              </a:ext>
+            </a:extLst>
+          </p:cNvPr>
+          <p:cNvPicPr>
+            <a:picLocks noChangeAspect="1"/>
+          </p:cNvPicPr>
+          <p:nvPr/>
+        </p:nvPicPr>
+        <p:blipFill>
+          <a:blip r:embed="rId3">
+            <a:extLst>
+              <a:ext uri="{28A0092B-C50C-407E-A947-70E740481C1C}">
+                <a14:useLocalDpi xmlns:a14="http://schemas.microsoft.com/office/drawing/2010/main" val="0"/>
+              </a:ext>
+            </a:extLst>
+          </a:blip>
+          <a:stretch>
+            <a:fillRect/>
+          </a:stretch>
+        </p:blipFill>
+        <p:spPr>
+          <a:xfrm>
+            <a:off x="6599829" y="-12194"/>
+            <a:ext cx="573327" cy="573327"/>
+          </a:xfrm>
+          <a:prstGeom prst="rect">
+            <a:avLst/>
+          </a:prstGeom>
+        </p:spPr>
+      </p:pic>
+      <p:pic>
+        <p:nvPicPr>
+          <p:cNvPr id="35" name="图片 34">
+            <a:extLst>
+              <a:ext uri="{FF2B5EF4-FFF2-40B4-BE49-F238E27FC236}">
+                <a16:creationId xmlns:a16="http://schemas.microsoft.com/office/drawing/2014/main" id="{62B18E20-BB50-4CD7-B3DA-233E47E18BF2}"/>
+              </a:ext>
+            </a:extLst>
+          </p:cNvPr>
+          <p:cNvPicPr>
+            <a:picLocks noChangeAspect="1"/>
+          </p:cNvPicPr>
+          <p:nvPr/>
+        </p:nvPicPr>
+        <p:blipFill>
+          <a:blip r:embed="rId3">
+            <a:extLst>
+              <a:ext uri="{28A0092B-C50C-407E-A947-70E740481C1C}">
+                <a14:useLocalDpi xmlns:a14="http://schemas.microsoft.com/office/drawing/2010/main" val="0"/>
+              </a:ext>
+            </a:extLst>
+          </a:blip>
+          <a:stretch>
+            <a:fillRect/>
+          </a:stretch>
+        </p:blipFill>
+        <p:spPr>
+          <a:xfrm>
+            <a:off x="7173156" y="-12194"/>
+            <a:ext cx="573327" cy="573327"/>
+          </a:xfrm>
+          <a:prstGeom prst="rect">
+            <a:avLst/>
+          </a:prstGeom>
+        </p:spPr>
+      </p:pic>
+      <p:pic>
+        <p:nvPicPr>
+          <p:cNvPr id="36" name="图片 35">
+            <a:extLst>
+              <a:ext uri="{FF2B5EF4-FFF2-40B4-BE49-F238E27FC236}">
+                <a16:creationId xmlns:a16="http://schemas.microsoft.com/office/drawing/2014/main" id="{D7A2E40B-B7C6-45CD-B59A-70BAC8964038}"/>
+              </a:ext>
+            </a:extLst>
+          </p:cNvPr>
+          <p:cNvPicPr>
+            <a:picLocks noChangeAspect="1"/>
+          </p:cNvPicPr>
+          <p:nvPr/>
+        </p:nvPicPr>
+        <p:blipFill>
+          <a:blip r:embed="rId3">
+            <a:extLst>
+              <a:ext uri="{28A0092B-C50C-407E-A947-70E740481C1C}">
+                <a14:useLocalDpi xmlns:a14="http://schemas.microsoft.com/office/drawing/2010/main" val="0"/>
+              </a:ext>
+            </a:extLst>
+          </a:blip>
+          <a:stretch>
+            <a:fillRect/>
+          </a:stretch>
+        </p:blipFill>
+        <p:spPr>
+          <a:xfrm>
+            <a:off x="6026502" y="561134"/>
+            <a:ext cx="573327" cy="573327"/>
+          </a:xfrm>
+          <a:prstGeom prst="rect">
+            <a:avLst/>
+          </a:prstGeom>
+        </p:spPr>
+      </p:pic>
+      <p:pic>
+        <p:nvPicPr>
+          <p:cNvPr id="37" name="图片 36">
+            <a:extLst>
+              <a:ext uri="{FF2B5EF4-FFF2-40B4-BE49-F238E27FC236}">
+                <a16:creationId xmlns:a16="http://schemas.microsoft.com/office/drawing/2014/main" id="{CB849386-A22C-42B7-99DB-040C2EB4B8AE}"/>
+              </a:ext>
+            </a:extLst>
+          </p:cNvPr>
+          <p:cNvPicPr>
+            <a:picLocks noChangeAspect="1"/>
+          </p:cNvPicPr>
+          <p:nvPr/>
+        </p:nvPicPr>
+        <p:blipFill>
+          <a:blip r:embed="rId3">
+            <a:extLst>
+              <a:ext uri="{28A0092B-C50C-407E-A947-70E740481C1C}">
+                <a14:useLocalDpi xmlns:a14="http://schemas.microsoft.com/office/drawing/2010/main" val="0"/>
+              </a:ext>
+            </a:extLst>
+          </a:blip>
+          <a:stretch>
+            <a:fillRect/>
+          </a:stretch>
+        </p:blipFill>
+        <p:spPr>
+          <a:xfrm>
+            <a:off x="6599829" y="561133"/>
+            <a:ext cx="573327" cy="573327"/>
+          </a:xfrm>
+          <a:prstGeom prst="rect">
+            <a:avLst/>
+          </a:prstGeom>
+        </p:spPr>
+      </p:pic>
+      <p:pic>
+        <p:nvPicPr>
+          <p:cNvPr id="38" name="图片 37">
+            <a:extLst>
+              <a:ext uri="{FF2B5EF4-FFF2-40B4-BE49-F238E27FC236}">
+                <a16:creationId xmlns:a16="http://schemas.microsoft.com/office/drawing/2014/main" id="{6E0B6D90-0F5E-42DC-A013-F08C221E4B3C}"/>
+              </a:ext>
+            </a:extLst>
+          </p:cNvPr>
+          <p:cNvPicPr>
+            <a:picLocks noChangeAspect="1"/>
+          </p:cNvPicPr>
+          <p:nvPr/>
+        </p:nvPicPr>
+        <p:blipFill>
+          <a:blip r:embed="rId3">
+            <a:extLst>
+              <a:ext uri="{28A0092B-C50C-407E-A947-70E740481C1C}">
+                <a14:useLocalDpi xmlns:a14="http://schemas.microsoft.com/office/drawing/2010/main" val="0"/>
+              </a:ext>
+            </a:extLst>
+          </a:blip>
+          <a:stretch>
+            <a:fillRect/>
+          </a:stretch>
+        </p:blipFill>
+        <p:spPr>
+          <a:xfrm>
+            <a:off x="7173156" y="561133"/>
+            <a:ext cx="573327" cy="573327"/>
+          </a:xfrm>
+          <a:prstGeom prst="rect">
+            <a:avLst/>
+          </a:prstGeom>
+        </p:spPr>
+      </p:pic>
+      <p:pic>
+        <p:nvPicPr>
+          <p:cNvPr id="39" name="图片 38">
+            <a:extLst>
+              <a:ext uri="{FF2B5EF4-FFF2-40B4-BE49-F238E27FC236}">
+                <a16:creationId xmlns:a16="http://schemas.microsoft.com/office/drawing/2014/main" id="{80FB3152-846D-4717-8E76-43EE2B77A6B2}"/>
+              </a:ext>
+            </a:extLst>
+          </p:cNvPr>
+          <p:cNvPicPr>
+            <a:picLocks noChangeAspect="1"/>
+          </p:cNvPicPr>
+          <p:nvPr/>
+        </p:nvPicPr>
+        <p:blipFill>
+          <a:blip r:embed="rId3">
+            <a:extLst>
+              <a:ext uri="{28A0092B-C50C-407E-A947-70E740481C1C}">
+                <a14:useLocalDpi xmlns:a14="http://schemas.microsoft.com/office/drawing/2010/main" val="0"/>
+              </a:ext>
+            </a:extLst>
+          </a:blip>
+          <a:stretch>
+            <a:fillRect/>
+          </a:stretch>
+        </p:blipFill>
+        <p:spPr>
+          <a:xfrm>
+            <a:off x="866559" y="-12193"/>
+            <a:ext cx="573327" cy="573327"/>
+          </a:xfrm>
+          <a:prstGeom prst="rect">
+            <a:avLst/>
+          </a:prstGeom>
+        </p:spPr>
+      </p:pic>
+      <p:pic>
+        <p:nvPicPr>
+          <p:cNvPr id="40" name="图片 39">
+            <a:extLst>
+              <a:ext uri="{FF2B5EF4-FFF2-40B4-BE49-F238E27FC236}">
+                <a16:creationId xmlns:a16="http://schemas.microsoft.com/office/drawing/2014/main" id="{CEB69568-EFF8-4CF4-B324-4A7331D3C934}"/>
+              </a:ext>
+            </a:extLst>
+          </p:cNvPr>
+          <p:cNvPicPr>
+            <a:picLocks noChangeAspect="1"/>
+          </p:cNvPicPr>
+          <p:nvPr/>
+        </p:nvPicPr>
+        <p:blipFill>
+          <a:blip r:embed="rId3">
+            <a:extLst>
+              <a:ext uri="{28A0092B-C50C-407E-A947-70E740481C1C}">
+                <a14:useLocalDpi xmlns:a14="http://schemas.microsoft.com/office/drawing/2010/main" val="0"/>
+              </a:ext>
+            </a:extLst>
+          </a:blip>
+          <a:stretch>
+            <a:fillRect/>
+          </a:stretch>
+        </p:blipFill>
+        <p:spPr>
+          <a:xfrm>
+            <a:off x="1439886" y="-12194"/>
+            <a:ext cx="573327" cy="573327"/>
+          </a:xfrm>
+          <a:prstGeom prst="rect">
+            <a:avLst/>
+          </a:prstGeom>
+        </p:spPr>
+      </p:pic>
+      <p:pic>
+        <p:nvPicPr>
+          <p:cNvPr id="41" name="图片 40">
+            <a:extLst>
+              <a:ext uri="{FF2B5EF4-FFF2-40B4-BE49-F238E27FC236}">
+                <a16:creationId xmlns:a16="http://schemas.microsoft.com/office/drawing/2014/main" id="{B6E4BF1E-BA30-4D9C-A75B-0F5899195EC8}"/>
+              </a:ext>
+            </a:extLst>
+          </p:cNvPr>
+          <p:cNvPicPr>
+            <a:picLocks noChangeAspect="1"/>
+          </p:cNvPicPr>
+          <p:nvPr/>
+        </p:nvPicPr>
+        <p:blipFill>
+          <a:blip r:embed="rId3">
+            <a:extLst>
+              <a:ext uri="{28A0092B-C50C-407E-A947-70E740481C1C}">
+                <a14:useLocalDpi xmlns:a14="http://schemas.microsoft.com/office/drawing/2010/main" val="0"/>
+              </a:ext>
+            </a:extLst>
+          </a:blip>
+          <a:stretch>
+            <a:fillRect/>
+          </a:stretch>
+        </p:blipFill>
+        <p:spPr>
+          <a:xfrm>
+            <a:off x="2013213" y="-12194"/>
+            <a:ext cx="573327" cy="573327"/>
+          </a:xfrm>
+          <a:prstGeom prst="rect">
+            <a:avLst/>
+          </a:prstGeom>
+        </p:spPr>
+      </p:pic>
+      <p:pic>
+        <p:nvPicPr>
+          <p:cNvPr id="42" name="图片 41">
+            <a:extLst>
+              <a:ext uri="{FF2B5EF4-FFF2-40B4-BE49-F238E27FC236}">
+                <a16:creationId xmlns:a16="http://schemas.microsoft.com/office/drawing/2014/main" id="{E5A72214-4BFB-4416-991D-C28842C817B3}"/>
+              </a:ext>
+            </a:extLst>
+          </p:cNvPr>
+          <p:cNvPicPr>
+            <a:picLocks noChangeAspect="1"/>
+          </p:cNvPicPr>
+          <p:nvPr/>
+        </p:nvPicPr>
+        <p:blipFill>
+          <a:blip r:embed="rId3">
+            <a:extLst>
+              <a:ext uri="{28A0092B-C50C-407E-A947-70E740481C1C}">
+                <a14:useLocalDpi xmlns:a14="http://schemas.microsoft.com/office/drawing/2010/main" val="0"/>
+              </a:ext>
+            </a:extLst>
+          </a:blip>
+          <a:stretch>
+            <a:fillRect/>
+          </a:stretch>
+        </p:blipFill>
+        <p:spPr>
+          <a:xfrm>
+            <a:off x="866559" y="561134"/>
+            <a:ext cx="573327" cy="573327"/>
+          </a:xfrm>
+          <a:prstGeom prst="rect">
+            <a:avLst/>
+          </a:prstGeom>
+        </p:spPr>
+      </p:pic>
+      <p:pic>
+        <p:nvPicPr>
+          <p:cNvPr id="43" name="图片 42">
+            <a:extLst>
+              <a:ext uri="{FF2B5EF4-FFF2-40B4-BE49-F238E27FC236}">
+                <a16:creationId xmlns:a16="http://schemas.microsoft.com/office/drawing/2014/main" id="{FDA2D385-686B-4076-B412-220811D141C0}"/>
+              </a:ext>
+            </a:extLst>
+          </p:cNvPr>
+          <p:cNvPicPr>
+            <a:picLocks noChangeAspect="1"/>
+          </p:cNvPicPr>
+          <p:nvPr/>
+        </p:nvPicPr>
+        <p:blipFill>
+          <a:blip r:embed="rId3">
+            <a:extLst>
+              <a:ext uri="{28A0092B-C50C-407E-A947-70E740481C1C}">
+                <a14:useLocalDpi xmlns:a14="http://schemas.microsoft.com/office/drawing/2010/main" val="0"/>
+              </a:ext>
+            </a:extLst>
+          </a:blip>
+          <a:stretch>
+            <a:fillRect/>
+          </a:stretch>
+        </p:blipFill>
+        <p:spPr>
+          <a:xfrm>
+            <a:off x="1439886" y="561133"/>
+            <a:ext cx="573327" cy="573327"/>
+          </a:xfrm>
+          <a:prstGeom prst="rect">
+            <a:avLst/>
+          </a:prstGeom>
+        </p:spPr>
+      </p:pic>
+      <p:pic>
+        <p:nvPicPr>
+          <p:cNvPr id="44" name="图片 43">
+            <a:extLst>
+              <a:ext uri="{FF2B5EF4-FFF2-40B4-BE49-F238E27FC236}">
+                <a16:creationId xmlns:a16="http://schemas.microsoft.com/office/drawing/2014/main" id="{8A21933B-4844-4CC1-9DCA-BCC4CD444F11}"/>
+              </a:ext>
+            </a:extLst>
+          </p:cNvPr>
+          <p:cNvPicPr>
+            <a:picLocks noChangeAspect="1"/>
+          </p:cNvPicPr>
+          <p:nvPr/>
+        </p:nvPicPr>
+        <p:blipFill>
+          <a:blip r:embed="rId3">
+            <a:extLst>
+              <a:ext uri="{28A0092B-C50C-407E-A947-70E740481C1C}">
+                <a14:useLocalDpi xmlns:a14="http://schemas.microsoft.com/office/drawing/2010/main" val="0"/>
+              </a:ext>
+            </a:extLst>
+          </a:blip>
+          <a:stretch>
+            <a:fillRect/>
+          </a:stretch>
+        </p:blipFill>
+        <p:spPr>
+          <a:xfrm>
+            <a:off x="2013213" y="561133"/>
+            <a:ext cx="573327" cy="573327"/>
+          </a:xfrm>
+          <a:prstGeom prst="rect">
+            <a:avLst/>
+          </a:prstGeom>
+        </p:spPr>
+      </p:pic>
+      <p:pic>
+        <p:nvPicPr>
+          <p:cNvPr id="45" name="图片 44">
+            <a:extLst>
+              <a:ext uri="{FF2B5EF4-FFF2-40B4-BE49-F238E27FC236}">
+                <a16:creationId xmlns:a16="http://schemas.microsoft.com/office/drawing/2014/main" id="{5CC5E801-242C-416D-A67F-C9586CE43FAE}"/>
+              </a:ext>
+            </a:extLst>
+          </p:cNvPr>
+          <p:cNvPicPr>
+            <a:picLocks noChangeAspect="1"/>
+          </p:cNvPicPr>
+          <p:nvPr/>
+        </p:nvPicPr>
+        <p:blipFill>
+          <a:blip r:embed="rId3">
+            <a:extLst>
+              <a:ext uri="{28A0092B-C50C-407E-A947-70E740481C1C}">
+                <a14:useLocalDpi xmlns:a14="http://schemas.microsoft.com/office/drawing/2010/main" val="0"/>
+              </a:ext>
+            </a:extLst>
+          </a:blip>
+          <a:stretch>
+            <a:fillRect/>
+          </a:stretch>
+        </p:blipFill>
+        <p:spPr>
+          <a:xfrm>
+            <a:off x="-853422" y="-12194"/>
+            <a:ext cx="573327" cy="573327"/>
+          </a:xfrm>
+          <a:prstGeom prst="rect">
+            <a:avLst/>
+          </a:prstGeom>
+        </p:spPr>
+      </p:pic>
+      <p:pic>
+        <p:nvPicPr>
+          <p:cNvPr id="46" name="图片 45">
+            <a:extLst>
+              <a:ext uri="{FF2B5EF4-FFF2-40B4-BE49-F238E27FC236}">
+                <a16:creationId xmlns:a16="http://schemas.microsoft.com/office/drawing/2014/main" id="{46328F43-2946-458B-97A7-33B55FF00379}"/>
+              </a:ext>
+            </a:extLst>
+          </p:cNvPr>
+          <p:cNvPicPr>
+            <a:picLocks noChangeAspect="1"/>
+          </p:cNvPicPr>
+          <p:nvPr/>
+        </p:nvPicPr>
+        <p:blipFill>
+          <a:blip r:embed="rId3">
+            <a:extLst>
+              <a:ext uri="{28A0092B-C50C-407E-A947-70E740481C1C}">
+                <a14:useLocalDpi xmlns:a14="http://schemas.microsoft.com/office/drawing/2010/main" val="0"/>
+              </a:ext>
+            </a:extLst>
+          </a:blip>
+          <a:stretch>
+            <a:fillRect/>
+          </a:stretch>
+        </p:blipFill>
+        <p:spPr>
+          <a:xfrm>
+            <a:off x="-280095" y="-12195"/>
+            <a:ext cx="573327" cy="573327"/>
+          </a:xfrm>
+          <a:prstGeom prst="rect">
+            <a:avLst/>
+          </a:prstGeom>
+        </p:spPr>
+      </p:pic>
+      <p:pic>
+        <p:nvPicPr>
+          <p:cNvPr id="47" name="图片 46">
+            <a:extLst>
+              <a:ext uri="{FF2B5EF4-FFF2-40B4-BE49-F238E27FC236}">
+                <a16:creationId xmlns:a16="http://schemas.microsoft.com/office/drawing/2014/main" id="{B13E2FAB-37E0-4391-9CE2-BD999928ABFB}"/>
+              </a:ext>
+            </a:extLst>
+          </p:cNvPr>
+          <p:cNvPicPr>
+            <a:picLocks noChangeAspect="1"/>
+          </p:cNvPicPr>
+          <p:nvPr/>
+        </p:nvPicPr>
+        <p:blipFill>
+          <a:blip r:embed="rId3">
+            <a:extLst>
+              <a:ext uri="{28A0092B-C50C-407E-A947-70E740481C1C}">
+                <a14:useLocalDpi xmlns:a14="http://schemas.microsoft.com/office/drawing/2010/main" val="0"/>
+              </a:ext>
+            </a:extLst>
+          </a:blip>
+          <a:stretch>
+            <a:fillRect/>
+          </a:stretch>
+        </p:blipFill>
+        <p:spPr>
+          <a:xfrm>
+            <a:off x="293232" y="-12195"/>
+            <a:ext cx="573327" cy="573327"/>
+          </a:xfrm>
+          <a:prstGeom prst="rect">
+            <a:avLst/>
+          </a:prstGeom>
+        </p:spPr>
+      </p:pic>
+      <p:pic>
+        <p:nvPicPr>
+          <p:cNvPr id="48" name="图片 47">
+            <a:extLst>
+              <a:ext uri="{FF2B5EF4-FFF2-40B4-BE49-F238E27FC236}">
+                <a16:creationId xmlns:a16="http://schemas.microsoft.com/office/drawing/2014/main" id="{B236F0D6-5220-496E-B3B6-FD3D7C62F8CE}"/>
+              </a:ext>
+            </a:extLst>
+          </p:cNvPr>
+          <p:cNvPicPr>
+            <a:picLocks noChangeAspect="1"/>
+          </p:cNvPicPr>
+          <p:nvPr/>
+        </p:nvPicPr>
+        <p:blipFill>
+          <a:blip r:embed="rId3">
+            <a:extLst>
+              <a:ext uri="{28A0092B-C50C-407E-A947-70E740481C1C}">
+                <a14:useLocalDpi xmlns:a14="http://schemas.microsoft.com/office/drawing/2010/main" val="0"/>
+              </a:ext>
+            </a:extLst>
+          </a:blip>
+          <a:stretch>
+            <a:fillRect/>
+          </a:stretch>
+        </p:blipFill>
+        <p:spPr>
+          <a:xfrm>
+            <a:off x="-854027" y="1707785"/>
+            <a:ext cx="573327" cy="573327"/>
+          </a:xfrm>
+          <a:prstGeom prst="rect">
+            <a:avLst/>
+          </a:prstGeom>
+        </p:spPr>
+      </p:pic>
+      <p:pic>
+        <p:nvPicPr>
+          <p:cNvPr id="49" name="图片 48">
+            <a:extLst>
+              <a:ext uri="{FF2B5EF4-FFF2-40B4-BE49-F238E27FC236}">
+                <a16:creationId xmlns:a16="http://schemas.microsoft.com/office/drawing/2014/main" id="{02F583AC-71F4-475A-A672-70D6DEFB742D}"/>
+              </a:ext>
+            </a:extLst>
+          </p:cNvPr>
+          <p:cNvPicPr>
+            <a:picLocks noChangeAspect="1"/>
+          </p:cNvPicPr>
+          <p:nvPr/>
+        </p:nvPicPr>
+        <p:blipFill>
+          <a:blip r:embed="rId3">
+            <a:extLst>
+              <a:ext uri="{28A0092B-C50C-407E-A947-70E740481C1C}">
+                <a14:useLocalDpi xmlns:a14="http://schemas.microsoft.com/office/drawing/2010/main" val="0"/>
+              </a:ext>
+            </a:extLst>
+          </a:blip>
+          <a:stretch>
+            <a:fillRect/>
+          </a:stretch>
+        </p:blipFill>
+        <p:spPr>
+          <a:xfrm>
+            <a:off x="-853422" y="1134459"/>
+            <a:ext cx="573327" cy="573327"/>
+          </a:xfrm>
+          <a:prstGeom prst="rect">
+            <a:avLst/>
+          </a:prstGeom>
+        </p:spPr>
+      </p:pic>
+      <p:pic>
+        <p:nvPicPr>
+          <p:cNvPr id="50" name="图片 49">
+            <a:extLst>
+              <a:ext uri="{FF2B5EF4-FFF2-40B4-BE49-F238E27FC236}">
+                <a16:creationId xmlns:a16="http://schemas.microsoft.com/office/drawing/2014/main" id="{64237F2D-4F98-4F43-9549-837A31B8F619}"/>
+              </a:ext>
+            </a:extLst>
+          </p:cNvPr>
+          <p:cNvPicPr>
+            <a:picLocks noChangeAspect="1"/>
+          </p:cNvPicPr>
+          <p:nvPr/>
+        </p:nvPicPr>
+        <p:blipFill>
+          <a:blip r:embed="rId3">
+            <a:extLst>
+              <a:ext uri="{28A0092B-C50C-407E-A947-70E740481C1C}">
+                <a14:useLocalDpi xmlns:a14="http://schemas.microsoft.com/office/drawing/2010/main" val="0"/>
+              </a:ext>
+            </a:extLst>
+          </a:blip>
+          <a:stretch>
+            <a:fillRect/>
+          </a:stretch>
+        </p:blipFill>
+        <p:spPr>
+          <a:xfrm>
+            <a:off x="-852817" y="561132"/>
+            <a:ext cx="573327" cy="573327"/>
+          </a:xfrm>
+          <a:prstGeom prst="rect">
+            <a:avLst/>
+          </a:prstGeom>
+        </p:spPr>
+      </p:pic>
+      <p:pic>
+        <p:nvPicPr>
+          <p:cNvPr id="51" name="图片 50">
+            <a:extLst>
+              <a:ext uri="{FF2B5EF4-FFF2-40B4-BE49-F238E27FC236}">
+                <a16:creationId xmlns:a16="http://schemas.microsoft.com/office/drawing/2014/main" id="{B8AC1375-4204-4BDA-921E-265B61207BF6}"/>
+              </a:ext>
+            </a:extLst>
+          </p:cNvPr>
+          <p:cNvPicPr>
+            <a:picLocks noChangeAspect="1"/>
+          </p:cNvPicPr>
+          <p:nvPr/>
+        </p:nvPicPr>
+        <p:blipFill>
+          <a:blip r:embed="rId3">
+            <a:extLst>
+              <a:ext uri="{28A0092B-C50C-407E-A947-70E740481C1C}">
+                <a14:useLocalDpi xmlns:a14="http://schemas.microsoft.com/office/drawing/2010/main" val="0"/>
+              </a:ext>
+            </a:extLst>
+          </a:blip>
+          <a:stretch>
+            <a:fillRect/>
+          </a:stretch>
+        </p:blipFill>
+        <p:spPr>
+          <a:xfrm>
+            <a:off x="-854632" y="2281111"/>
+            <a:ext cx="573327" cy="573327"/>
+          </a:xfrm>
+          <a:prstGeom prst="rect">
+            <a:avLst/>
+          </a:prstGeom>
+        </p:spPr>
+      </p:pic>
+      <p:pic>
+        <p:nvPicPr>
+          <p:cNvPr id="52" name="图片 51">
+            <a:extLst>
+              <a:ext uri="{FF2B5EF4-FFF2-40B4-BE49-F238E27FC236}">
+                <a16:creationId xmlns:a16="http://schemas.microsoft.com/office/drawing/2014/main" id="{6CD2BBBA-8304-47AA-B2CA-63BA322B9AC9}"/>
+              </a:ext>
+            </a:extLst>
+          </p:cNvPr>
+          <p:cNvPicPr>
+            <a:picLocks noChangeAspect="1"/>
+          </p:cNvPicPr>
+          <p:nvPr/>
+        </p:nvPicPr>
+        <p:blipFill>
+          <a:blip r:embed="rId3">
+            <a:extLst>
+              <a:ext uri="{28A0092B-C50C-407E-A947-70E740481C1C}">
+                <a14:useLocalDpi xmlns:a14="http://schemas.microsoft.com/office/drawing/2010/main" val="0"/>
+              </a:ext>
+            </a:extLst>
+          </a:blip>
+          <a:stretch>
+            <a:fillRect/>
+          </a:stretch>
+        </p:blipFill>
+        <p:spPr>
+          <a:xfrm>
+            <a:off x="-855237" y="4001090"/>
+            <a:ext cx="573327" cy="573327"/>
+          </a:xfrm>
+          <a:prstGeom prst="rect">
+            <a:avLst/>
+          </a:prstGeom>
+        </p:spPr>
+      </p:pic>
+      <p:pic>
+        <p:nvPicPr>
+          <p:cNvPr id="53" name="图片 52">
+            <a:extLst>
+              <a:ext uri="{FF2B5EF4-FFF2-40B4-BE49-F238E27FC236}">
+                <a16:creationId xmlns:a16="http://schemas.microsoft.com/office/drawing/2014/main" id="{384D9E37-B1E3-47FF-AAB9-2C0FDAE12B60}"/>
+              </a:ext>
+            </a:extLst>
+          </p:cNvPr>
+          <p:cNvPicPr>
+            <a:picLocks noChangeAspect="1"/>
+          </p:cNvPicPr>
+          <p:nvPr/>
+        </p:nvPicPr>
+        <p:blipFill>
+          <a:blip r:embed="rId3">
+            <a:extLst>
+              <a:ext uri="{28A0092B-C50C-407E-A947-70E740481C1C}">
+                <a14:useLocalDpi xmlns:a14="http://schemas.microsoft.com/office/drawing/2010/main" val="0"/>
+              </a:ext>
+            </a:extLst>
+          </a:blip>
+          <a:stretch>
+            <a:fillRect/>
+          </a:stretch>
+        </p:blipFill>
+        <p:spPr>
+          <a:xfrm>
+            <a:off x="-854632" y="3427764"/>
+            <a:ext cx="573327" cy="573327"/>
+          </a:xfrm>
+          <a:prstGeom prst="rect">
+            <a:avLst/>
+          </a:prstGeom>
+        </p:spPr>
+      </p:pic>
+      <p:pic>
+        <p:nvPicPr>
+          <p:cNvPr id="54" name="图片 53">
+            <a:extLst>
+              <a:ext uri="{FF2B5EF4-FFF2-40B4-BE49-F238E27FC236}">
+                <a16:creationId xmlns:a16="http://schemas.microsoft.com/office/drawing/2014/main" id="{26124198-6F7D-4510-AFA2-A3CCDB2867A6}"/>
+              </a:ext>
+            </a:extLst>
+          </p:cNvPr>
+          <p:cNvPicPr>
+            <a:picLocks noChangeAspect="1"/>
+          </p:cNvPicPr>
+          <p:nvPr/>
+        </p:nvPicPr>
+        <p:blipFill>
+          <a:blip r:embed="rId3">
+            <a:extLst>
+              <a:ext uri="{28A0092B-C50C-407E-A947-70E740481C1C}">
+                <a14:useLocalDpi xmlns:a14="http://schemas.microsoft.com/office/drawing/2010/main" val="0"/>
+              </a:ext>
+            </a:extLst>
+          </a:blip>
+          <a:stretch>
+            <a:fillRect/>
+          </a:stretch>
+        </p:blipFill>
+        <p:spPr>
+          <a:xfrm>
+            <a:off x="-854027" y="2854437"/>
+            <a:ext cx="573327" cy="573327"/>
+          </a:xfrm>
+          <a:prstGeom prst="rect">
+            <a:avLst/>
+          </a:prstGeom>
+        </p:spPr>
+      </p:pic>
+      <p:pic>
+        <p:nvPicPr>
+          <p:cNvPr id="55" name="图片 54">
+            <a:extLst>
+              <a:ext uri="{FF2B5EF4-FFF2-40B4-BE49-F238E27FC236}">
+                <a16:creationId xmlns:a16="http://schemas.microsoft.com/office/drawing/2014/main" id="{0E9256E6-6261-47A2-A792-B37E2C62737E}"/>
+              </a:ext>
+            </a:extLst>
+          </p:cNvPr>
+          <p:cNvPicPr>
+            <a:picLocks noChangeAspect="1"/>
+          </p:cNvPicPr>
+          <p:nvPr/>
+        </p:nvPicPr>
+        <p:blipFill>
+          <a:blip r:embed="rId3">
+            <a:extLst>
+              <a:ext uri="{28A0092B-C50C-407E-A947-70E740481C1C}">
+                <a14:useLocalDpi xmlns:a14="http://schemas.microsoft.com/office/drawing/2010/main" val="0"/>
+              </a:ext>
+            </a:extLst>
+          </a:blip>
+          <a:stretch>
+            <a:fillRect/>
+          </a:stretch>
+        </p:blipFill>
+        <p:spPr>
+          <a:xfrm>
+            <a:off x="-855237" y="4574416"/>
+            <a:ext cx="573327" cy="573327"/>
+          </a:xfrm>
+          <a:prstGeom prst="rect">
+            <a:avLst/>
+          </a:prstGeom>
+        </p:spPr>
+      </p:pic>
+      <p:pic>
+        <p:nvPicPr>
+          <p:cNvPr id="57" name="图片 56">
+            <a:extLst>
+              <a:ext uri="{FF2B5EF4-FFF2-40B4-BE49-F238E27FC236}">
+                <a16:creationId xmlns:a16="http://schemas.microsoft.com/office/drawing/2014/main" id="{B343ADAA-D5D8-4C05-B9EC-91B09992B5EE}"/>
+              </a:ext>
+            </a:extLst>
+          </p:cNvPr>
+          <p:cNvPicPr>
+            <a:picLocks noChangeAspect="1"/>
+          </p:cNvPicPr>
+          <p:nvPr/>
+        </p:nvPicPr>
+        <p:blipFill>
+          <a:blip r:embed="rId3">
+            <a:extLst>
+              <a:ext uri="{28A0092B-C50C-407E-A947-70E740481C1C}">
+                <a14:useLocalDpi xmlns:a14="http://schemas.microsoft.com/office/drawing/2010/main" val="0"/>
+              </a:ext>
+            </a:extLst>
+          </a:blip>
+          <a:stretch>
+            <a:fillRect/>
+          </a:stretch>
+        </p:blipFill>
+        <p:spPr>
+          <a:xfrm>
+            <a:off x="-855237" y="5721069"/>
+            <a:ext cx="573327" cy="573327"/>
+          </a:xfrm>
+          <a:prstGeom prst="rect">
+            <a:avLst/>
+          </a:prstGeom>
+        </p:spPr>
+      </p:pic>
+      <p:pic>
+        <p:nvPicPr>
+          <p:cNvPr id="58" name="图片 57">
+            <a:extLst>
+              <a:ext uri="{FF2B5EF4-FFF2-40B4-BE49-F238E27FC236}">
+                <a16:creationId xmlns:a16="http://schemas.microsoft.com/office/drawing/2014/main" id="{0FC23037-0CEA-493B-ADE6-A534919EFC6A}"/>
+              </a:ext>
+            </a:extLst>
+          </p:cNvPr>
+          <p:cNvPicPr>
+            <a:picLocks noChangeAspect="1"/>
+          </p:cNvPicPr>
+          <p:nvPr/>
+        </p:nvPicPr>
+        <p:blipFill>
+          <a:blip r:embed="rId3">
+            <a:extLst>
+              <a:ext uri="{28A0092B-C50C-407E-A947-70E740481C1C}">
+                <a14:useLocalDpi xmlns:a14="http://schemas.microsoft.com/office/drawing/2010/main" val="0"/>
+              </a:ext>
+            </a:extLst>
+          </a:blip>
+          <a:stretch>
+            <a:fillRect/>
+          </a:stretch>
+        </p:blipFill>
+        <p:spPr>
+          <a:xfrm>
+            <a:off x="-854632" y="5147742"/>
+            <a:ext cx="573327" cy="573327"/>
+          </a:xfrm>
+          <a:prstGeom prst="rect">
+            <a:avLst/>
+          </a:prstGeom>
+        </p:spPr>
+      </p:pic>
+      <p:pic>
+        <p:nvPicPr>
+          <p:cNvPr id="64" name="图片 63">
+            <a:extLst>
+              <a:ext uri="{FF2B5EF4-FFF2-40B4-BE49-F238E27FC236}">
+                <a16:creationId xmlns:a16="http://schemas.microsoft.com/office/drawing/2014/main" id="{FB2F261C-0F46-4E57-A6B0-FA8E9A8CDF60}"/>
+              </a:ext>
+            </a:extLst>
+          </p:cNvPr>
+          <p:cNvPicPr>
+            <a:picLocks noChangeAspect="1"/>
+          </p:cNvPicPr>
+          <p:nvPr/>
+        </p:nvPicPr>
+        <p:blipFill>
+          <a:blip r:embed="rId5">
+            <a:extLst>
+              <a:ext uri="{28A0092B-C50C-407E-A947-70E740481C1C}">
+                <a14:useLocalDpi xmlns:a14="http://schemas.microsoft.com/office/drawing/2010/main" val="0"/>
+              </a:ext>
+            </a:extLst>
+          </a:blip>
+          <a:stretch>
+            <a:fillRect/>
+          </a:stretch>
+        </p:blipFill>
+        <p:spPr>
+          <a:xfrm>
+            <a:off x="-805047" y="305030"/>
+            <a:ext cx="1340166" cy="1272310"/>
+          </a:xfrm>
+          <a:prstGeom prst="rect">
+            <a:avLst/>
+          </a:prstGeom>
+        </p:spPr>
+      </p:pic>
+      <p:pic>
+        <p:nvPicPr>
+          <p:cNvPr id="65" name="图片 64">
+            <a:extLst>
+              <a:ext uri="{FF2B5EF4-FFF2-40B4-BE49-F238E27FC236}">
+                <a16:creationId xmlns:a16="http://schemas.microsoft.com/office/drawing/2014/main" id="{A6840DC6-25A4-4C6A-B106-14184F0E6E5E}"/>
+              </a:ext>
+            </a:extLst>
+          </p:cNvPr>
+          <p:cNvPicPr>
+            <a:picLocks noChangeAspect="1"/>
+          </p:cNvPicPr>
+          <p:nvPr/>
+        </p:nvPicPr>
+        <p:blipFill>
+          <a:blip r:embed="rId3">
+            <a:extLst>
+              <a:ext uri="{28A0092B-C50C-407E-A947-70E740481C1C}">
+                <a14:useLocalDpi xmlns:a14="http://schemas.microsoft.com/office/drawing/2010/main" val="0"/>
+              </a:ext>
+            </a:extLst>
+          </a:blip>
+          <a:stretch>
+            <a:fillRect/>
+          </a:stretch>
+        </p:blipFill>
+        <p:spPr>
+          <a:xfrm>
+            <a:off x="-1428564" y="0"/>
+            <a:ext cx="573327" cy="6771640"/>
+          </a:xfrm>
+          <a:prstGeom prst="rect">
+            <a:avLst/>
+          </a:prstGeom>
+        </p:spPr>
+      </p:pic>
+      <p:pic>
+        <p:nvPicPr>
+          <p:cNvPr id="66" name="图片 65">
+            <a:extLst>
+              <a:ext uri="{FF2B5EF4-FFF2-40B4-BE49-F238E27FC236}">
+                <a16:creationId xmlns:a16="http://schemas.microsoft.com/office/drawing/2014/main" id="{10CF465D-3E25-47C9-9A34-DEA51C358FDB}"/>
+              </a:ext>
+            </a:extLst>
+          </p:cNvPr>
+          <p:cNvPicPr>
+            <a:picLocks noChangeAspect="1"/>
+          </p:cNvPicPr>
+          <p:nvPr/>
+        </p:nvPicPr>
+        <p:blipFill>
+          <a:blip r:embed="rId3">
+            <a:extLst>
+              <a:ext uri="{28A0092B-C50C-407E-A947-70E740481C1C}">
+                <a14:useLocalDpi xmlns:a14="http://schemas.microsoft.com/office/drawing/2010/main" val="0"/>
+              </a:ext>
+            </a:extLst>
+          </a:blip>
+          <a:stretch>
+            <a:fillRect/>
+          </a:stretch>
+        </p:blipFill>
+        <p:spPr>
+          <a:xfrm>
+            <a:off x="7746483" y="0"/>
+            <a:ext cx="573327" cy="6771640"/>
+          </a:xfrm>
+          <a:prstGeom prst="rect">
+            <a:avLst/>
+          </a:prstGeom>
+        </p:spPr>
+      </p:pic>
+      <p:pic>
+        <p:nvPicPr>
+          <p:cNvPr id="67" name="图片 66">
+            <a:extLst>
+              <a:ext uri="{FF2B5EF4-FFF2-40B4-BE49-F238E27FC236}">
+                <a16:creationId xmlns:a16="http://schemas.microsoft.com/office/drawing/2014/main" id="{C9F200DB-A853-4074-92EF-96B17516E0BE}"/>
+              </a:ext>
+            </a:extLst>
+          </p:cNvPr>
+          <p:cNvPicPr>
+            <a:picLocks noChangeAspect="1"/>
+          </p:cNvPicPr>
+          <p:nvPr/>
+        </p:nvPicPr>
+        <p:blipFill>
+          <a:blip r:embed="rId3">
+            <a:extLst>
+              <a:ext uri="{28A0092B-C50C-407E-A947-70E740481C1C}">
+                <a14:useLocalDpi xmlns:a14="http://schemas.microsoft.com/office/drawing/2010/main" val="0"/>
+              </a:ext>
+            </a:extLst>
+          </a:blip>
+          <a:stretch>
+            <a:fillRect/>
+          </a:stretch>
+        </p:blipFill>
+        <p:spPr>
+          <a:xfrm>
+            <a:off x="-843639" y="6294394"/>
+            <a:ext cx="8707479" cy="573327"/>
+          </a:xfrm>
+          <a:prstGeom prst="rect">
+            <a:avLst/>
+          </a:prstGeom>
+        </p:spPr>
+      </p:pic>
+      <p:pic>
+        <p:nvPicPr>
+          <p:cNvPr id="68" name="图片 67">
+            <a:extLst>
+              <a:ext uri="{FF2B5EF4-FFF2-40B4-BE49-F238E27FC236}">
+                <a16:creationId xmlns:a16="http://schemas.microsoft.com/office/drawing/2014/main" id="{30F21C41-CAE8-440A-8421-E429801FC5AF}"/>
+              </a:ext>
+            </a:extLst>
+          </p:cNvPr>
+          <p:cNvPicPr>
+            <a:picLocks noChangeAspect="1"/>
+          </p:cNvPicPr>
+          <p:nvPr/>
+        </p:nvPicPr>
+        <p:blipFill>
+          <a:blip r:embed="rId3">
+            <a:extLst>
+              <a:ext uri="{28A0092B-C50C-407E-A947-70E740481C1C}">
+                <a14:useLocalDpi xmlns:a14="http://schemas.microsoft.com/office/drawing/2010/main" val="0"/>
+              </a:ext>
+            </a:extLst>
+          </a:blip>
+          <a:stretch>
+            <a:fillRect/>
+          </a:stretch>
+        </p:blipFill>
+        <p:spPr>
+          <a:xfrm>
+            <a:off x="2018105" y="1134458"/>
+            <a:ext cx="573327" cy="573327"/>
+          </a:xfrm>
+          <a:prstGeom prst="rect">
+            <a:avLst/>
+          </a:prstGeom>
+        </p:spPr>
+      </p:pic>
+      <p:pic>
+        <p:nvPicPr>
+          <p:cNvPr id="69" name="图片 68">
+            <a:extLst>
+              <a:ext uri="{FF2B5EF4-FFF2-40B4-BE49-F238E27FC236}">
+                <a16:creationId xmlns:a16="http://schemas.microsoft.com/office/drawing/2014/main" id="{EC036B2A-68D7-4AC3-964F-DFF66C3942E7}"/>
+              </a:ext>
+            </a:extLst>
+          </p:cNvPr>
+          <p:cNvPicPr>
+            <a:picLocks noChangeAspect="1"/>
+          </p:cNvPicPr>
+          <p:nvPr/>
+        </p:nvPicPr>
+        <p:blipFill>
+          <a:blip r:embed="rId3">
+            <a:extLst>
+              <a:ext uri="{28A0092B-C50C-407E-A947-70E740481C1C}">
+                <a14:useLocalDpi xmlns:a14="http://schemas.microsoft.com/office/drawing/2010/main" val="0"/>
+              </a:ext>
+            </a:extLst>
+          </a:blip>
+          <a:stretch>
+            <a:fillRect/>
+          </a:stretch>
+        </p:blipFill>
+        <p:spPr>
+          <a:xfrm>
+            <a:off x="2591432" y="1134457"/>
+            <a:ext cx="573327" cy="573327"/>
+          </a:xfrm>
+          <a:prstGeom prst="rect">
+            <a:avLst/>
+          </a:prstGeom>
+        </p:spPr>
+      </p:pic>
+      <p:pic>
+        <p:nvPicPr>
+          <p:cNvPr id="70" name="图片 69">
+            <a:extLst>
+              <a:ext uri="{FF2B5EF4-FFF2-40B4-BE49-F238E27FC236}">
+                <a16:creationId xmlns:a16="http://schemas.microsoft.com/office/drawing/2014/main" id="{E2FD4270-0AB4-4D69-A496-73A91A762E85}"/>
+              </a:ext>
+            </a:extLst>
+          </p:cNvPr>
+          <p:cNvPicPr>
+            <a:picLocks noChangeAspect="1"/>
+          </p:cNvPicPr>
+          <p:nvPr/>
+        </p:nvPicPr>
+        <p:blipFill>
+          <a:blip r:embed="rId3">
+            <a:extLst>
+              <a:ext uri="{28A0092B-C50C-407E-A947-70E740481C1C}">
+                <a14:useLocalDpi xmlns:a14="http://schemas.microsoft.com/office/drawing/2010/main" val="0"/>
+              </a:ext>
+            </a:extLst>
+          </a:blip>
+          <a:stretch>
+            <a:fillRect/>
+          </a:stretch>
+        </p:blipFill>
+        <p:spPr>
+          <a:xfrm>
+            <a:off x="3164759" y="1134457"/>
+            <a:ext cx="573327" cy="573327"/>
+          </a:xfrm>
+          <a:prstGeom prst="rect">
+            <a:avLst/>
+          </a:prstGeom>
+        </p:spPr>
+      </p:pic>
+      <p:pic>
+        <p:nvPicPr>
+          <p:cNvPr id="71" name="图片 70">
+            <a:extLst>
+              <a:ext uri="{FF2B5EF4-FFF2-40B4-BE49-F238E27FC236}">
+                <a16:creationId xmlns:a16="http://schemas.microsoft.com/office/drawing/2014/main" id="{593FDE5F-52BC-4A14-BED9-BE38D15D2869}"/>
+              </a:ext>
+            </a:extLst>
+          </p:cNvPr>
+          <p:cNvPicPr>
+            <a:picLocks noChangeAspect="1"/>
+          </p:cNvPicPr>
+          <p:nvPr/>
+        </p:nvPicPr>
+        <p:blipFill>
+          <a:blip r:embed="rId3">
+            <a:extLst>
+              <a:ext uri="{28A0092B-C50C-407E-A947-70E740481C1C}">
+                <a14:useLocalDpi xmlns:a14="http://schemas.microsoft.com/office/drawing/2010/main" val="0"/>
+              </a:ext>
+            </a:extLst>
+          </a:blip>
+          <a:stretch>
+            <a:fillRect/>
+          </a:stretch>
+        </p:blipFill>
+        <p:spPr>
+          <a:xfrm>
+            <a:off x="2018105" y="1707785"/>
+            <a:ext cx="573327" cy="573327"/>
+          </a:xfrm>
+          <a:prstGeom prst="rect">
+            <a:avLst/>
+          </a:prstGeom>
+        </p:spPr>
+      </p:pic>
+      <p:pic>
+        <p:nvPicPr>
+          <p:cNvPr id="72" name="图片 71">
+            <a:extLst>
+              <a:ext uri="{FF2B5EF4-FFF2-40B4-BE49-F238E27FC236}">
+                <a16:creationId xmlns:a16="http://schemas.microsoft.com/office/drawing/2014/main" id="{6015FFB5-3FAF-4750-BFED-0F808BFA2103}"/>
+              </a:ext>
+            </a:extLst>
+          </p:cNvPr>
+          <p:cNvPicPr>
+            <a:picLocks noChangeAspect="1"/>
+          </p:cNvPicPr>
+          <p:nvPr/>
+        </p:nvPicPr>
+        <p:blipFill>
+          <a:blip r:embed="rId3">
+            <a:extLst>
+              <a:ext uri="{28A0092B-C50C-407E-A947-70E740481C1C}">
+                <a14:useLocalDpi xmlns:a14="http://schemas.microsoft.com/office/drawing/2010/main" val="0"/>
+              </a:ext>
+            </a:extLst>
+          </a:blip>
+          <a:stretch>
+            <a:fillRect/>
+          </a:stretch>
+        </p:blipFill>
+        <p:spPr>
+          <a:xfrm>
+            <a:off x="2591432" y="1707784"/>
+            <a:ext cx="573327" cy="573327"/>
+          </a:xfrm>
+          <a:prstGeom prst="rect">
+            <a:avLst/>
+          </a:prstGeom>
+        </p:spPr>
+      </p:pic>
+      <p:pic>
+        <p:nvPicPr>
+          <p:cNvPr id="73" name="图片 72">
+            <a:extLst>
+              <a:ext uri="{FF2B5EF4-FFF2-40B4-BE49-F238E27FC236}">
+                <a16:creationId xmlns:a16="http://schemas.microsoft.com/office/drawing/2014/main" id="{B46BA3EF-C017-455A-B4C9-0CB445B36FD1}"/>
+              </a:ext>
+            </a:extLst>
+          </p:cNvPr>
+          <p:cNvPicPr>
+            <a:picLocks noChangeAspect="1"/>
+          </p:cNvPicPr>
+          <p:nvPr/>
+        </p:nvPicPr>
+        <p:blipFill>
+          <a:blip r:embed="rId3">
+            <a:extLst>
+              <a:ext uri="{28A0092B-C50C-407E-A947-70E740481C1C}">
+                <a14:useLocalDpi xmlns:a14="http://schemas.microsoft.com/office/drawing/2010/main" val="0"/>
+              </a:ext>
+            </a:extLst>
+          </a:blip>
+          <a:stretch>
+            <a:fillRect/>
+          </a:stretch>
+        </p:blipFill>
+        <p:spPr>
+          <a:xfrm>
+            <a:off x="3164759" y="1707784"/>
+            <a:ext cx="573327" cy="573327"/>
+          </a:xfrm>
+          <a:prstGeom prst="rect">
+            <a:avLst/>
+          </a:prstGeom>
+        </p:spPr>
+      </p:pic>
+      <p:pic>
+        <p:nvPicPr>
+          <p:cNvPr id="74" name="图片 73">
+            <a:extLst>
+              <a:ext uri="{FF2B5EF4-FFF2-40B4-BE49-F238E27FC236}">
+                <a16:creationId xmlns:a16="http://schemas.microsoft.com/office/drawing/2014/main" id="{EF8EC185-2148-4F2E-A8AF-1D149A856369}"/>
+              </a:ext>
+            </a:extLst>
+          </p:cNvPr>
+          <p:cNvPicPr>
+            <a:picLocks noChangeAspect="1"/>
+          </p:cNvPicPr>
+          <p:nvPr/>
+        </p:nvPicPr>
+        <p:blipFill>
+          <a:blip r:embed="rId3">
+            <a:extLst>
+              <a:ext uri="{28A0092B-C50C-407E-A947-70E740481C1C}">
+                <a14:useLocalDpi xmlns:a14="http://schemas.microsoft.com/office/drawing/2010/main" val="0"/>
+              </a:ext>
+            </a:extLst>
+          </a:blip>
+          <a:stretch>
+            <a:fillRect/>
+          </a:stretch>
+        </p:blipFill>
+        <p:spPr>
+          <a:xfrm>
+            <a:off x="2013213" y="2281108"/>
+            <a:ext cx="573327" cy="573327"/>
+          </a:xfrm>
+          <a:prstGeom prst="rect">
+            <a:avLst/>
+          </a:prstGeom>
+        </p:spPr>
+      </p:pic>
+      <p:pic>
+        <p:nvPicPr>
+          <p:cNvPr id="75" name="图片 74">
+            <a:extLst>
+              <a:ext uri="{FF2B5EF4-FFF2-40B4-BE49-F238E27FC236}">
+                <a16:creationId xmlns:a16="http://schemas.microsoft.com/office/drawing/2014/main" id="{F5102676-B4FE-4F32-A637-0D22F6CC7078}"/>
+              </a:ext>
+            </a:extLst>
+          </p:cNvPr>
+          <p:cNvPicPr>
+            <a:picLocks noChangeAspect="1"/>
+          </p:cNvPicPr>
+          <p:nvPr/>
+        </p:nvPicPr>
+        <p:blipFill>
+          <a:blip r:embed="rId3">
+            <a:extLst>
+              <a:ext uri="{28A0092B-C50C-407E-A947-70E740481C1C}">
+                <a14:useLocalDpi xmlns:a14="http://schemas.microsoft.com/office/drawing/2010/main" val="0"/>
+              </a:ext>
+            </a:extLst>
+          </a:blip>
+          <a:stretch>
+            <a:fillRect/>
+          </a:stretch>
+        </p:blipFill>
+        <p:spPr>
+          <a:xfrm>
+            <a:off x="2586540" y="2281107"/>
+            <a:ext cx="573327" cy="573327"/>
+          </a:xfrm>
+          <a:prstGeom prst="rect">
+            <a:avLst/>
+          </a:prstGeom>
+        </p:spPr>
+      </p:pic>
+      <p:pic>
+        <p:nvPicPr>
+          <p:cNvPr id="76" name="图片 75">
+            <a:extLst>
+              <a:ext uri="{FF2B5EF4-FFF2-40B4-BE49-F238E27FC236}">
+                <a16:creationId xmlns:a16="http://schemas.microsoft.com/office/drawing/2014/main" id="{D079E6F7-0955-4434-B4A9-6FA0083DF5C4}"/>
+              </a:ext>
+            </a:extLst>
+          </p:cNvPr>
+          <p:cNvPicPr>
+            <a:picLocks noChangeAspect="1"/>
+          </p:cNvPicPr>
+          <p:nvPr/>
+        </p:nvPicPr>
+        <p:blipFill>
+          <a:blip r:embed="rId3">
+            <a:extLst>
+              <a:ext uri="{28A0092B-C50C-407E-A947-70E740481C1C}">
+                <a14:useLocalDpi xmlns:a14="http://schemas.microsoft.com/office/drawing/2010/main" val="0"/>
+              </a:ext>
+            </a:extLst>
+          </a:blip>
+          <a:stretch>
+            <a:fillRect/>
+          </a:stretch>
+        </p:blipFill>
+        <p:spPr>
+          <a:xfrm>
+            <a:off x="3159867" y="2281107"/>
+            <a:ext cx="573327" cy="573327"/>
+          </a:xfrm>
+          <a:prstGeom prst="rect">
+            <a:avLst/>
+          </a:prstGeom>
+        </p:spPr>
+      </p:pic>
+      <p:pic>
+        <p:nvPicPr>
+          <p:cNvPr id="77" name="图片 76">
+            <a:extLst>
+              <a:ext uri="{FF2B5EF4-FFF2-40B4-BE49-F238E27FC236}">
+                <a16:creationId xmlns:a16="http://schemas.microsoft.com/office/drawing/2014/main" id="{40CDF3A8-DE1C-48F3-8D34-2F9F804B7D30}"/>
+              </a:ext>
+            </a:extLst>
+          </p:cNvPr>
+          <p:cNvPicPr>
+            <a:picLocks noChangeAspect="1"/>
+          </p:cNvPicPr>
+          <p:nvPr/>
+        </p:nvPicPr>
+        <p:blipFill>
+          <a:blip r:embed="rId3">
+            <a:extLst>
+              <a:ext uri="{28A0092B-C50C-407E-A947-70E740481C1C}">
+                <a14:useLocalDpi xmlns:a14="http://schemas.microsoft.com/office/drawing/2010/main" val="0"/>
+              </a:ext>
+            </a:extLst>
+          </a:blip>
+          <a:stretch>
+            <a:fillRect/>
+          </a:stretch>
+        </p:blipFill>
+        <p:spPr>
+          <a:xfrm>
+            <a:off x="2013213" y="2854435"/>
+            <a:ext cx="573327" cy="573327"/>
+          </a:xfrm>
+          <a:prstGeom prst="rect">
+            <a:avLst/>
+          </a:prstGeom>
+        </p:spPr>
+      </p:pic>
+      <p:pic>
+        <p:nvPicPr>
+          <p:cNvPr id="78" name="图片 77">
+            <a:extLst>
+              <a:ext uri="{FF2B5EF4-FFF2-40B4-BE49-F238E27FC236}">
+                <a16:creationId xmlns:a16="http://schemas.microsoft.com/office/drawing/2014/main" id="{DCFDB086-BAC1-48BA-B9AE-8F8E07D95888}"/>
+              </a:ext>
+            </a:extLst>
+          </p:cNvPr>
+          <p:cNvPicPr>
+            <a:picLocks noChangeAspect="1"/>
+          </p:cNvPicPr>
+          <p:nvPr/>
+        </p:nvPicPr>
+        <p:blipFill>
+          <a:blip r:embed="rId3">
+            <a:extLst>
+              <a:ext uri="{28A0092B-C50C-407E-A947-70E740481C1C}">
+                <a14:useLocalDpi xmlns:a14="http://schemas.microsoft.com/office/drawing/2010/main" val="0"/>
+              </a:ext>
+            </a:extLst>
+          </a:blip>
+          <a:stretch>
+            <a:fillRect/>
+          </a:stretch>
+        </p:blipFill>
+        <p:spPr>
+          <a:xfrm>
+            <a:off x="2586540" y="2854434"/>
+            <a:ext cx="573327" cy="573327"/>
+          </a:xfrm>
+          <a:prstGeom prst="rect">
+            <a:avLst/>
+          </a:prstGeom>
+        </p:spPr>
+      </p:pic>
+      <p:pic>
+        <p:nvPicPr>
+          <p:cNvPr id="79" name="图片 78">
+            <a:extLst>
+              <a:ext uri="{FF2B5EF4-FFF2-40B4-BE49-F238E27FC236}">
+                <a16:creationId xmlns:a16="http://schemas.microsoft.com/office/drawing/2014/main" id="{0820D554-CB84-4222-9FDE-B89909353F79}"/>
+              </a:ext>
+            </a:extLst>
+          </p:cNvPr>
+          <p:cNvPicPr>
+            <a:picLocks noChangeAspect="1"/>
+          </p:cNvPicPr>
+          <p:nvPr/>
+        </p:nvPicPr>
+        <p:blipFill>
+          <a:blip r:embed="rId3">
+            <a:extLst>
+              <a:ext uri="{28A0092B-C50C-407E-A947-70E740481C1C}">
+                <a14:useLocalDpi xmlns:a14="http://schemas.microsoft.com/office/drawing/2010/main" val="0"/>
+              </a:ext>
+            </a:extLst>
+          </a:blip>
+          <a:stretch>
+            <a:fillRect/>
+          </a:stretch>
+        </p:blipFill>
+        <p:spPr>
+          <a:xfrm>
+            <a:off x="3159867" y="2854434"/>
+            <a:ext cx="573327" cy="573327"/>
+          </a:xfrm>
+          <a:prstGeom prst="rect">
+            <a:avLst/>
+          </a:prstGeom>
+        </p:spPr>
+      </p:pic>
+      <p:pic>
+        <p:nvPicPr>
+          <p:cNvPr id="80" name="图片 79">
+            <a:extLst>
+              <a:ext uri="{FF2B5EF4-FFF2-40B4-BE49-F238E27FC236}">
+                <a16:creationId xmlns:a16="http://schemas.microsoft.com/office/drawing/2014/main" id="{4A67A7EA-1B14-4D29-8FE9-30304E566343}"/>
+              </a:ext>
+            </a:extLst>
+          </p:cNvPr>
+          <p:cNvPicPr>
+            <a:picLocks noChangeAspect="1"/>
+          </p:cNvPicPr>
+          <p:nvPr/>
+        </p:nvPicPr>
+        <p:blipFill>
+          <a:blip r:embed="rId3">
+            <a:extLst>
+              <a:ext uri="{28A0092B-C50C-407E-A947-70E740481C1C}">
+                <a14:useLocalDpi xmlns:a14="http://schemas.microsoft.com/office/drawing/2010/main" val="0"/>
+              </a:ext>
+            </a:extLst>
+          </a:blip>
+          <a:stretch>
+            <a:fillRect/>
+          </a:stretch>
+        </p:blipFill>
+        <p:spPr>
+          <a:xfrm>
+            <a:off x="3742978" y="1134457"/>
+            <a:ext cx="573327" cy="573327"/>
+          </a:xfrm>
+          <a:prstGeom prst="rect">
+            <a:avLst/>
+          </a:prstGeom>
+        </p:spPr>
+      </p:pic>
+      <p:pic>
+        <p:nvPicPr>
+          <p:cNvPr id="81" name="图片 80">
+            <a:extLst>
+              <a:ext uri="{FF2B5EF4-FFF2-40B4-BE49-F238E27FC236}">
+                <a16:creationId xmlns:a16="http://schemas.microsoft.com/office/drawing/2014/main" id="{F04E1624-00A8-415E-95B4-E018F2D7B25D}"/>
+              </a:ext>
+            </a:extLst>
+          </p:cNvPr>
+          <p:cNvPicPr>
+            <a:picLocks noChangeAspect="1"/>
+          </p:cNvPicPr>
+          <p:nvPr/>
+        </p:nvPicPr>
+        <p:blipFill>
+          <a:blip r:embed="rId3">
+            <a:extLst>
+              <a:ext uri="{28A0092B-C50C-407E-A947-70E740481C1C}">
+                <a14:useLocalDpi xmlns:a14="http://schemas.microsoft.com/office/drawing/2010/main" val="0"/>
+              </a:ext>
+            </a:extLst>
+          </a:blip>
+          <a:stretch>
+            <a:fillRect/>
+          </a:stretch>
+        </p:blipFill>
+        <p:spPr>
+          <a:xfrm>
+            <a:off x="4316305" y="1134456"/>
+            <a:ext cx="573327" cy="573327"/>
+          </a:xfrm>
+          <a:prstGeom prst="rect">
+            <a:avLst/>
+          </a:prstGeom>
+        </p:spPr>
+      </p:pic>
+      <p:pic>
+        <p:nvPicPr>
+          <p:cNvPr id="82" name="图片 81">
+            <a:extLst>
+              <a:ext uri="{FF2B5EF4-FFF2-40B4-BE49-F238E27FC236}">
+                <a16:creationId xmlns:a16="http://schemas.microsoft.com/office/drawing/2014/main" id="{3DBA1EFF-F6FE-4D3A-AEAB-261705CC6F47}"/>
+              </a:ext>
+            </a:extLst>
+          </p:cNvPr>
+          <p:cNvPicPr>
+            <a:picLocks noChangeAspect="1"/>
+          </p:cNvPicPr>
+          <p:nvPr/>
+        </p:nvPicPr>
+        <p:blipFill>
+          <a:blip r:embed="rId3">
+            <a:extLst>
+              <a:ext uri="{28A0092B-C50C-407E-A947-70E740481C1C}">
+                <a14:useLocalDpi xmlns:a14="http://schemas.microsoft.com/office/drawing/2010/main" val="0"/>
+              </a:ext>
+            </a:extLst>
+          </a:blip>
+          <a:stretch>
+            <a:fillRect/>
+          </a:stretch>
+        </p:blipFill>
+        <p:spPr>
+          <a:xfrm>
+            <a:off x="4889632" y="1134456"/>
+            <a:ext cx="573327" cy="573327"/>
+          </a:xfrm>
+          <a:prstGeom prst="rect">
+            <a:avLst/>
+          </a:prstGeom>
+        </p:spPr>
+      </p:pic>
+      <p:pic>
+        <p:nvPicPr>
+          <p:cNvPr id="83" name="图片 82">
+            <a:extLst>
+              <a:ext uri="{FF2B5EF4-FFF2-40B4-BE49-F238E27FC236}">
+                <a16:creationId xmlns:a16="http://schemas.microsoft.com/office/drawing/2014/main" id="{72D2FD16-2F2E-4921-913C-3D44FB56D972}"/>
+              </a:ext>
+            </a:extLst>
+          </p:cNvPr>
+          <p:cNvPicPr>
+            <a:picLocks noChangeAspect="1"/>
+          </p:cNvPicPr>
+          <p:nvPr/>
+        </p:nvPicPr>
+        <p:blipFill>
+          <a:blip r:embed="rId3">
+            <a:extLst>
+              <a:ext uri="{28A0092B-C50C-407E-A947-70E740481C1C}">
+                <a14:useLocalDpi xmlns:a14="http://schemas.microsoft.com/office/drawing/2010/main" val="0"/>
+              </a:ext>
+            </a:extLst>
+          </a:blip>
+          <a:stretch>
+            <a:fillRect/>
+          </a:stretch>
+        </p:blipFill>
+        <p:spPr>
+          <a:xfrm>
+            <a:off x="3742978" y="1707784"/>
+            <a:ext cx="573327" cy="573327"/>
+          </a:xfrm>
+          <a:prstGeom prst="rect">
+            <a:avLst/>
+          </a:prstGeom>
+        </p:spPr>
+      </p:pic>
+      <p:pic>
+        <p:nvPicPr>
+          <p:cNvPr id="84" name="图片 83">
+            <a:extLst>
+              <a:ext uri="{FF2B5EF4-FFF2-40B4-BE49-F238E27FC236}">
+                <a16:creationId xmlns:a16="http://schemas.microsoft.com/office/drawing/2014/main" id="{AB736B58-7136-4C40-A98C-AE9EA458E1C0}"/>
+              </a:ext>
+            </a:extLst>
+          </p:cNvPr>
+          <p:cNvPicPr>
+            <a:picLocks noChangeAspect="1"/>
+          </p:cNvPicPr>
+          <p:nvPr/>
+        </p:nvPicPr>
+        <p:blipFill>
+          <a:blip r:embed="rId3">
+            <a:extLst>
+              <a:ext uri="{28A0092B-C50C-407E-A947-70E740481C1C}">
+                <a14:useLocalDpi xmlns:a14="http://schemas.microsoft.com/office/drawing/2010/main" val="0"/>
+              </a:ext>
+            </a:extLst>
+          </a:blip>
+          <a:stretch>
+            <a:fillRect/>
+          </a:stretch>
+        </p:blipFill>
+        <p:spPr>
+          <a:xfrm>
+            <a:off x="4316305" y="1707783"/>
+            <a:ext cx="573327" cy="573327"/>
+          </a:xfrm>
+          <a:prstGeom prst="rect">
+            <a:avLst/>
+          </a:prstGeom>
+        </p:spPr>
+      </p:pic>
+      <p:pic>
+        <p:nvPicPr>
+          <p:cNvPr id="85" name="图片 84">
+            <a:extLst>
+              <a:ext uri="{FF2B5EF4-FFF2-40B4-BE49-F238E27FC236}">
+                <a16:creationId xmlns:a16="http://schemas.microsoft.com/office/drawing/2014/main" id="{2CF7B92F-C434-4807-8ABF-76E6004FCB07}"/>
+              </a:ext>
+            </a:extLst>
+          </p:cNvPr>
+          <p:cNvPicPr>
+            <a:picLocks noChangeAspect="1"/>
+          </p:cNvPicPr>
+          <p:nvPr/>
+        </p:nvPicPr>
+        <p:blipFill>
+          <a:blip r:embed="rId3">
+            <a:extLst>
+              <a:ext uri="{28A0092B-C50C-407E-A947-70E740481C1C}">
+                <a14:useLocalDpi xmlns:a14="http://schemas.microsoft.com/office/drawing/2010/main" val="0"/>
+              </a:ext>
+            </a:extLst>
+          </a:blip>
+          <a:stretch>
+            <a:fillRect/>
+          </a:stretch>
+        </p:blipFill>
+        <p:spPr>
+          <a:xfrm>
+            <a:off x="4889632" y="1707783"/>
+            <a:ext cx="573327" cy="573327"/>
+          </a:xfrm>
+          <a:prstGeom prst="rect">
+            <a:avLst/>
+          </a:prstGeom>
+        </p:spPr>
+      </p:pic>
+      <p:pic>
+        <p:nvPicPr>
+          <p:cNvPr id="86" name="图片 85">
+            <a:extLst>
+              <a:ext uri="{FF2B5EF4-FFF2-40B4-BE49-F238E27FC236}">
+                <a16:creationId xmlns:a16="http://schemas.microsoft.com/office/drawing/2014/main" id="{54A7CB7A-FFE9-4929-B83E-2BB727DA4D3A}"/>
+              </a:ext>
+            </a:extLst>
+          </p:cNvPr>
+          <p:cNvPicPr>
+            <a:picLocks noChangeAspect="1"/>
+          </p:cNvPicPr>
+          <p:nvPr/>
+        </p:nvPicPr>
+        <p:blipFill>
+          <a:blip r:embed="rId3">
+            <a:extLst>
+              <a:ext uri="{28A0092B-C50C-407E-A947-70E740481C1C}">
+                <a14:useLocalDpi xmlns:a14="http://schemas.microsoft.com/office/drawing/2010/main" val="0"/>
+              </a:ext>
+            </a:extLst>
+          </a:blip>
+          <a:stretch>
+            <a:fillRect/>
+          </a:stretch>
+        </p:blipFill>
+        <p:spPr>
+          <a:xfrm>
+            <a:off x="3738086" y="2281107"/>
+            <a:ext cx="573327" cy="573327"/>
+          </a:xfrm>
+          <a:prstGeom prst="rect">
+            <a:avLst/>
+          </a:prstGeom>
+        </p:spPr>
+      </p:pic>
+      <p:pic>
+        <p:nvPicPr>
+          <p:cNvPr id="87" name="图片 86">
+            <a:extLst>
+              <a:ext uri="{FF2B5EF4-FFF2-40B4-BE49-F238E27FC236}">
+                <a16:creationId xmlns:a16="http://schemas.microsoft.com/office/drawing/2014/main" id="{7A368F5A-1252-49F5-A07F-BE490E0D0B25}"/>
+              </a:ext>
+            </a:extLst>
+          </p:cNvPr>
+          <p:cNvPicPr>
+            <a:picLocks noChangeAspect="1"/>
+          </p:cNvPicPr>
+          <p:nvPr/>
+        </p:nvPicPr>
+        <p:blipFill>
+          <a:blip r:embed="rId3">
+            <a:extLst>
+              <a:ext uri="{28A0092B-C50C-407E-A947-70E740481C1C}">
+                <a14:useLocalDpi xmlns:a14="http://schemas.microsoft.com/office/drawing/2010/main" val="0"/>
+              </a:ext>
+            </a:extLst>
+          </a:blip>
+          <a:stretch>
+            <a:fillRect/>
+          </a:stretch>
+        </p:blipFill>
+        <p:spPr>
+          <a:xfrm>
+            <a:off x="4311413" y="2281106"/>
+            <a:ext cx="573327" cy="573327"/>
+          </a:xfrm>
+          <a:prstGeom prst="rect">
+            <a:avLst/>
+          </a:prstGeom>
+        </p:spPr>
+      </p:pic>
+      <p:pic>
+        <p:nvPicPr>
+          <p:cNvPr id="88" name="图片 87">
+            <a:extLst>
+              <a:ext uri="{FF2B5EF4-FFF2-40B4-BE49-F238E27FC236}">
+                <a16:creationId xmlns:a16="http://schemas.microsoft.com/office/drawing/2014/main" id="{B11C3602-03F4-4F0B-A905-4B15F4C51717}"/>
+              </a:ext>
+            </a:extLst>
+          </p:cNvPr>
+          <p:cNvPicPr>
+            <a:picLocks noChangeAspect="1"/>
+          </p:cNvPicPr>
+          <p:nvPr/>
+        </p:nvPicPr>
+        <p:blipFill>
+          <a:blip r:embed="rId3">
+            <a:extLst>
+              <a:ext uri="{28A0092B-C50C-407E-A947-70E740481C1C}">
+                <a14:useLocalDpi xmlns:a14="http://schemas.microsoft.com/office/drawing/2010/main" val="0"/>
+              </a:ext>
+            </a:extLst>
+          </a:blip>
+          <a:stretch>
+            <a:fillRect/>
+          </a:stretch>
+        </p:blipFill>
+        <p:spPr>
+          <a:xfrm>
+            <a:off x="4884740" y="2281106"/>
+            <a:ext cx="573327" cy="573327"/>
+          </a:xfrm>
+          <a:prstGeom prst="rect">
+            <a:avLst/>
+          </a:prstGeom>
+        </p:spPr>
+      </p:pic>
+      <p:pic>
+        <p:nvPicPr>
+          <p:cNvPr id="89" name="图片 88">
+            <a:extLst>
+              <a:ext uri="{FF2B5EF4-FFF2-40B4-BE49-F238E27FC236}">
+                <a16:creationId xmlns:a16="http://schemas.microsoft.com/office/drawing/2014/main" id="{5DD37910-5C79-461F-810D-F615D1F49D9C}"/>
+              </a:ext>
+            </a:extLst>
+          </p:cNvPr>
+          <p:cNvPicPr>
+            <a:picLocks noChangeAspect="1"/>
+          </p:cNvPicPr>
+          <p:nvPr/>
+        </p:nvPicPr>
+        <p:blipFill>
+          <a:blip r:embed="rId3">
+            <a:extLst>
+              <a:ext uri="{28A0092B-C50C-407E-A947-70E740481C1C}">
+                <a14:useLocalDpi xmlns:a14="http://schemas.microsoft.com/office/drawing/2010/main" val="0"/>
+              </a:ext>
+            </a:extLst>
+          </a:blip>
+          <a:stretch>
+            <a:fillRect/>
+          </a:stretch>
+        </p:blipFill>
+        <p:spPr>
+          <a:xfrm>
+            <a:off x="3738086" y="2854434"/>
+            <a:ext cx="573327" cy="573327"/>
+          </a:xfrm>
+          <a:prstGeom prst="rect">
+            <a:avLst/>
+          </a:prstGeom>
+        </p:spPr>
+      </p:pic>
+      <p:pic>
+        <p:nvPicPr>
+          <p:cNvPr id="90" name="图片 89">
+            <a:extLst>
+              <a:ext uri="{FF2B5EF4-FFF2-40B4-BE49-F238E27FC236}">
+                <a16:creationId xmlns:a16="http://schemas.microsoft.com/office/drawing/2014/main" id="{57363804-0783-44E0-9E47-0995EF4788F0}"/>
+              </a:ext>
+            </a:extLst>
+          </p:cNvPr>
+          <p:cNvPicPr>
+            <a:picLocks noChangeAspect="1"/>
+          </p:cNvPicPr>
+          <p:nvPr/>
+        </p:nvPicPr>
+        <p:blipFill>
+          <a:blip r:embed="rId3">
+            <a:extLst>
+              <a:ext uri="{28A0092B-C50C-407E-A947-70E740481C1C}">
+                <a14:useLocalDpi xmlns:a14="http://schemas.microsoft.com/office/drawing/2010/main" val="0"/>
+              </a:ext>
+            </a:extLst>
+          </a:blip>
+          <a:stretch>
+            <a:fillRect/>
+          </a:stretch>
+        </p:blipFill>
+        <p:spPr>
+          <a:xfrm>
+            <a:off x="4311413" y="2854433"/>
+            <a:ext cx="573327" cy="573327"/>
+          </a:xfrm>
+          <a:prstGeom prst="rect">
+            <a:avLst/>
+          </a:prstGeom>
+        </p:spPr>
+      </p:pic>
+      <p:pic>
+        <p:nvPicPr>
+          <p:cNvPr id="91" name="图片 90">
+            <a:extLst>
+              <a:ext uri="{FF2B5EF4-FFF2-40B4-BE49-F238E27FC236}">
+                <a16:creationId xmlns:a16="http://schemas.microsoft.com/office/drawing/2014/main" id="{0FDD71E5-45AC-4F8C-8984-2D781A6E3164}"/>
+              </a:ext>
+            </a:extLst>
+          </p:cNvPr>
+          <p:cNvPicPr>
+            <a:picLocks noChangeAspect="1"/>
+          </p:cNvPicPr>
+          <p:nvPr/>
+        </p:nvPicPr>
+        <p:blipFill>
+          <a:blip r:embed="rId3">
+            <a:extLst>
+              <a:ext uri="{28A0092B-C50C-407E-A947-70E740481C1C}">
+                <a14:useLocalDpi xmlns:a14="http://schemas.microsoft.com/office/drawing/2010/main" val="0"/>
+              </a:ext>
+            </a:extLst>
+          </a:blip>
+          <a:stretch>
+            <a:fillRect/>
+          </a:stretch>
+        </p:blipFill>
+        <p:spPr>
+          <a:xfrm>
+            <a:off x="4884740" y="2854433"/>
+            <a:ext cx="573327" cy="573327"/>
+          </a:xfrm>
+          <a:prstGeom prst="rect">
+            <a:avLst/>
+          </a:prstGeom>
+        </p:spPr>
+      </p:pic>
+      <p:pic>
+        <p:nvPicPr>
+          <p:cNvPr id="92" name="图片 91">
+            <a:extLst>
+              <a:ext uri="{FF2B5EF4-FFF2-40B4-BE49-F238E27FC236}">
+                <a16:creationId xmlns:a16="http://schemas.microsoft.com/office/drawing/2014/main" id="{D949FD53-1EC4-47D5-BEC9-3355508014BA}"/>
+              </a:ext>
+            </a:extLst>
+          </p:cNvPr>
+          <p:cNvPicPr>
+            <a:picLocks noChangeAspect="1"/>
+          </p:cNvPicPr>
+          <p:nvPr/>
+        </p:nvPicPr>
+        <p:blipFill>
+          <a:blip r:embed="rId3">
+            <a:extLst>
+              <a:ext uri="{28A0092B-C50C-407E-A947-70E740481C1C}">
+                <a14:useLocalDpi xmlns:a14="http://schemas.microsoft.com/office/drawing/2010/main" val="0"/>
+              </a:ext>
+            </a:extLst>
+          </a:blip>
+          <a:stretch>
+            <a:fillRect/>
+          </a:stretch>
+        </p:blipFill>
+        <p:spPr>
+          <a:xfrm>
+            <a:off x="3159867" y="3427755"/>
+            <a:ext cx="573327" cy="573327"/>
+          </a:xfrm>
+          <a:prstGeom prst="rect">
+            <a:avLst/>
+          </a:prstGeom>
+        </p:spPr>
+      </p:pic>
+      <p:pic>
+        <p:nvPicPr>
+          <p:cNvPr id="93" name="图片 92">
+            <a:extLst>
+              <a:ext uri="{FF2B5EF4-FFF2-40B4-BE49-F238E27FC236}">
+                <a16:creationId xmlns:a16="http://schemas.microsoft.com/office/drawing/2014/main" id="{B3406CAD-4041-4243-8DF4-734354C79E56}"/>
+              </a:ext>
+            </a:extLst>
+          </p:cNvPr>
+          <p:cNvPicPr>
+            <a:picLocks noChangeAspect="1"/>
+          </p:cNvPicPr>
+          <p:nvPr/>
+        </p:nvPicPr>
+        <p:blipFill>
+          <a:blip r:embed="rId3">
+            <a:extLst>
+              <a:ext uri="{28A0092B-C50C-407E-A947-70E740481C1C}">
+                <a14:useLocalDpi xmlns:a14="http://schemas.microsoft.com/office/drawing/2010/main" val="0"/>
+              </a:ext>
+            </a:extLst>
+          </a:blip>
+          <a:stretch>
+            <a:fillRect/>
+          </a:stretch>
+        </p:blipFill>
+        <p:spPr>
+          <a:xfrm>
+            <a:off x="3733194" y="3427754"/>
+            <a:ext cx="573327" cy="573327"/>
+          </a:xfrm>
+          <a:prstGeom prst="rect">
+            <a:avLst/>
+          </a:prstGeom>
+        </p:spPr>
+      </p:pic>
+      <p:pic>
+        <p:nvPicPr>
+          <p:cNvPr id="94" name="图片 93">
+            <a:extLst>
+              <a:ext uri="{FF2B5EF4-FFF2-40B4-BE49-F238E27FC236}">
+                <a16:creationId xmlns:a16="http://schemas.microsoft.com/office/drawing/2014/main" id="{332BEDCA-246E-4053-A965-93A8D71B84E5}"/>
+              </a:ext>
+            </a:extLst>
+          </p:cNvPr>
+          <p:cNvPicPr>
+            <a:picLocks noChangeAspect="1"/>
+          </p:cNvPicPr>
+          <p:nvPr/>
+        </p:nvPicPr>
+        <p:blipFill>
+          <a:blip r:embed="rId3">
+            <a:extLst>
+              <a:ext uri="{28A0092B-C50C-407E-A947-70E740481C1C}">
+                <a14:useLocalDpi xmlns:a14="http://schemas.microsoft.com/office/drawing/2010/main" val="0"/>
+              </a:ext>
+            </a:extLst>
+          </a:blip>
+          <a:stretch>
+            <a:fillRect/>
+          </a:stretch>
+        </p:blipFill>
+        <p:spPr>
+          <a:xfrm>
+            <a:off x="2586540" y="3427753"/>
+            <a:ext cx="573327" cy="573327"/>
+          </a:xfrm>
+          <a:prstGeom prst="rect">
+            <a:avLst/>
+          </a:prstGeom>
+        </p:spPr>
+      </p:pic>
+      <p:pic>
+        <p:nvPicPr>
+          <p:cNvPr id="3" name="图片 2">
+            <a:extLst>
+              <a:ext uri="{FF2B5EF4-FFF2-40B4-BE49-F238E27FC236}">
+                <a16:creationId xmlns:a16="http://schemas.microsoft.com/office/drawing/2014/main" id="{C7B4CF32-B802-4EB6-ABEC-49F757274648}"/>
+              </a:ext>
+            </a:extLst>
+          </p:cNvPr>
+          <p:cNvPicPr>
+            <a:picLocks noChangeAspect="1"/>
+          </p:cNvPicPr>
+          <p:nvPr/>
+        </p:nvPicPr>
+        <p:blipFill>
+          <a:blip r:embed="rId6">
+            <a:clrChange>
+              <a:clrFrom>
+                <a:srgbClr val="000000"/>
+              </a:clrFrom>
+              <a:clrTo>
+                <a:srgbClr val="000000">
+                  <a:alpha val="0"/>
+                </a:srgbClr>
+              </a:clrTo>
+            </a:clrChange>
+            <a:extLst>
+              <a:ext uri="{28A0092B-C50C-407E-A947-70E740481C1C}">
+                <a14:useLocalDpi xmlns:a14="http://schemas.microsoft.com/office/drawing/2010/main" val="0"/>
+              </a:ext>
+            </a:extLst>
+          </a:blip>
+          <a:stretch>
+            <a:fillRect/>
+          </a:stretch>
+        </p:blipFill>
+        <p:spPr>
+          <a:xfrm>
+            <a:off x="2233023" y="1417842"/>
+            <a:ext cx="2369945" cy="2369945"/>
+          </a:xfrm>
+          <a:prstGeom prst="rect">
+            <a:avLst/>
+          </a:prstGeom>
+        </p:spPr>
+      </p:pic>
+      <p:pic>
+        <p:nvPicPr>
+          <p:cNvPr id="95" name="图片 94">
+            <a:extLst>
+              <a:ext uri="{FF2B5EF4-FFF2-40B4-BE49-F238E27FC236}">
+                <a16:creationId xmlns:a16="http://schemas.microsoft.com/office/drawing/2014/main" id="{BA88B3CA-8E53-4C50-97AC-34754D2EEE24}"/>
+              </a:ext>
+            </a:extLst>
+          </p:cNvPr>
+          <p:cNvPicPr>
+            <a:picLocks noChangeAspect="1"/>
+          </p:cNvPicPr>
+          <p:nvPr/>
+        </p:nvPicPr>
+        <p:blipFill>
+          <a:blip r:embed="rId4">
+            <a:extLst>
+              <a:ext uri="{28A0092B-C50C-407E-A947-70E740481C1C}">
+                <a14:useLocalDpi xmlns:a14="http://schemas.microsoft.com/office/drawing/2010/main" val="0"/>
+              </a:ext>
+            </a:extLst>
+          </a:blip>
+          <a:stretch>
+            <a:fillRect/>
+          </a:stretch>
+        </p:blipFill>
+        <p:spPr>
+          <a:xfrm>
+            <a:off x="-733795" y="5229988"/>
+            <a:ext cx="1268914" cy="933960"/>
+          </a:xfrm>
+          <a:prstGeom prst="rect">
+            <a:avLst/>
+          </a:prstGeom>
+        </p:spPr>
+      </p:pic>
+    </p:spTree>
+    <p:extLst>
+      <p:ext uri="{BB962C8B-B14F-4D97-AF65-F5344CB8AC3E}">
+        <p14:creationId xmlns:p14="http://schemas.microsoft.com/office/powerpoint/2010/main" val="2615722745"/>
       </p:ext>
     </p:extLst>
   </p:cSld>
